--- a/resources/figures/Presentation2.pptx
+++ b/resources/figures/Presentation2.pptx
@@ -5,11 +5,16 @@
     <p:sldMasterId id="2147483648" r:id="rId1"/>
   </p:sldMasterIdLst>
   <p:notesMasterIdLst>
-    <p:notesMasterId r:id="rId4"/>
+    <p:notesMasterId r:id="rId9"/>
   </p:notesMasterIdLst>
   <p:sldIdLst>
-    <p:sldId id="256" r:id="rId2"/>
-    <p:sldId id="257" r:id="rId3"/>
+    <p:sldId id="258" r:id="rId2"/>
+    <p:sldId id="259" r:id="rId3"/>
+    <p:sldId id="257" r:id="rId4"/>
+    <p:sldId id="260" r:id="rId5"/>
+    <p:sldId id="261" r:id="rId6"/>
+    <p:sldId id="262" r:id="rId7"/>
+    <p:sldId id="263" r:id="rId8"/>
   </p:sldIdLst>
   <p:sldSz cx="12192000" cy="6858000"/>
   <p:notesSz cx="6858000" cy="9144000"/>
@@ -540,9 +545,93 @@
           <a:bodyPr/>
           <a:lstStyle/>
           <a:p>
+            <a:fld id="{F70D6BB6-1DEC-F947-8832-DF5307874BF8}" type="slidenum">
+              <a:rPr lang="de-DE" smtClean="0"/>
+              <a:t>1</a:t>
+            </a:fld>
+            <a:endParaRPr lang="de-DE"/>
+          </a:p>
+        </p:txBody>
+      </p:sp>
+    </p:spTree>
+    <p:extLst>
+      <p:ext uri="{BB962C8B-B14F-4D97-AF65-F5344CB8AC3E}">
+        <p14:creationId xmlns:p14="http://schemas.microsoft.com/office/powerpoint/2010/main" val="3262883175"/>
+      </p:ext>
+    </p:extLst>
+  </p:cSld>
+  <p:clrMapOvr>
+    <a:masterClrMapping/>
+  </p:clrMapOvr>
+</p:notes>
+</file>
+
+<file path=ppt/notesSlides/notesSlide2.xml><?xml version="1.0" encoding="utf-8"?>
+<p:notes xmlns:a="http://schemas.openxmlformats.org/drawingml/2006/main" xmlns:r="http://schemas.openxmlformats.org/officeDocument/2006/relationships" xmlns:p="http://schemas.openxmlformats.org/presentationml/2006/main">
+  <p:cSld>
+    <p:spTree>
+      <p:nvGrpSpPr>
+        <p:cNvPr id="1" name=""/>
+        <p:cNvGrpSpPr/>
+        <p:nvPr/>
+      </p:nvGrpSpPr>
+      <p:grpSpPr>
+        <a:xfrm>
+          <a:off x="0" y="0"/>
+          <a:ext cx="0" cy="0"/>
+          <a:chOff x="0" y="0"/>
+          <a:chExt cx="0" cy="0"/>
+        </a:xfrm>
+      </p:grpSpPr>
+      <p:sp>
+        <p:nvSpPr>
+          <p:cNvPr id="2" name="Slide Image Placeholder 1"/>
+          <p:cNvSpPr>
+            <a:spLocks noGrp="1" noRot="1" noChangeAspect="1"/>
+          </p:cNvSpPr>
+          <p:nvPr>
+            <p:ph type="sldImg"/>
+          </p:nvPr>
+        </p:nvSpPr>
+        <p:spPr/>
+      </p:sp>
+      <p:sp>
+        <p:nvSpPr>
+          <p:cNvPr id="3" name="Notes Placeholder 2"/>
+          <p:cNvSpPr>
+            <a:spLocks noGrp="1"/>
+          </p:cNvSpPr>
+          <p:nvPr>
+            <p:ph type="body" idx="1"/>
+          </p:nvPr>
+        </p:nvSpPr>
+        <p:spPr/>
+        <p:txBody>
+          <a:bodyPr/>
+          <a:lstStyle/>
+          <a:p>
+            <a:endParaRPr lang="de-DE" dirty="0"/>
+          </a:p>
+        </p:txBody>
+      </p:sp>
+      <p:sp>
+        <p:nvSpPr>
+          <p:cNvPr id="4" name="Slide Number Placeholder 3"/>
+          <p:cNvSpPr>
+            <a:spLocks noGrp="1"/>
+          </p:cNvSpPr>
+          <p:nvPr>
+            <p:ph type="sldNum" sz="quarter" idx="5"/>
+          </p:nvPr>
+        </p:nvSpPr>
+        <p:spPr/>
+        <p:txBody>
+          <a:bodyPr/>
+          <a:lstStyle/>
+          <a:p>
             <a:fld id="{50BD211F-E4E4-2A4C-9E8E-064E8AFCDD01}" type="slidenum">
               <a:rPr lang="de-DE" smtClean="0"/>
-              <a:t>2</a:t>
+              <a:t>3</a:t>
             </a:fld>
             <a:endParaRPr lang="de-DE"/>
           </a:p>
@@ -552,6 +641,90 @@
     <p:extLst>
       <p:ext uri="{BB962C8B-B14F-4D97-AF65-F5344CB8AC3E}">
         <p14:creationId xmlns:p14="http://schemas.microsoft.com/office/powerpoint/2010/main" val="898127470"/>
+      </p:ext>
+    </p:extLst>
+  </p:cSld>
+  <p:clrMapOvr>
+    <a:masterClrMapping/>
+  </p:clrMapOvr>
+</p:notes>
+</file>
+
+<file path=ppt/notesSlides/notesSlide3.xml><?xml version="1.0" encoding="utf-8"?>
+<p:notes xmlns:a="http://schemas.openxmlformats.org/drawingml/2006/main" xmlns:r="http://schemas.openxmlformats.org/officeDocument/2006/relationships" xmlns:p="http://schemas.openxmlformats.org/presentationml/2006/main">
+  <p:cSld>
+    <p:spTree>
+      <p:nvGrpSpPr>
+        <p:cNvPr id="1" name=""/>
+        <p:cNvGrpSpPr/>
+        <p:nvPr/>
+      </p:nvGrpSpPr>
+      <p:grpSpPr>
+        <a:xfrm>
+          <a:off x="0" y="0"/>
+          <a:ext cx="0" cy="0"/>
+          <a:chOff x="0" y="0"/>
+          <a:chExt cx="0" cy="0"/>
+        </a:xfrm>
+      </p:grpSpPr>
+      <p:sp>
+        <p:nvSpPr>
+          <p:cNvPr id="2" name="Slide Image Placeholder 1"/>
+          <p:cNvSpPr>
+            <a:spLocks noGrp="1" noRot="1" noChangeAspect="1"/>
+          </p:cNvSpPr>
+          <p:nvPr>
+            <p:ph type="sldImg"/>
+          </p:nvPr>
+        </p:nvSpPr>
+        <p:spPr/>
+      </p:sp>
+      <p:sp>
+        <p:nvSpPr>
+          <p:cNvPr id="3" name="Notes Placeholder 2"/>
+          <p:cNvSpPr>
+            <a:spLocks noGrp="1"/>
+          </p:cNvSpPr>
+          <p:nvPr>
+            <p:ph type="body" idx="1"/>
+          </p:nvPr>
+        </p:nvSpPr>
+        <p:spPr/>
+        <p:txBody>
+          <a:bodyPr/>
+          <a:lstStyle/>
+          <a:p>
+            <a:endParaRPr lang="de-DE" dirty="0"/>
+          </a:p>
+        </p:txBody>
+      </p:sp>
+      <p:sp>
+        <p:nvSpPr>
+          <p:cNvPr id="4" name="Slide Number Placeholder 3"/>
+          <p:cNvSpPr>
+            <a:spLocks noGrp="1"/>
+          </p:cNvSpPr>
+          <p:nvPr>
+            <p:ph type="sldNum" sz="quarter" idx="5"/>
+          </p:nvPr>
+        </p:nvSpPr>
+        <p:spPr/>
+        <p:txBody>
+          <a:bodyPr/>
+          <a:lstStyle/>
+          <a:p>
+            <a:fld id="{50BD211F-E4E4-2A4C-9E8E-064E8AFCDD01}" type="slidenum">
+              <a:rPr lang="de-DE" smtClean="0"/>
+              <a:t>4</a:t>
+            </a:fld>
+            <a:endParaRPr lang="de-DE"/>
+          </a:p>
+        </p:txBody>
+      </p:sp>
+    </p:spTree>
+    <p:extLst>
+      <p:ext uri="{BB962C8B-B14F-4D97-AF65-F5344CB8AC3E}">
+        <p14:creationId xmlns:p14="http://schemas.microsoft.com/office/powerpoint/2010/main" val="1649355309"/>
       </p:ext>
     </p:extLst>
   </p:cSld>
@@ -1708,10 +1881,10 @@
           <a:lstStyle/>
           <a:p>
             <a:r>
-              <a:rPr lang="en-GB"/>
+              <a:rPr lang="en-GB" dirty="0"/>
               <a:t>Click to edit Master title style</a:t>
             </a:r>
-            <a:endParaRPr lang="de-DE"/>
+            <a:endParaRPr lang="de-DE" dirty="0"/>
           </a:p>
         </p:txBody>
       </p:sp>
@@ -3250,7 +3423,7 @@
         <p:spPr>
           <a:xfrm>
             <a:off x="838200" y="365125"/>
-            <a:ext cx="10515600" cy="1325563"/>
+            <a:ext cx="10515600" cy="600075"/>
           </a:xfrm>
           <a:prstGeom prst="rect">
             <a:avLst/>
@@ -3288,8 +3461,8 @@
         </p:nvSpPr>
         <p:spPr>
           <a:xfrm>
-            <a:off x="838200" y="1825625"/>
-            <a:ext cx="10515600" cy="4351338"/>
+            <a:off x="838200" y="1498600"/>
+            <a:ext cx="10515600" cy="4678363"/>
           </a:xfrm>
           <a:prstGeom prst="rect">
             <a:avLst/>
@@ -3506,7 +3679,7 @@
           <a:spcPct val="0"/>
         </a:spcBef>
         <a:buNone/>
-        <a:defRPr sz="4400" kern="1200">
+        <a:defRPr sz="3200" b="1" kern="1200">
           <a:solidFill>
             <a:schemeClr val="tx1"/>
           </a:solidFill>
@@ -3796,12 +3969,396 @@
           <a:chExt cx="0" cy="0"/>
         </a:xfrm>
       </p:grpSpPr>
+      <p:grpSp>
+        <p:nvGrpSpPr>
+          <p:cNvPr id="10" name="Group 9">
+            <a:extLst>
+              <a:ext uri="{FF2B5EF4-FFF2-40B4-BE49-F238E27FC236}">
+                <a16:creationId xmlns:a16="http://schemas.microsoft.com/office/drawing/2014/main" id="{5355DF98-DA84-C648-B213-C3ADB4E4E386}"/>
+              </a:ext>
+            </a:extLst>
+          </p:cNvPr>
+          <p:cNvGrpSpPr/>
+          <p:nvPr/>
+        </p:nvGrpSpPr>
+        <p:grpSpPr>
+          <a:xfrm>
+            <a:off x="838199" y="1678078"/>
+            <a:ext cx="6337183" cy="4536693"/>
+            <a:chOff x="6096000" y="1282305"/>
+            <a:chExt cx="4771159" cy="3415600"/>
+          </a:xfrm>
+        </p:grpSpPr>
+        <p:pic>
+          <p:nvPicPr>
+            <p:cNvPr id="6" name="Picture 5" descr="A picture containing graphical user interface&#10;&#10;Description automatically generated">
+              <a:extLst>
+                <a:ext uri="{FF2B5EF4-FFF2-40B4-BE49-F238E27FC236}">
+                  <a16:creationId xmlns:a16="http://schemas.microsoft.com/office/drawing/2014/main" id="{F8BE5539-1A7A-F146-877F-EABE62DAAC6F}"/>
+                </a:ext>
+              </a:extLst>
+            </p:cNvPr>
+            <p:cNvPicPr>
+              <a:picLocks noChangeAspect="1"/>
+            </p:cNvPicPr>
+            <p:nvPr/>
+          </p:nvPicPr>
+          <p:blipFill>
+            <a:blip r:embed="rId3"/>
+            <a:stretch>
+              <a:fillRect/>
+            </a:stretch>
+          </p:blipFill>
+          <p:spPr>
+            <a:xfrm>
+              <a:off x="6096000" y="1282305"/>
+              <a:ext cx="4554133" cy="3415600"/>
+            </a:xfrm>
+            <a:prstGeom prst="rect">
+              <a:avLst/>
+            </a:prstGeom>
+          </p:spPr>
+        </p:pic>
+        <p:sp>
+          <p:nvSpPr>
+            <p:cNvPr id="17" name="TextBox 16">
+              <a:extLst>
+                <a:ext uri="{FF2B5EF4-FFF2-40B4-BE49-F238E27FC236}">
+                  <a16:creationId xmlns:a16="http://schemas.microsoft.com/office/drawing/2014/main" id="{9C0CD39E-1291-0C47-921F-39B787403C08}"/>
+                </a:ext>
+              </a:extLst>
+            </p:cNvPr>
+            <p:cNvSpPr txBox="1"/>
+            <p:nvPr/>
+          </p:nvSpPr>
+          <p:spPr>
+            <a:xfrm>
+              <a:off x="6471751" y="3337878"/>
+              <a:ext cx="382821" cy="191169"/>
+            </a:xfrm>
+            <a:prstGeom prst="rect">
+              <a:avLst/>
+            </a:prstGeom>
+            <a:noFill/>
+          </p:spPr>
+          <p:txBody>
+            <a:bodyPr wrap="none" rtlCol="0">
+              <a:spAutoFit/>
+            </a:bodyPr>
+            <a:lstStyle/>
+            <a:p>
+              <a:r>
+                <a:rPr lang="en-US" sz="1050" dirty="0" err="1">
+                  <a:solidFill>
+                    <a:schemeClr val="bg1"/>
+                  </a:solidFill>
+                </a:rPr>
+                <a:t>x_box</a:t>
+              </a:r>
+              <a:endParaRPr lang="en-US" sz="1050" dirty="0">
+                <a:solidFill>
+                  <a:schemeClr val="bg1"/>
+                </a:solidFill>
+              </a:endParaRPr>
+            </a:p>
+          </p:txBody>
+        </p:sp>
+        <p:sp>
+          <p:nvSpPr>
+            <p:cNvPr id="30" name="Oval 29">
+              <a:extLst>
+                <a:ext uri="{FF2B5EF4-FFF2-40B4-BE49-F238E27FC236}">
+                  <a16:creationId xmlns:a16="http://schemas.microsoft.com/office/drawing/2014/main" id="{AED6C1FF-AB8D-0C41-AD35-9192371F3053}"/>
+                </a:ext>
+              </a:extLst>
+            </p:cNvPr>
+            <p:cNvSpPr/>
+            <p:nvPr/>
+          </p:nvSpPr>
+          <p:spPr>
+            <a:xfrm>
+              <a:off x="8553719" y="4046296"/>
+              <a:ext cx="389239" cy="385933"/>
+            </a:xfrm>
+            <a:prstGeom prst="ellipse">
+              <a:avLst/>
+            </a:prstGeom>
+            <a:noFill/>
+            <a:ln>
+              <a:solidFill>
+                <a:schemeClr val="bg1"/>
+              </a:solidFill>
+            </a:ln>
+          </p:spPr>
+          <p:style>
+            <a:lnRef idx="2">
+              <a:schemeClr val="accent1">
+                <a:shade val="50000"/>
+              </a:schemeClr>
+            </a:lnRef>
+            <a:fillRef idx="1">
+              <a:schemeClr val="accent1"/>
+            </a:fillRef>
+            <a:effectRef idx="0">
+              <a:schemeClr val="accent1"/>
+            </a:effectRef>
+            <a:fontRef idx="minor">
+              <a:schemeClr val="lt1"/>
+            </a:fontRef>
+          </p:style>
+          <p:txBody>
+            <a:bodyPr rtlCol="0" anchor="ctr"/>
+            <a:lstStyle/>
+            <a:p>
+              <a:pPr algn="ctr"/>
+              <a:endParaRPr lang="en-US" dirty="0"/>
+            </a:p>
+          </p:txBody>
+        </p:sp>
+        <p:cxnSp>
+          <p:nvCxnSpPr>
+            <p:cNvPr id="31" name="Straight Arrow Connector 30">
+              <a:extLst>
+                <a:ext uri="{FF2B5EF4-FFF2-40B4-BE49-F238E27FC236}">
+                  <a16:creationId xmlns:a16="http://schemas.microsoft.com/office/drawing/2014/main" id="{13142EF1-CDCE-AA4C-A643-374DE8AC0F33}"/>
+                </a:ext>
+              </a:extLst>
+            </p:cNvPr>
+            <p:cNvCxnSpPr>
+              <a:cxnSpLocks/>
+            </p:cNvCxnSpPr>
+            <p:nvPr/>
+          </p:nvCxnSpPr>
+          <p:spPr>
+            <a:xfrm flipH="1">
+              <a:off x="8942958" y="4239747"/>
+              <a:ext cx="681488" cy="0"/>
+            </a:xfrm>
+            <a:prstGeom prst="straightConnector1">
+              <a:avLst/>
+            </a:prstGeom>
+            <a:ln w="12700">
+              <a:solidFill>
+                <a:schemeClr val="bg1"/>
+              </a:solidFill>
+              <a:headEnd type="triangle" w="med" len="med"/>
+              <a:tailEnd type="none" w="med" len="med"/>
+            </a:ln>
+          </p:spPr>
+          <p:style>
+            <a:lnRef idx="1">
+              <a:schemeClr val="accent1"/>
+            </a:lnRef>
+            <a:fillRef idx="0">
+              <a:schemeClr val="accent1"/>
+            </a:fillRef>
+            <a:effectRef idx="0">
+              <a:schemeClr val="accent1"/>
+            </a:effectRef>
+            <a:fontRef idx="minor">
+              <a:schemeClr val="tx1"/>
+            </a:fontRef>
+          </p:style>
+        </p:cxnSp>
+        <p:sp>
+          <p:nvSpPr>
+            <p:cNvPr id="32" name="TextBox 31">
+              <a:extLst>
+                <a:ext uri="{FF2B5EF4-FFF2-40B4-BE49-F238E27FC236}">
+                  <a16:creationId xmlns:a16="http://schemas.microsoft.com/office/drawing/2014/main" id="{4E526351-B190-8645-994B-0957F778428B}"/>
+                </a:ext>
+              </a:extLst>
+            </p:cNvPr>
+            <p:cNvSpPr txBox="1"/>
+            <p:nvPr/>
+          </p:nvSpPr>
+          <p:spPr>
+            <a:xfrm>
+              <a:off x="8913995" y="4011420"/>
+              <a:ext cx="516784" cy="191169"/>
+            </a:xfrm>
+            <a:prstGeom prst="rect">
+              <a:avLst/>
+            </a:prstGeom>
+            <a:noFill/>
+          </p:spPr>
+          <p:txBody>
+            <a:bodyPr wrap="none" rtlCol="0">
+              <a:spAutoFit/>
+            </a:bodyPr>
+            <a:lstStyle/>
+            <a:p>
+              <a:r>
+                <a:rPr lang="en-US" sz="1050" dirty="0" err="1">
+                  <a:solidFill>
+                    <a:schemeClr val="bg1"/>
+                  </a:solidFill>
+                </a:rPr>
+                <a:t>v_enemy</a:t>
+              </a:r>
+              <a:endParaRPr lang="en-US" sz="1050" dirty="0">
+                <a:solidFill>
+                  <a:schemeClr val="bg1"/>
+                </a:solidFill>
+              </a:endParaRPr>
+            </a:p>
+          </p:txBody>
+        </p:sp>
+        <p:sp>
+          <p:nvSpPr>
+            <p:cNvPr id="33" name="TextBox 32">
+              <a:extLst>
+                <a:ext uri="{FF2B5EF4-FFF2-40B4-BE49-F238E27FC236}">
+                  <a16:creationId xmlns:a16="http://schemas.microsoft.com/office/drawing/2014/main" id="{AB2A0770-95DC-9741-9023-22E6398DA22F}"/>
+                </a:ext>
+              </a:extLst>
+            </p:cNvPr>
+            <p:cNvSpPr txBox="1"/>
+            <p:nvPr/>
+          </p:nvSpPr>
+          <p:spPr>
+            <a:xfrm>
+              <a:off x="9872097" y="3850581"/>
+              <a:ext cx="412993" cy="191169"/>
+            </a:xfrm>
+            <a:prstGeom prst="rect">
+              <a:avLst/>
+            </a:prstGeom>
+            <a:noFill/>
+          </p:spPr>
+          <p:txBody>
+            <a:bodyPr wrap="none" rtlCol="0">
+              <a:spAutoFit/>
+            </a:bodyPr>
+            <a:lstStyle/>
+            <a:p>
+              <a:r>
+                <a:rPr lang="en-US" sz="1050" dirty="0" err="1">
+                  <a:solidFill>
+                    <a:schemeClr val="bg1"/>
+                  </a:solidFill>
+                </a:rPr>
+                <a:t>x_pipe</a:t>
+              </a:r>
+              <a:endParaRPr lang="en-US" sz="1050" dirty="0">
+                <a:solidFill>
+                  <a:schemeClr val="bg1"/>
+                </a:solidFill>
+              </a:endParaRPr>
+            </a:p>
+          </p:txBody>
+        </p:sp>
+        <p:sp>
+          <p:nvSpPr>
+            <p:cNvPr id="35" name="Oval 34">
+              <a:extLst>
+                <a:ext uri="{FF2B5EF4-FFF2-40B4-BE49-F238E27FC236}">
+                  <a16:creationId xmlns:a16="http://schemas.microsoft.com/office/drawing/2014/main" id="{38FC6486-83B0-A446-A4B6-488E7D2F0EDD}"/>
+                </a:ext>
+              </a:extLst>
+            </p:cNvPr>
+            <p:cNvSpPr/>
+            <p:nvPr/>
+          </p:nvSpPr>
+          <p:spPr>
+            <a:xfrm>
+              <a:off x="10318611" y="3748924"/>
+              <a:ext cx="548548" cy="676506"/>
+            </a:xfrm>
+            <a:prstGeom prst="ellipse">
+              <a:avLst/>
+            </a:prstGeom>
+            <a:noFill/>
+            <a:ln>
+              <a:solidFill>
+                <a:schemeClr val="bg1"/>
+              </a:solidFill>
+            </a:ln>
+          </p:spPr>
+          <p:style>
+            <a:lnRef idx="2">
+              <a:schemeClr val="accent1">
+                <a:shade val="50000"/>
+              </a:schemeClr>
+            </a:lnRef>
+            <a:fillRef idx="1">
+              <a:schemeClr val="accent1"/>
+            </a:fillRef>
+            <a:effectRef idx="0">
+              <a:schemeClr val="accent1"/>
+            </a:effectRef>
+            <a:fontRef idx="minor">
+              <a:schemeClr val="lt1"/>
+            </a:fontRef>
+          </p:style>
+          <p:txBody>
+            <a:bodyPr rtlCol="0" anchor="ctr"/>
+            <a:lstStyle/>
+            <a:p>
+              <a:pPr algn="ctr"/>
+              <a:endParaRPr lang="en-US" dirty="0"/>
+            </a:p>
+          </p:txBody>
+        </p:sp>
+        <p:sp>
+          <p:nvSpPr>
+            <p:cNvPr id="37" name="Oval 36">
+              <a:extLst>
+                <a:ext uri="{FF2B5EF4-FFF2-40B4-BE49-F238E27FC236}">
+                  <a16:creationId xmlns:a16="http://schemas.microsoft.com/office/drawing/2014/main" id="{B679031C-E585-ED40-B18E-AA114CB7491D}"/>
+                </a:ext>
+              </a:extLst>
+            </p:cNvPr>
+            <p:cNvSpPr/>
+            <p:nvPr/>
+          </p:nvSpPr>
+          <p:spPr>
+            <a:xfrm>
+              <a:off x="7223412" y="3275452"/>
+              <a:ext cx="389239" cy="385933"/>
+            </a:xfrm>
+            <a:prstGeom prst="ellipse">
+              <a:avLst/>
+            </a:prstGeom>
+            <a:noFill/>
+            <a:ln>
+              <a:solidFill>
+                <a:schemeClr val="bg1"/>
+              </a:solidFill>
+            </a:ln>
+          </p:spPr>
+          <p:style>
+            <a:lnRef idx="2">
+              <a:schemeClr val="accent1">
+                <a:shade val="50000"/>
+              </a:schemeClr>
+            </a:lnRef>
+            <a:fillRef idx="1">
+              <a:schemeClr val="accent1"/>
+            </a:fillRef>
+            <a:effectRef idx="0">
+              <a:schemeClr val="accent1"/>
+            </a:effectRef>
+            <a:fontRef idx="minor">
+              <a:schemeClr val="lt1"/>
+            </a:fontRef>
+          </p:style>
+          <p:txBody>
+            <a:bodyPr rtlCol="0" anchor="ctr"/>
+            <a:lstStyle/>
+            <a:p>
+              <a:pPr algn="ctr"/>
+              <a:endParaRPr lang="en-US" dirty="0"/>
+            </a:p>
+          </p:txBody>
+        </p:sp>
+      </p:grpSp>
       <p:sp>
         <p:nvSpPr>
-          <p:cNvPr id="2" name="Title 1">
+          <p:cNvPr id="11" name="Title 10">
             <a:extLst>
               <a:ext uri="{FF2B5EF4-FFF2-40B4-BE49-F238E27FC236}">
-                <a16:creationId xmlns:a16="http://schemas.microsoft.com/office/drawing/2014/main" id="{D518AB39-A92B-864B-A4D5-96E8C1769E73}"/>
+                <a16:creationId xmlns:a16="http://schemas.microsoft.com/office/drawing/2014/main" id="{32175931-4A07-3541-9922-707FBBCC1896}"/>
               </a:ext>
             </a:extLst>
           </p:cNvPr>
@@ -3809,7 +4366,7 @@
             <a:spLocks noGrp="1"/>
           </p:cNvSpPr>
           <p:nvPr>
-            <p:ph type="ctrTitle"/>
+            <p:ph type="title"/>
           </p:nvPr>
         </p:nvSpPr>
         <p:spPr/>
@@ -3817,39 +4374,551 @@
           <a:bodyPr/>
           <a:lstStyle/>
           <a:p>
-            <a:endParaRPr lang="de-DE"/>
+            <a:r>
+              <a:rPr lang="en-US" dirty="0"/>
+              <a:t>Project set-up</a:t>
+            </a:r>
           </a:p>
         </p:txBody>
       </p:sp>
       <p:sp>
         <p:nvSpPr>
-          <p:cNvPr id="3" name="Subtitle 2">
+          <p:cNvPr id="38" name="Textfeld 28">
             <a:extLst>
               <a:ext uri="{FF2B5EF4-FFF2-40B4-BE49-F238E27FC236}">
-                <a16:creationId xmlns:a16="http://schemas.microsoft.com/office/drawing/2014/main" id="{32D1EB9B-C324-AC4B-8889-BB43FBB3CB3E}"/>
+                <a16:creationId xmlns:a16="http://schemas.microsoft.com/office/drawing/2014/main" id="{39926AD8-FA09-A34C-AF45-97EC47FA3722}"/>
               </a:ext>
             </a:extLst>
           </p:cNvPr>
-          <p:cNvSpPr>
-            <a:spLocks noGrp="1"/>
-          </p:cNvSpPr>
-          <p:nvPr>
-            <p:ph type="subTitle" idx="1"/>
-          </p:nvPr>
+          <p:cNvSpPr txBox="1"/>
+          <p:nvPr/>
         </p:nvSpPr>
-        <p:spPr/>
+        <p:spPr bwMode="gray">
+          <a:xfrm>
+            <a:off x="7588957" y="1611658"/>
+            <a:ext cx="3764843" cy="251795"/>
+          </a:xfrm>
+          <a:prstGeom prst="rect">
+            <a:avLst/>
+          </a:prstGeom>
+          <a:noFill/>
+        </p:spPr>
         <p:txBody>
-          <a:bodyPr/>
+          <a:bodyPr wrap="square" lIns="0" tIns="0" rIns="0" bIns="36000" rtlCol="0" anchor="b">
+            <a:spAutoFit/>
+          </a:bodyPr>
           <a:lstStyle/>
           <a:p>
-            <a:endParaRPr lang="de-DE"/>
+            <a:r>
+              <a:rPr lang="en-US" sz="1400" b="1" dirty="0"/>
+              <a:t>Concepts</a:t>
+            </a:r>
+          </a:p>
+        </p:txBody>
+      </p:sp>
+      <p:cxnSp>
+        <p:nvCxnSpPr>
+          <p:cNvPr id="39" name="Gerader Verbinder 29">
+            <a:extLst>
+              <a:ext uri="{FF2B5EF4-FFF2-40B4-BE49-F238E27FC236}">
+                <a16:creationId xmlns:a16="http://schemas.microsoft.com/office/drawing/2014/main" id="{44CB6577-A495-C548-860F-70B1252C2D1D}"/>
+              </a:ext>
+            </a:extLst>
+          </p:cNvPr>
+          <p:cNvCxnSpPr>
+            <a:cxnSpLocks/>
+          </p:cNvCxnSpPr>
+          <p:nvPr/>
+        </p:nvCxnSpPr>
+        <p:spPr bwMode="gray">
+          <a:xfrm>
+            <a:off x="7588957" y="1863453"/>
+            <a:ext cx="3764844" cy="0"/>
+          </a:xfrm>
+          <a:prstGeom prst="line">
+            <a:avLst/>
+          </a:prstGeom>
+          <a:ln w="3175">
+            <a:solidFill>
+              <a:schemeClr val="tx1">
+                <a:lumMod val="40000"/>
+                <a:lumOff val="60000"/>
+              </a:schemeClr>
+            </a:solidFill>
+          </a:ln>
+        </p:spPr>
+        <p:style>
+          <a:lnRef idx="1">
+            <a:schemeClr val="accent1"/>
+          </a:lnRef>
+          <a:fillRef idx="0">
+            <a:schemeClr val="accent1"/>
+          </a:fillRef>
+          <a:effectRef idx="0">
+            <a:schemeClr val="accent1"/>
+          </a:effectRef>
+          <a:fontRef idx="minor">
+            <a:schemeClr val="tx1"/>
+          </a:fontRef>
+        </p:style>
+      </p:cxnSp>
+      <p:cxnSp>
+        <p:nvCxnSpPr>
+          <p:cNvPr id="40" name="Gerader Verbinder 31">
+            <a:extLst>
+              <a:ext uri="{FF2B5EF4-FFF2-40B4-BE49-F238E27FC236}">
+                <a16:creationId xmlns:a16="http://schemas.microsoft.com/office/drawing/2014/main" id="{C386B9C5-E4B4-8F46-9054-EA078DE87F9A}"/>
+              </a:ext>
+            </a:extLst>
+          </p:cNvPr>
+          <p:cNvCxnSpPr/>
+          <p:nvPr/>
+        </p:nvCxnSpPr>
+        <p:spPr bwMode="gray">
+          <a:xfrm flipV="1">
+            <a:off x="7370794" y="1605053"/>
+            <a:ext cx="0" cy="4536693"/>
+          </a:xfrm>
+          <a:prstGeom prst="line">
+            <a:avLst/>
+          </a:prstGeom>
+          <a:ln w="3175">
+            <a:solidFill>
+              <a:schemeClr val="tx1">
+                <a:lumMod val="40000"/>
+                <a:lumOff val="60000"/>
+              </a:schemeClr>
+            </a:solidFill>
+            <a:prstDash val="sysDot"/>
+          </a:ln>
+        </p:spPr>
+        <p:style>
+          <a:lnRef idx="1">
+            <a:schemeClr val="accent1"/>
+          </a:lnRef>
+          <a:fillRef idx="0">
+            <a:schemeClr val="accent1"/>
+          </a:fillRef>
+          <a:effectRef idx="0">
+            <a:schemeClr val="accent1"/>
+          </a:effectRef>
+          <a:fontRef idx="minor">
+            <a:schemeClr val="tx1"/>
+          </a:fontRef>
+        </p:style>
+      </p:cxnSp>
+      <p:grpSp>
+        <p:nvGrpSpPr>
+          <p:cNvPr id="41" name="Gruppieren 32">
+            <a:extLst>
+              <a:ext uri="{FF2B5EF4-FFF2-40B4-BE49-F238E27FC236}">
+                <a16:creationId xmlns:a16="http://schemas.microsoft.com/office/drawing/2014/main" id="{64EEA933-C9F1-FB40-A256-337F506E998D}"/>
+              </a:ext>
+            </a:extLst>
+          </p:cNvPr>
+          <p:cNvGrpSpPr/>
+          <p:nvPr/>
+        </p:nvGrpSpPr>
+        <p:grpSpPr>
+          <a:xfrm>
+            <a:off x="7268400" y="3492399"/>
+            <a:ext cx="204788" cy="755650"/>
+            <a:chOff x="9006774" y="3303778"/>
+            <a:chExt cx="204788" cy="755650"/>
+          </a:xfrm>
+        </p:grpSpPr>
+        <p:sp>
+          <p:nvSpPr>
+            <p:cNvPr id="42" name="Rechteck 33">
+              <a:extLst>
+                <a:ext uri="{FF2B5EF4-FFF2-40B4-BE49-F238E27FC236}">
+                  <a16:creationId xmlns:a16="http://schemas.microsoft.com/office/drawing/2014/main" id="{00EF3532-CD67-2A47-AFA8-634D8AD4BCCB}"/>
+                </a:ext>
+              </a:extLst>
+            </p:cNvPr>
+            <p:cNvSpPr/>
+            <p:nvPr/>
+          </p:nvSpPr>
+          <p:spPr bwMode="gray">
+            <a:xfrm>
+              <a:off x="9006774" y="3303778"/>
+              <a:ext cx="204788" cy="755650"/>
+            </a:xfrm>
+            <a:prstGeom prst="rect">
+              <a:avLst/>
+            </a:prstGeom>
+            <a:solidFill>
+              <a:schemeClr val="bg1"/>
+            </a:solidFill>
+            <a:ln w="12700" cap="flat" cmpd="sng" algn="ctr">
+              <a:noFill/>
+              <a:prstDash val="solid"/>
+              <a:miter lim="800000"/>
+            </a:ln>
+            <a:effectLst/>
+            <a:extLst>
+              <a:ext uri="{91240B29-F687-4F45-9708-019B960494DF}">
+                <a14:hiddenLine xmlns:a14="http://schemas.microsoft.com/office/drawing/2010/main" w="12700" cap="flat" cmpd="sng" algn="ctr">
+                  <a:solidFill>
+                    <a:schemeClr val="accent1">
+                      <a:shade val="50000"/>
+                    </a:schemeClr>
+                  </a:solidFill>
+                  <a:prstDash val="solid"/>
+                  <a:miter lim="800000"/>
+                </a14:hiddenLine>
+              </a:ext>
+            </a:extLst>
+          </p:spPr>
+          <p:style>
+            <a:lnRef idx="2">
+              <a:schemeClr val="accent1">
+                <a:shade val="50000"/>
+              </a:schemeClr>
+            </a:lnRef>
+            <a:fillRef idx="1">
+              <a:schemeClr val="accent1"/>
+            </a:fillRef>
+            <a:effectRef idx="0">
+              <a:schemeClr val="accent1"/>
+            </a:effectRef>
+            <a:fontRef idx="minor">
+              <a:schemeClr val="lt1"/>
+            </a:fontRef>
+          </p:style>
+          <p:txBody>
+            <a:bodyPr rtlCol="0" anchor="ctr"/>
+            <a:lstStyle/>
+            <a:p>
+              <a:pPr algn="ctr"/>
+              <a:endParaRPr lang="en-US" dirty="0"/>
+            </a:p>
+          </p:txBody>
+        </p:sp>
+        <p:sp>
+          <p:nvSpPr>
+            <p:cNvPr id="43" name="Freihandform 17">
+              <a:extLst>
+                <a:ext uri="{FF2B5EF4-FFF2-40B4-BE49-F238E27FC236}">
+                  <a16:creationId xmlns:a16="http://schemas.microsoft.com/office/drawing/2014/main" id="{21E2B519-1ADE-EF4F-9C4C-77DD0E0ED733}"/>
+                </a:ext>
+              </a:extLst>
+            </p:cNvPr>
+            <p:cNvSpPr/>
+            <p:nvPr/>
+          </p:nvSpPr>
+          <p:spPr>
+            <a:xfrm>
+              <a:off x="9015506" y="3465703"/>
+              <a:ext cx="187325" cy="431800"/>
+            </a:xfrm>
+            <a:custGeom>
+              <a:avLst/>
+              <a:gdLst>
+                <a:gd name="connsiteX0" fmla="*/ 0 w 415925"/>
+                <a:gd name="connsiteY0" fmla="*/ 0 h 819150"/>
+                <a:gd name="connsiteX1" fmla="*/ 415925 w 415925"/>
+                <a:gd name="connsiteY1" fmla="*/ 415925 h 819150"/>
+                <a:gd name="connsiteX2" fmla="*/ 12700 w 415925"/>
+                <a:gd name="connsiteY2" fmla="*/ 819150 h 819150"/>
+              </a:gdLst>
+              <a:ahLst/>
+              <a:cxnLst>
+                <a:cxn ang="0">
+                  <a:pos x="connsiteX0" y="connsiteY0"/>
+                </a:cxn>
+                <a:cxn ang="0">
+                  <a:pos x="connsiteX1" y="connsiteY1"/>
+                </a:cxn>
+                <a:cxn ang="0">
+                  <a:pos x="connsiteX2" y="connsiteY2"/>
+                </a:cxn>
+              </a:cxnLst>
+              <a:rect l="l" t="t" r="r" b="b"/>
+              <a:pathLst>
+                <a:path w="415925" h="819150">
+                  <a:moveTo>
+                    <a:pt x="0" y="0"/>
+                  </a:moveTo>
+                  <a:lnTo>
+                    <a:pt x="415925" y="415925"/>
+                  </a:lnTo>
+                  <a:lnTo>
+                    <a:pt x="12700" y="819150"/>
+                  </a:lnTo>
+                </a:path>
+              </a:pathLst>
+            </a:custGeom>
+            <a:noFill/>
+            <a:ln w="19050">
+              <a:solidFill>
+                <a:schemeClr val="tx2"/>
+              </a:solidFill>
+            </a:ln>
+          </p:spPr>
+          <p:style>
+            <a:lnRef idx="2">
+              <a:schemeClr val="accent1">
+                <a:shade val="50000"/>
+              </a:schemeClr>
+            </a:lnRef>
+            <a:fillRef idx="1">
+              <a:schemeClr val="accent1"/>
+            </a:fillRef>
+            <a:effectRef idx="0">
+              <a:schemeClr val="accent1"/>
+            </a:effectRef>
+            <a:fontRef idx="minor">
+              <a:schemeClr val="lt1"/>
+            </a:fontRef>
+          </p:style>
+          <p:txBody>
+            <a:bodyPr rtlCol="0" anchor="ctr"/>
+            <a:lstStyle/>
+            <a:p>
+              <a:pPr algn="ctr"/>
+              <a:endParaRPr lang="en-US" dirty="0"/>
+            </a:p>
+          </p:txBody>
+        </p:sp>
+      </p:grpSp>
+      <p:sp>
+        <p:nvSpPr>
+          <p:cNvPr id="44" name="Textfeld 30">
+            <a:extLst>
+              <a:ext uri="{FF2B5EF4-FFF2-40B4-BE49-F238E27FC236}">
+                <a16:creationId xmlns:a16="http://schemas.microsoft.com/office/drawing/2014/main" id="{026778D3-6799-C048-8A17-4077422C199D}"/>
+              </a:ext>
+            </a:extLst>
+          </p:cNvPr>
+          <p:cNvSpPr txBox="1"/>
+          <p:nvPr/>
+        </p:nvSpPr>
+        <p:spPr bwMode="gray">
+          <a:xfrm>
+            <a:off x="7588956" y="2115248"/>
+            <a:ext cx="3764844" cy="4093428"/>
+          </a:xfrm>
+          <a:prstGeom prst="rect">
+            <a:avLst/>
+          </a:prstGeom>
+          <a:noFill/>
+        </p:spPr>
+        <p:txBody>
+          <a:bodyPr wrap="square" lIns="0" tIns="0" rIns="0" bIns="0" rtlCol="0">
+            <a:spAutoFit/>
+          </a:bodyPr>
+          <a:lstStyle/>
+          <a:p>
+            <a:pPr marL="180000" indent="-180000">
+              <a:buClr>
+                <a:schemeClr val="tx2"/>
+              </a:buClr>
+              <a:buFont typeface="Arial" panose="020B0604020202020204" pitchFamily="34" charset="0"/>
+              <a:buChar char="•"/>
+            </a:pPr>
+            <a:r>
+              <a:rPr lang="en-US" sz="1400" b="1" dirty="0"/>
+              <a:t>Hidden states</a:t>
+            </a:r>
+          </a:p>
+          <a:p>
+            <a:pPr marL="637200" lvl="1" indent="-180000">
+              <a:buClr>
+                <a:schemeClr val="tx2"/>
+              </a:buClr>
+              <a:buFont typeface="Arial" panose="020B0604020202020204" pitchFamily="34" charset="0"/>
+              <a:buChar char="•"/>
+            </a:pPr>
+            <a:r>
+              <a:rPr lang="en-US" sz="1400" dirty="0"/>
+              <a:t>    Position of coin (</a:t>
+            </a:r>
+            <a:r>
+              <a:rPr lang="en-US" sz="1400" dirty="0" err="1"/>
+              <a:t>x_box</a:t>
+            </a:r>
+            <a:r>
+              <a:rPr lang="en-US" sz="1400" dirty="0"/>
+              <a:t>)</a:t>
+            </a:r>
+          </a:p>
+          <a:p>
+            <a:pPr marL="637200" lvl="1" indent="-180000">
+              <a:buClr>
+                <a:schemeClr val="tx2"/>
+              </a:buClr>
+              <a:buFont typeface="Arial" panose="020B0604020202020204" pitchFamily="34" charset="0"/>
+              <a:buChar char="•"/>
+            </a:pPr>
+            <a:r>
+              <a:rPr lang="en-US" sz="1400" dirty="0"/>
+              <a:t>    Speed of first enemy (</a:t>
+            </a:r>
+            <a:r>
+              <a:rPr lang="en-US" sz="1400" dirty="0" err="1"/>
+              <a:t>v_enemy</a:t>
+            </a:r>
+            <a:r>
+              <a:rPr lang="en-US" sz="1400" dirty="0"/>
+              <a:t>)</a:t>
+            </a:r>
+          </a:p>
+          <a:p>
+            <a:pPr marL="637200" lvl="1" indent="-180000">
+              <a:buClr>
+                <a:schemeClr val="tx2"/>
+              </a:buClr>
+              <a:buFont typeface="Arial" panose="020B0604020202020204" pitchFamily="34" charset="0"/>
+              <a:buChar char="•"/>
+            </a:pPr>
+            <a:r>
+              <a:rPr lang="en-US" sz="1400" dirty="0"/>
+              <a:t>    Position of first pipe (</a:t>
+            </a:r>
+            <a:r>
+              <a:rPr lang="en-US" sz="1400" dirty="0" err="1"/>
+              <a:t>x_pipe</a:t>
+            </a:r>
+            <a:r>
+              <a:rPr lang="en-US" sz="1400" dirty="0"/>
+              <a:t>)</a:t>
+            </a:r>
+          </a:p>
+          <a:p>
+            <a:pPr marL="180000" indent="-180000">
+              <a:buClr>
+                <a:schemeClr val="tx2"/>
+              </a:buClr>
+              <a:buFont typeface="Arial" panose="020B0604020202020204" pitchFamily="34" charset="0"/>
+              <a:buChar char="•"/>
+            </a:pPr>
+            <a:r>
+              <a:rPr lang="en-US" sz="1400" b="1" dirty="0"/>
+              <a:t>Reference experiment</a:t>
+            </a:r>
+          </a:p>
+          <a:p>
+            <a:pPr marL="637200" lvl="1" indent="-180000">
+              <a:buClr>
+                <a:schemeClr val="tx2"/>
+              </a:buClr>
+              <a:buFont typeface="Arial" panose="020B0604020202020204" pitchFamily="34" charset="0"/>
+              <a:buChar char="•"/>
+            </a:pPr>
+            <a:r>
+              <a:rPr lang="en-US" sz="1400" dirty="0"/>
+              <a:t>Start game with randomly selected values for hidden states</a:t>
+            </a:r>
+          </a:p>
+          <a:p>
+            <a:pPr marL="637200" lvl="1" indent="-180000">
+              <a:buClr>
+                <a:schemeClr val="tx2"/>
+              </a:buClr>
+              <a:buFont typeface="Arial" panose="020B0604020202020204" pitchFamily="34" charset="0"/>
+              <a:buChar char="•"/>
+            </a:pPr>
+            <a:r>
+              <a:rPr lang="en-US" sz="1400" dirty="0"/>
+              <a:t>Let Mario run (walk) at normal speed</a:t>
+            </a:r>
+          </a:p>
+          <a:p>
+            <a:pPr marL="637200" lvl="1" indent="-180000">
+              <a:buClr>
+                <a:schemeClr val="tx2"/>
+              </a:buClr>
+              <a:buFont typeface="Arial" panose="020B0604020202020204" pitchFamily="34" charset="0"/>
+              <a:buChar char="•"/>
+            </a:pPr>
+            <a:r>
+              <a:rPr lang="en-US" sz="1400" dirty="0"/>
+              <a:t>Observations:</a:t>
+            </a:r>
+          </a:p>
+          <a:p>
+            <a:pPr marL="1094400" lvl="2" indent="-180000">
+              <a:buClr>
+                <a:schemeClr val="tx2"/>
+              </a:buClr>
+              <a:buFont typeface="Arial" panose="020B0604020202020204" pitchFamily="34" charset="0"/>
+              <a:buChar char="•"/>
+            </a:pPr>
+            <a:r>
+              <a:rPr lang="en-US" sz="1400" dirty="0"/>
+              <a:t>Some number of pictures of the game taken at equal time deltas</a:t>
+            </a:r>
+          </a:p>
+          <a:p>
+            <a:pPr marL="180000" indent="-180000">
+              <a:buClr>
+                <a:schemeClr val="tx2"/>
+              </a:buClr>
+              <a:buFont typeface="Arial" panose="020B0604020202020204" pitchFamily="34" charset="0"/>
+              <a:buChar char="•"/>
+            </a:pPr>
+            <a:r>
+              <a:rPr lang="en-US" sz="1400" b="1" dirty="0"/>
+              <a:t>Questions</a:t>
+            </a:r>
+          </a:p>
+          <a:p>
+            <a:pPr lvl="1">
+              <a:buClr>
+                <a:schemeClr val="tx2"/>
+              </a:buClr>
+            </a:pPr>
+            <a:r>
+              <a:rPr lang="en-US" sz="1400" dirty="0"/>
+              <a:t>Given Mario's constant running speed (a random variable as question input), at what point in time does Mario need to jump in order to:</a:t>
+            </a:r>
+          </a:p>
+          <a:p>
+            <a:pPr marL="637200" lvl="1" indent="-180000">
+              <a:buClr>
+                <a:schemeClr val="tx2"/>
+              </a:buClr>
+              <a:buFont typeface="Arial" panose="020B0604020202020204" pitchFamily="34" charset="0"/>
+              <a:buChar char="•"/>
+            </a:pPr>
+            <a:r>
+              <a:rPr lang="en-US" sz="1400" dirty="0"/>
+              <a:t>Kill the enemy?</a:t>
+            </a:r>
+          </a:p>
+          <a:p>
+            <a:pPr marL="637200" lvl="1" indent="-180000">
+              <a:buClr>
+                <a:schemeClr val="tx2"/>
+              </a:buClr>
+              <a:buFont typeface="Arial" panose="020B0604020202020204" pitchFamily="34" charset="0"/>
+              <a:buChar char="•"/>
+            </a:pPr>
+            <a:r>
+              <a:rPr lang="en-US" sz="1400" dirty="0"/>
+              <a:t>Get the coin from the first question mark?</a:t>
+            </a:r>
+          </a:p>
+          <a:p>
+            <a:pPr marL="637200" lvl="1" indent="-180000">
+              <a:buClr>
+                <a:schemeClr val="tx2"/>
+              </a:buClr>
+              <a:buFont typeface="Arial" panose="020B0604020202020204" pitchFamily="34" charset="0"/>
+              <a:buChar char="•"/>
+            </a:pPr>
+            <a:r>
+              <a:rPr lang="en-US" sz="1400" dirty="0"/>
+              <a:t>Overcome the pipe?</a:t>
+            </a:r>
           </a:p>
         </p:txBody>
       </p:sp>
     </p:spTree>
     <p:extLst>
       <p:ext uri="{BB962C8B-B14F-4D97-AF65-F5344CB8AC3E}">
-        <p14:creationId xmlns:p14="http://schemas.microsoft.com/office/powerpoint/2010/main" val="1735006442"/>
+        <p14:creationId xmlns:p14="http://schemas.microsoft.com/office/powerpoint/2010/main" val="1845955745"/>
       </p:ext>
     </p:extLst>
   </p:cSld>
@@ -3878,71 +4947,119 @@
       </p:grpSpPr>
       <p:sp>
         <p:nvSpPr>
-          <p:cNvPr id="2" name="Trapezium 1">
+          <p:cNvPr id="2" name="Title 1">
             <a:extLst>
               <a:ext uri="{FF2B5EF4-FFF2-40B4-BE49-F238E27FC236}">
-                <a16:creationId xmlns:a16="http://schemas.microsoft.com/office/drawing/2014/main" id="{1BB25865-770C-A14D-8D68-49077AD4B4B5}"/>
+                <a16:creationId xmlns:a16="http://schemas.microsoft.com/office/drawing/2014/main" id="{CEFBDA5A-3E56-E04B-9549-419DBF9C4586}"/>
               </a:ext>
             </a:extLst>
           </p:cNvPr>
-          <p:cNvSpPr/>
-          <p:nvPr/>
+          <p:cNvSpPr>
+            <a:spLocks noGrp="1"/>
+          </p:cNvSpPr>
+          <p:nvPr>
+            <p:ph type="title"/>
+          </p:nvPr>
         </p:nvSpPr>
-        <p:spPr>
-          <a:xfrm flipV="1">
-            <a:off x="2575768" y="1711244"/>
-            <a:ext cx="1957531" cy="944870"/>
-          </a:xfrm>
-          <a:prstGeom prst="trapezoid">
-            <a:avLst>
-              <a:gd name="adj" fmla="val 42201"/>
-            </a:avLst>
-          </a:prstGeom>
-          <a:solidFill>
-            <a:schemeClr val="bg1">
-              <a:lumMod val="95000"/>
-            </a:schemeClr>
-          </a:solidFill>
-          <a:ln w="3175">
-            <a:solidFill>
-              <a:schemeClr val="tx1">
-                <a:lumMod val="75000"/>
-                <a:lumOff val="25000"/>
-              </a:schemeClr>
-            </a:solidFill>
-          </a:ln>
-        </p:spPr>
-        <p:style>
-          <a:lnRef idx="2">
-            <a:schemeClr val="accent1">
-              <a:shade val="50000"/>
-            </a:schemeClr>
-          </a:lnRef>
-          <a:fillRef idx="1">
-            <a:schemeClr val="accent1"/>
-          </a:fillRef>
-          <a:effectRef idx="0">
-            <a:schemeClr val="accent1"/>
-          </a:effectRef>
-          <a:fontRef idx="minor">
-            <a:schemeClr val="lt1"/>
-          </a:fontRef>
-        </p:style>
+        <p:spPr/>
         <p:txBody>
-          <a:bodyPr rtlCol="0" anchor="ctr"/>
+          <a:bodyPr/>
           <a:lstStyle/>
           <a:p>
-            <a:pPr algn="ctr"/>
-            <a:endParaRPr lang="en-US"/>
+            <a:r>
+              <a:rPr lang="en-US" dirty="0"/>
+              <a:t>Reference experiments</a:t>
+            </a:r>
           </a:p>
         </p:txBody>
       </p:sp>
+      <p:grpSp>
+        <p:nvGrpSpPr>
+          <p:cNvPr id="15" name="Group 14">
+            <a:extLst>
+              <a:ext uri="{FF2B5EF4-FFF2-40B4-BE49-F238E27FC236}">
+                <a16:creationId xmlns:a16="http://schemas.microsoft.com/office/drawing/2014/main" id="{FC1AFC79-3837-ED48-BDA8-932223D52A6E}"/>
+              </a:ext>
+            </a:extLst>
+          </p:cNvPr>
+          <p:cNvGrpSpPr/>
+          <p:nvPr/>
+        </p:nvGrpSpPr>
+        <p:grpSpPr>
+          <a:xfrm>
+            <a:off x="838199" y="1191042"/>
+            <a:ext cx="5678501" cy="5164353"/>
+            <a:chOff x="838200" y="1384225"/>
+            <a:chExt cx="4857750" cy="4417915"/>
+          </a:xfrm>
+        </p:grpSpPr>
+        <p:pic>
+          <p:nvPicPr>
+            <p:cNvPr id="4" name="Picture 3" descr="Chart, bar chart&#10;&#10;Description automatically generated">
+              <a:extLst>
+                <a:ext uri="{FF2B5EF4-FFF2-40B4-BE49-F238E27FC236}">
+                  <a16:creationId xmlns:a16="http://schemas.microsoft.com/office/drawing/2014/main" id="{B596BD88-DA93-694A-9B15-6EA39099FC61}"/>
+                </a:ext>
+              </a:extLst>
+            </p:cNvPr>
+            <p:cNvPicPr>
+              <a:picLocks noChangeAspect="1"/>
+            </p:cNvPicPr>
+            <p:nvPr/>
+          </p:nvPicPr>
+          <p:blipFill>
+            <a:blip r:embed="rId2"/>
+            <a:stretch>
+              <a:fillRect/>
+            </a:stretch>
+          </p:blipFill>
+          <p:spPr>
+            <a:xfrm>
+              <a:off x="838200" y="1384225"/>
+              <a:ext cx="4229100" cy="2112399"/>
+            </a:xfrm>
+            <a:prstGeom prst="rect">
+              <a:avLst/>
+            </a:prstGeom>
+          </p:spPr>
+        </p:pic>
+        <p:pic>
+          <p:nvPicPr>
+            <p:cNvPr id="6" name="Picture 5" descr="Graphical user interface, application&#10;&#10;Description automatically generated">
+              <a:extLst>
+                <a:ext uri="{FF2B5EF4-FFF2-40B4-BE49-F238E27FC236}">
+                  <a16:creationId xmlns:a16="http://schemas.microsoft.com/office/drawing/2014/main" id="{D14764B0-23F1-0E44-B48C-168C7DC2D4C0}"/>
+                </a:ext>
+              </a:extLst>
+            </p:cNvPr>
+            <p:cNvPicPr>
+              <a:picLocks noChangeAspect="1"/>
+            </p:cNvPicPr>
+            <p:nvPr/>
+          </p:nvPicPr>
+          <p:blipFill>
+            <a:blip r:embed="rId3"/>
+            <a:stretch>
+              <a:fillRect/>
+            </a:stretch>
+          </p:blipFill>
+          <p:spPr>
+            <a:xfrm>
+              <a:off x="838200" y="3492399"/>
+              <a:ext cx="4857750" cy="2309741"/>
+            </a:xfrm>
+            <a:prstGeom prst="rect">
+              <a:avLst/>
+            </a:prstGeom>
+          </p:spPr>
+        </p:pic>
+      </p:grpSp>
       <p:sp>
         <p:nvSpPr>
-          <p:cNvPr id="14" name="Textfeld 36">
+          <p:cNvPr id="7" name="Textfeld 28">
             <a:extLst>
               <a:ext uri="{FF2B5EF4-FFF2-40B4-BE49-F238E27FC236}">
-                <a16:creationId xmlns:a16="http://schemas.microsoft.com/office/drawing/2014/main" id="{724D6A5A-9FD8-DF4C-BBB2-D9AE2A9A589F}"/>
+                <a16:creationId xmlns:a16="http://schemas.microsoft.com/office/drawing/2014/main" id="{98DA4EE7-3E81-3641-888E-C78824936370}"/>
               </a:ext>
             </a:extLst>
           </p:cNvPr>
@@ -3951,8 +5068,309 @@
         </p:nvSpPr>
         <p:spPr bwMode="gray">
           <a:xfrm>
-            <a:off x="2878666" y="2075957"/>
-            <a:ext cx="1351734" cy="215444"/>
+            <a:off x="7588957" y="1611658"/>
+            <a:ext cx="3764843" cy="251795"/>
+          </a:xfrm>
+          <a:prstGeom prst="rect">
+            <a:avLst/>
+          </a:prstGeom>
+          <a:noFill/>
+        </p:spPr>
+        <p:txBody>
+          <a:bodyPr wrap="square" lIns="0" tIns="0" rIns="0" bIns="36000" rtlCol="0" anchor="b">
+            <a:spAutoFit/>
+          </a:bodyPr>
+          <a:lstStyle/>
+          <a:p>
+            <a:r>
+              <a:rPr lang="en-US" sz="1400" b="1" dirty="0"/>
+              <a:t>Reference experiment sampling procedure</a:t>
+            </a:r>
+          </a:p>
+        </p:txBody>
+      </p:sp>
+      <p:cxnSp>
+        <p:nvCxnSpPr>
+          <p:cNvPr id="8" name="Gerader Verbinder 29">
+            <a:extLst>
+              <a:ext uri="{FF2B5EF4-FFF2-40B4-BE49-F238E27FC236}">
+                <a16:creationId xmlns:a16="http://schemas.microsoft.com/office/drawing/2014/main" id="{9D89FDCD-9AD9-8C42-A72A-7511BC0CD035}"/>
+              </a:ext>
+            </a:extLst>
+          </p:cNvPr>
+          <p:cNvCxnSpPr>
+            <a:cxnSpLocks/>
+          </p:cNvCxnSpPr>
+          <p:nvPr/>
+        </p:nvCxnSpPr>
+        <p:spPr bwMode="gray">
+          <a:xfrm>
+            <a:off x="7588957" y="1863453"/>
+            <a:ext cx="3764844" cy="0"/>
+          </a:xfrm>
+          <a:prstGeom prst="line">
+            <a:avLst/>
+          </a:prstGeom>
+          <a:ln w="3175">
+            <a:solidFill>
+              <a:schemeClr val="tx1">
+                <a:lumMod val="40000"/>
+                <a:lumOff val="60000"/>
+              </a:schemeClr>
+            </a:solidFill>
+          </a:ln>
+        </p:spPr>
+        <p:style>
+          <a:lnRef idx="1">
+            <a:schemeClr val="accent1"/>
+          </a:lnRef>
+          <a:fillRef idx="0">
+            <a:schemeClr val="accent1"/>
+          </a:fillRef>
+          <a:effectRef idx="0">
+            <a:schemeClr val="accent1"/>
+          </a:effectRef>
+          <a:fontRef idx="minor">
+            <a:schemeClr val="tx1"/>
+          </a:fontRef>
+        </p:style>
+      </p:cxnSp>
+      <p:cxnSp>
+        <p:nvCxnSpPr>
+          <p:cNvPr id="9" name="Gerader Verbinder 31">
+            <a:extLst>
+              <a:ext uri="{FF2B5EF4-FFF2-40B4-BE49-F238E27FC236}">
+                <a16:creationId xmlns:a16="http://schemas.microsoft.com/office/drawing/2014/main" id="{39A37B65-2915-EB4C-9B4D-11F498E9ACCB}"/>
+              </a:ext>
+            </a:extLst>
+          </p:cNvPr>
+          <p:cNvCxnSpPr/>
+          <p:nvPr/>
+        </p:nvCxnSpPr>
+        <p:spPr bwMode="gray">
+          <a:xfrm flipV="1">
+            <a:off x="7370794" y="1605053"/>
+            <a:ext cx="0" cy="4536693"/>
+          </a:xfrm>
+          <a:prstGeom prst="line">
+            <a:avLst/>
+          </a:prstGeom>
+          <a:ln w="3175">
+            <a:solidFill>
+              <a:schemeClr val="tx1">
+                <a:lumMod val="40000"/>
+                <a:lumOff val="60000"/>
+              </a:schemeClr>
+            </a:solidFill>
+            <a:prstDash val="sysDot"/>
+          </a:ln>
+        </p:spPr>
+        <p:style>
+          <a:lnRef idx="1">
+            <a:schemeClr val="accent1"/>
+          </a:lnRef>
+          <a:fillRef idx="0">
+            <a:schemeClr val="accent1"/>
+          </a:fillRef>
+          <a:effectRef idx="0">
+            <a:schemeClr val="accent1"/>
+          </a:effectRef>
+          <a:fontRef idx="minor">
+            <a:schemeClr val="tx1"/>
+          </a:fontRef>
+        </p:style>
+      </p:cxnSp>
+      <p:grpSp>
+        <p:nvGrpSpPr>
+          <p:cNvPr id="10" name="Gruppieren 32">
+            <a:extLst>
+              <a:ext uri="{FF2B5EF4-FFF2-40B4-BE49-F238E27FC236}">
+                <a16:creationId xmlns:a16="http://schemas.microsoft.com/office/drawing/2014/main" id="{40F48407-8A27-E747-BFAB-77E681338D48}"/>
+              </a:ext>
+            </a:extLst>
+          </p:cNvPr>
+          <p:cNvGrpSpPr/>
+          <p:nvPr/>
+        </p:nvGrpSpPr>
+        <p:grpSpPr>
+          <a:xfrm>
+            <a:off x="7268400" y="3492399"/>
+            <a:ext cx="204788" cy="755650"/>
+            <a:chOff x="9006774" y="3303778"/>
+            <a:chExt cx="204788" cy="755650"/>
+          </a:xfrm>
+        </p:grpSpPr>
+        <p:sp>
+          <p:nvSpPr>
+            <p:cNvPr id="11" name="Rechteck 33">
+              <a:extLst>
+                <a:ext uri="{FF2B5EF4-FFF2-40B4-BE49-F238E27FC236}">
+                  <a16:creationId xmlns:a16="http://schemas.microsoft.com/office/drawing/2014/main" id="{864AFF13-0725-BB4C-9AF5-A6660B2B3553}"/>
+                </a:ext>
+              </a:extLst>
+            </p:cNvPr>
+            <p:cNvSpPr/>
+            <p:nvPr/>
+          </p:nvSpPr>
+          <p:spPr bwMode="gray">
+            <a:xfrm>
+              <a:off x="9006774" y="3303778"/>
+              <a:ext cx="204788" cy="755650"/>
+            </a:xfrm>
+            <a:prstGeom prst="rect">
+              <a:avLst/>
+            </a:prstGeom>
+            <a:solidFill>
+              <a:schemeClr val="bg1"/>
+            </a:solidFill>
+            <a:ln w="12700" cap="flat" cmpd="sng" algn="ctr">
+              <a:noFill/>
+              <a:prstDash val="solid"/>
+              <a:miter lim="800000"/>
+            </a:ln>
+            <a:effectLst/>
+            <a:extLst>
+              <a:ext uri="{91240B29-F687-4F45-9708-019B960494DF}">
+                <a14:hiddenLine xmlns:a14="http://schemas.microsoft.com/office/drawing/2010/main" w="12700" cap="flat" cmpd="sng" algn="ctr">
+                  <a:solidFill>
+                    <a:schemeClr val="accent1">
+                      <a:shade val="50000"/>
+                    </a:schemeClr>
+                  </a:solidFill>
+                  <a:prstDash val="solid"/>
+                  <a:miter lim="800000"/>
+                </a14:hiddenLine>
+              </a:ext>
+            </a:extLst>
+          </p:spPr>
+          <p:style>
+            <a:lnRef idx="2">
+              <a:schemeClr val="accent1">
+                <a:shade val="50000"/>
+              </a:schemeClr>
+            </a:lnRef>
+            <a:fillRef idx="1">
+              <a:schemeClr val="accent1"/>
+            </a:fillRef>
+            <a:effectRef idx="0">
+              <a:schemeClr val="accent1"/>
+            </a:effectRef>
+            <a:fontRef idx="minor">
+              <a:schemeClr val="lt1"/>
+            </a:fontRef>
+          </p:style>
+          <p:txBody>
+            <a:bodyPr rtlCol="0" anchor="ctr"/>
+            <a:lstStyle/>
+            <a:p>
+              <a:pPr algn="ctr"/>
+              <a:endParaRPr lang="en-US" dirty="0"/>
+            </a:p>
+          </p:txBody>
+        </p:sp>
+        <p:sp>
+          <p:nvSpPr>
+            <p:cNvPr id="12" name="Freihandform 17">
+              <a:extLst>
+                <a:ext uri="{FF2B5EF4-FFF2-40B4-BE49-F238E27FC236}">
+                  <a16:creationId xmlns:a16="http://schemas.microsoft.com/office/drawing/2014/main" id="{FD141E8F-F1C2-164D-B5ED-1D8ADCA09CAC}"/>
+                </a:ext>
+              </a:extLst>
+            </p:cNvPr>
+            <p:cNvSpPr/>
+            <p:nvPr/>
+          </p:nvSpPr>
+          <p:spPr>
+            <a:xfrm>
+              <a:off x="9015506" y="3465703"/>
+              <a:ext cx="187325" cy="431800"/>
+            </a:xfrm>
+            <a:custGeom>
+              <a:avLst/>
+              <a:gdLst>
+                <a:gd name="connsiteX0" fmla="*/ 0 w 415925"/>
+                <a:gd name="connsiteY0" fmla="*/ 0 h 819150"/>
+                <a:gd name="connsiteX1" fmla="*/ 415925 w 415925"/>
+                <a:gd name="connsiteY1" fmla="*/ 415925 h 819150"/>
+                <a:gd name="connsiteX2" fmla="*/ 12700 w 415925"/>
+                <a:gd name="connsiteY2" fmla="*/ 819150 h 819150"/>
+              </a:gdLst>
+              <a:ahLst/>
+              <a:cxnLst>
+                <a:cxn ang="0">
+                  <a:pos x="connsiteX0" y="connsiteY0"/>
+                </a:cxn>
+                <a:cxn ang="0">
+                  <a:pos x="connsiteX1" y="connsiteY1"/>
+                </a:cxn>
+                <a:cxn ang="0">
+                  <a:pos x="connsiteX2" y="connsiteY2"/>
+                </a:cxn>
+              </a:cxnLst>
+              <a:rect l="l" t="t" r="r" b="b"/>
+              <a:pathLst>
+                <a:path w="415925" h="819150">
+                  <a:moveTo>
+                    <a:pt x="0" y="0"/>
+                  </a:moveTo>
+                  <a:lnTo>
+                    <a:pt x="415925" y="415925"/>
+                  </a:lnTo>
+                  <a:lnTo>
+                    <a:pt x="12700" y="819150"/>
+                  </a:lnTo>
+                </a:path>
+              </a:pathLst>
+            </a:custGeom>
+            <a:noFill/>
+            <a:ln w="19050">
+              <a:solidFill>
+                <a:schemeClr val="tx2"/>
+              </a:solidFill>
+            </a:ln>
+          </p:spPr>
+          <p:style>
+            <a:lnRef idx="2">
+              <a:schemeClr val="accent1">
+                <a:shade val="50000"/>
+              </a:schemeClr>
+            </a:lnRef>
+            <a:fillRef idx="1">
+              <a:schemeClr val="accent1"/>
+            </a:fillRef>
+            <a:effectRef idx="0">
+              <a:schemeClr val="accent1"/>
+            </a:effectRef>
+            <a:fontRef idx="minor">
+              <a:schemeClr val="lt1"/>
+            </a:fontRef>
+          </p:style>
+          <p:txBody>
+            <a:bodyPr rtlCol="0" anchor="ctr"/>
+            <a:lstStyle/>
+            <a:p>
+              <a:pPr algn="ctr"/>
+              <a:endParaRPr lang="en-US" dirty="0"/>
+            </a:p>
+          </p:txBody>
+        </p:sp>
+      </p:grpSp>
+      <p:sp>
+        <p:nvSpPr>
+          <p:cNvPr id="13" name="Textfeld 30">
+            <a:extLst>
+              <a:ext uri="{FF2B5EF4-FFF2-40B4-BE49-F238E27FC236}">
+                <a16:creationId xmlns:a16="http://schemas.microsoft.com/office/drawing/2014/main" id="{9F7872A5-0603-C747-95F0-B6F6F7667130}"/>
+              </a:ext>
+            </a:extLst>
+          </p:cNvPr>
+          <p:cNvSpPr txBox="1"/>
+          <p:nvPr/>
+        </p:nvSpPr>
+        <p:spPr bwMode="gray">
+          <a:xfrm>
+            <a:off x="7588956" y="2115248"/>
+            <a:ext cx="3764844" cy="1508105"/>
           </a:xfrm>
           <a:prstGeom prst="rect">
             <a:avLst/>
@@ -3965,21 +5383,133 @@
           </a:bodyPr>
           <a:lstStyle/>
           <a:p>
-            <a:pPr algn="ctr">
-              <a:spcBef>
-                <a:spcPts val="600"/>
-              </a:spcBef>
+            <a:pPr marL="342900" indent="-342900">
+              <a:buClr>
+                <a:schemeClr val="tx2"/>
+              </a:buClr>
+              <a:buFont typeface="+mj-lt"/>
+              <a:buAutoNum type="arabicPeriod"/>
+            </a:pPr>
+            <a:r>
+              <a:rPr lang="en-US" sz="1400" dirty="0"/>
+              <a:t>Sample random values for hidden states (uniformly distributed)</a:t>
+            </a:r>
+          </a:p>
+          <a:p>
+            <a:pPr marL="342900" indent="-342900">
+              <a:buClr>
+                <a:schemeClr val="tx2"/>
+              </a:buClr>
+              <a:buFont typeface="+mj-lt"/>
+              <a:buAutoNum type="arabicPeriod"/>
+            </a:pPr>
+            <a:r>
+              <a:rPr lang="en-US" sz="1400" dirty="0"/>
+              <a:t>Collect observations by running the Mario game with hidden states sampled in step 1</a:t>
+            </a:r>
+          </a:p>
+          <a:p>
+            <a:pPr marL="342900" indent="-342900">
+              <a:buClr>
+                <a:schemeClr val="tx2"/>
+              </a:buClr>
+              <a:buFont typeface="+mj-lt"/>
+              <a:buAutoNum type="arabicPeriod"/>
+            </a:pPr>
+            <a:r>
+              <a:rPr lang="en-US" sz="1400" dirty="0"/>
+              <a:t>Observe the game and store a video in form of ten images for each sample	</a:t>
+            </a:r>
+          </a:p>
+          <a:p>
+            <a:pPr marL="342900" indent="-342900">
+              <a:buClr>
+                <a:schemeClr val="tx2"/>
+              </a:buClr>
+              <a:buFont typeface="+mj-lt"/>
+              <a:buAutoNum type="arabicPeriod"/>
+            </a:pPr>
+            <a:r>
+              <a:rPr lang="en-US" sz="1400" dirty="0"/>
+              <a:t>Compute optimal answers</a:t>
+            </a:r>
+          </a:p>
+        </p:txBody>
+      </p:sp>
+      <p:sp>
+        <p:nvSpPr>
+          <p:cNvPr id="14" name="Textfeld 30">
+            <a:extLst>
+              <a:ext uri="{FF2B5EF4-FFF2-40B4-BE49-F238E27FC236}">
+                <a16:creationId xmlns:a16="http://schemas.microsoft.com/office/drawing/2014/main" id="{C588CFFF-7936-874D-A57A-68DDB1446C61}"/>
+              </a:ext>
+            </a:extLst>
+          </p:cNvPr>
+          <p:cNvSpPr txBox="1"/>
+          <p:nvPr/>
+        </p:nvSpPr>
+        <p:spPr bwMode="gray">
+          <a:xfrm>
+            <a:off x="7588956" y="3870224"/>
+            <a:ext cx="3764844" cy="1077218"/>
+          </a:xfrm>
+          <a:prstGeom prst="rect">
+            <a:avLst/>
+          </a:prstGeom>
+          <a:noFill/>
+        </p:spPr>
+        <p:txBody>
+          <a:bodyPr wrap="square" lIns="0" tIns="0" rIns="0" bIns="0" rtlCol="0">
+            <a:spAutoFit/>
+          </a:bodyPr>
+          <a:lstStyle/>
+          <a:p>
+            <a:pPr>
               <a:buClr>
                 <a:schemeClr val="tx2"/>
               </a:buClr>
             </a:pPr>
             <a:r>
-              <a:rPr lang="en-US" sz="1400"/>
-              <a:t>Encoder</a:t>
+              <a:rPr lang="en-US" sz="1400" b="1" dirty="0"/>
+              <a:t>Note: </a:t>
+            </a:r>
+            <a:r>
+              <a:rPr lang="en-US" sz="1400" dirty="0"/>
+              <a:t>This procedure only works in a theoretical setting. In practice, the hidden states are unknown, so that the necessary observation question answer tuples must be collected differently (e.g. by using reinforcement learning)</a:t>
             </a:r>
           </a:p>
         </p:txBody>
       </p:sp>
+    </p:spTree>
+    <p:extLst>
+      <p:ext uri="{BB962C8B-B14F-4D97-AF65-F5344CB8AC3E}">
+        <p14:creationId xmlns:p14="http://schemas.microsoft.com/office/powerpoint/2010/main" val="2773040676"/>
+      </p:ext>
+    </p:extLst>
+  </p:cSld>
+  <p:clrMapOvr>
+    <a:masterClrMapping/>
+  </p:clrMapOvr>
+</p:sld>
+</file>
+
+<file path=ppt/slides/slide3.xml><?xml version="1.0" encoding="utf-8"?>
+<p:sld xmlns:a="http://schemas.openxmlformats.org/drawingml/2006/main" xmlns:r="http://schemas.openxmlformats.org/officeDocument/2006/relationships" xmlns:p="http://schemas.openxmlformats.org/presentationml/2006/main">
+  <p:cSld>
+    <p:spTree>
+      <p:nvGrpSpPr>
+        <p:cNvPr id="1" name=""/>
+        <p:cNvGrpSpPr/>
+        <p:nvPr/>
+      </p:nvGrpSpPr>
+      <p:grpSpPr>
+        <a:xfrm>
+          <a:off x="0" y="0"/>
+          <a:ext cx="0" cy="0"/>
+          <a:chOff x="0" y="0"/>
+          <a:chExt cx="0" cy="0"/>
+        </a:xfrm>
+      </p:grpSpPr>
       <p:graphicFrame>
         <p:nvGraphicFramePr>
           <p:cNvPr id="21" name="Table 21">
@@ -3995,13 +5525,13 @@
           <p:nvPr>
             <p:extLst>
               <p:ext uri="{D42A27DB-BD31-4B8C-83A1-F6EECF244321}">
-                <p14:modId xmlns:p14="http://schemas.microsoft.com/office/powerpoint/2010/main" val="3942436591"/>
+                <p14:modId xmlns:p14="http://schemas.microsoft.com/office/powerpoint/2010/main" val="523755059"/>
               </p:ext>
             </p:extLst>
           </p:nvPr>
         </p:nvGraphicFramePr>
         <p:xfrm>
-          <a:off x="6383952" y="1909823"/>
+          <a:off x="5784497" y="2035449"/>
           <a:ext cx="5286444" cy="3460794"/>
         </p:xfrm>
         <a:graphic>
@@ -4323,7 +5853,7 @@
                             <a:schemeClr val="tx1"/>
                           </a:solidFill>
                         </a:rPr>
-                        <a:t>1X3 vector (number of hidden states)</a:t>
+                        <a:t>1x3 vector (number of hidden states)</a:t>
                       </a:r>
                     </a:p>
                   </a:txBody>
@@ -4378,7 +5908,7 @@
                             <a:schemeClr val="tx1"/>
                           </a:solidFill>
                         </a:rPr>
-                        <a:t>Resnet18 &amp; two-layer LSTM</a:t>
+                        <a:t>Pretrained Resnet18 &amp; two-layer LSTM</a:t>
                       </a:r>
                     </a:p>
                   </a:txBody>
@@ -4487,7 +6017,7 @@
                             <a:schemeClr val="tx1"/>
                           </a:solidFill>
                         </a:rPr>
-                        <a:t>(Latent space)</a:t>
+                        <a:t>(latent space)</a:t>
                       </a:r>
                     </a:p>
                   </a:txBody>
@@ -4697,7 +6227,7 @@
                             <a:schemeClr val="tx1"/>
                           </a:solidFill>
                         </a:rPr>
-                        <a:t>(One row of the filter output and question input)</a:t>
+                        <a:t>(one row of the filter output and question input)</a:t>
                       </a:r>
                     </a:p>
                   </a:txBody>
@@ -4743,7 +6273,7 @@
                             <a:schemeClr val="tx1"/>
                           </a:solidFill>
                         </a:rPr>
-                        <a:t>Scalar (Answer prediction)</a:t>
+                        <a:t>Scalar (answer prediction)</a:t>
                       </a:r>
                     </a:p>
                   </a:txBody>
@@ -4825,493 +6355,12 @@
           </a:graphicData>
         </a:graphic>
       </p:graphicFrame>
-      <p:pic>
-        <p:nvPicPr>
-          <p:cNvPr id="23" name="Picture 22" descr="Graphical user interface, text, application&#10;&#10;Description automatically generated">
+      <p:grpSp>
+        <p:nvGrpSpPr>
+          <p:cNvPr id="119" name="Group 118">
             <a:extLst>
               <a:ext uri="{FF2B5EF4-FFF2-40B4-BE49-F238E27FC236}">
-                <a16:creationId xmlns:a16="http://schemas.microsoft.com/office/drawing/2014/main" id="{5BE13D36-A273-A947-A661-69836E9243A2}"/>
-              </a:ext>
-            </a:extLst>
-          </p:cNvPr>
-          <p:cNvPicPr>
-            <a:picLocks noChangeAspect="1"/>
-          </p:cNvPicPr>
-          <p:nvPr/>
-        </p:nvPicPr>
-        <p:blipFill>
-          <a:blip r:embed="rId3"/>
-          <a:stretch>
-            <a:fillRect/>
-          </a:stretch>
-        </p:blipFill>
-        <p:spPr>
-          <a:xfrm>
-            <a:off x="6755757" y="-1119827"/>
-            <a:ext cx="6124592" cy="1119827"/>
-          </a:xfrm>
-          <a:prstGeom prst="rect">
-            <a:avLst/>
-          </a:prstGeom>
-        </p:spPr>
-      </p:pic>
-      <p:pic>
-        <p:nvPicPr>
-          <p:cNvPr id="48" name="Picture 47" descr="A picture containing chart&#10;&#10;Description automatically generated">
-            <a:extLst>
-              <a:ext uri="{FF2B5EF4-FFF2-40B4-BE49-F238E27FC236}">
-                <a16:creationId xmlns:a16="http://schemas.microsoft.com/office/drawing/2014/main" id="{F6EE6ACC-2793-FA4C-94FE-5CD2B8B1E4FC}"/>
-              </a:ext>
-            </a:extLst>
-          </p:cNvPr>
-          <p:cNvPicPr>
-            <a:picLocks noChangeAspect="1"/>
-          </p:cNvPicPr>
-          <p:nvPr/>
-        </p:nvPicPr>
-        <p:blipFill>
-          <a:blip r:embed="rId4"/>
-          <a:stretch>
-            <a:fillRect/>
-          </a:stretch>
-        </p:blipFill>
-        <p:spPr>
-          <a:xfrm>
-            <a:off x="3550989" y="812549"/>
-            <a:ext cx="838101" cy="628575"/>
-          </a:xfrm>
-          <a:prstGeom prst="rect">
-            <a:avLst/>
-          </a:prstGeom>
-          <a:ln>
-            <a:noFill/>
-          </a:ln>
-          <a:effectLst>
-            <a:outerShdw blurRad="292100" dist="139700" dir="2700000" algn="tl" rotWithShape="0">
-              <a:srgbClr val="333333">
-                <a:alpha val="65000"/>
-              </a:srgbClr>
-            </a:outerShdw>
-          </a:effectLst>
-        </p:spPr>
-      </p:pic>
-      <p:pic>
-        <p:nvPicPr>
-          <p:cNvPr id="54" name="Picture 53" descr="A picture containing graphical user interface&#10;&#10;Description automatically generated">
-            <a:extLst>
-              <a:ext uri="{FF2B5EF4-FFF2-40B4-BE49-F238E27FC236}">
-                <a16:creationId xmlns:a16="http://schemas.microsoft.com/office/drawing/2014/main" id="{F75E9E60-7FB4-6E43-9CD5-6673A639594D}"/>
-              </a:ext>
-            </a:extLst>
-          </p:cNvPr>
-          <p:cNvPicPr>
-            <a:picLocks noChangeAspect="1"/>
-          </p:cNvPicPr>
-          <p:nvPr/>
-        </p:nvPicPr>
-        <p:blipFill>
-          <a:blip r:embed="rId5"/>
-          <a:stretch>
-            <a:fillRect/>
-          </a:stretch>
-        </p:blipFill>
-        <p:spPr>
-          <a:xfrm>
-            <a:off x="3307183" y="746474"/>
-            <a:ext cx="838101" cy="628575"/>
-          </a:xfrm>
-          <a:prstGeom prst="rect">
-            <a:avLst/>
-          </a:prstGeom>
-          <a:ln>
-            <a:noFill/>
-          </a:ln>
-          <a:effectLst>
-            <a:outerShdw blurRad="292100" dist="139700" dir="2700000" algn="tl" rotWithShape="0">
-              <a:srgbClr val="333333">
-                <a:alpha val="65000"/>
-              </a:srgbClr>
-            </a:outerShdw>
-          </a:effectLst>
-        </p:spPr>
-      </p:pic>
-      <p:pic>
-        <p:nvPicPr>
-          <p:cNvPr id="56" name="Picture 55" descr="A picture containing application&#10;&#10;Description automatically generated">
-            <a:extLst>
-              <a:ext uri="{FF2B5EF4-FFF2-40B4-BE49-F238E27FC236}">
-                <a16:creationId xmlns:a16="http://schemas.microsoft.com/office/drawing/2014/main" id="{CBC785DF-96F1-354E-8302-07A1224A6322}"/>
-              </a:ext>
-            </a:extLst>
-          </p:cNvPr>
-          <p:cNvPicPr>
-            <a:picLocks noChangeAspect="1"/>
-          </p:cNvPicPr>
-          <p:nvPr/>
-        </p:nvPicPr>
-        <p:blipFill>
-          <a:blip r:embed="rId6"/>
-          <a:stretch>
-            <a:fillRect/>
-          </a:stretch>
-        </p:blipFill>
-        <p:spPr>
-          <a:xfrm>
-            <a:off x="3063378" y="680398"/>
-            <a:ext cx="838101" cy="628575"/>
-          </a:xfrm>
-          <a:prstGeom prst="rect">
-            <a:avLst/>
-          </a:prstGeom>
-          <a:ln>
-            <a:noFill/>
-          </a:ln>
-          <a:effectLst>
-            <a:outerShdw blurRad="292100" dist="139700" dir="2700000" algn="tl" rotWithShape="0">
-              <a:srgbClr val="333333">
-                <a:alpha val="65000"/>
-              </a:srgbClr>
-            </a:outerShdw>
-          </a:effectLst>
-        </p:spPr>
-      </p:pic>
-      <p:pic>
-        <p:nvPicPr>
-          <p:cNvPr id="62" name="Picture 61" descr="A picture containing graphical user interface&#10;&#10;Description automatically generated">
-            <a:extLst>
-              <a:ext uri="{FF2B5EF4-FFF2-40B4-BE49-F238E27FC236}">
-                <a16:creationId xmlns:a16="http://schemas.microsoft.com/office/drawing/2014/main" id="{B23FAF7B-DA1F-2A4F-B1D9-50FA642E5AFE}"/>
-              </a:ext>
-            </a:extLst>
-          </p:cNvPr>
-          <p:cNvPicPr>
-            <a:picLocks noChangeAspect="1"/>
-          </p:cNvPicPr>
-          <p:nvPr/>
-        </p:nvPicPr>
-        <p:blipFill>
-          <a:blip r:embed="rId7"/>
-          <a:stretch>
-            <a:fillRect/>
-          </a:stretch>
-        </p:blipFill>
-        <p:spPr>
-          <a:xfrm>
-            <a:off x="2819573" y="614323"/>
-            <a:ext cx="838101" cy="628575"/>
-          </a:xfrm>
-          <a:prstGeom prst="rect">
-            <a:avLst/>
-          </a:prstGeom>
-          <a:ln>
-            <a:noFill/>
-          </a:ln>
-          <a:effectLst>
-            <a:outerShdw blurRad="292100" dist="139700" dir="2700000" algn="tl" rotWithShape="0">
-              <a:srgbClr val="333333">
-                <a:alpha val="65000"/>
-              </a:srgbClr>
-            </a:outerShdw>
-          </a:effectLst>
-        </p:spPr>
-      </p:pic>
-      <p:pic>
-        <p:nvPicPr>
-          <p:cNvPr id="68" name="Picture 67" descr="A picture containing graphical user interface&#10;&#10;Description automatically generated">
-            <a:extLst>
-              <a:ext uri="{FF2B5EF4-FFF2-40B4-BE49-F238E27FC236}">
-                <a16:creationId xmlns:a16="http://schemas.microsoft.com/office/drawing/2014/main" id="{3A41ADCF-698E-6C49-86D0-95363A445E67}"/>
-              </a:ext>
-            </a:extLst>
-          </p:cNvPr>
-          <p:cNvPicPr>
-            <a:picLocks noChangeAspect="1"/>
-          </p:cNvPicPr>
-          <p:nvPr/>
-        </p:nvPicPr>
-        <p:blipFill>
-          <a:blip r:embed="rId8"/>
-          <a:stretch>
-            <a:fillRect/>
-          </a:stretch>
-        </p:blipFill>
-        <p:spPr>
-          <a:xfrm>
-            <a:off x="2575768" y="548247"/>
-            <a:ext cx="838101" cy="628575"/>
-          </a:xfrm>
-          <a:prstGeom prst="rect">
-            <a:avLst/>
-          </a:prstGeom>
-          <a:ln>
-            <a:noFill/>
-          </a:ln>
-          <a:effectLst>
-            <a:outerShdw blurRad="292100" dist="139700" dir="2700000" algn="tl" rotWithShape="0">
-              <a:srgbClr val="333333">
-                <a:alpha val="65000"/>
-              </a:srgbClr>
-            </a:outerShdw>
-          </a:effectLst>
-        </p:spPr>
-      </p:pic>
-      <p:cxnSp>
-        <p:nvCxnSpPr>
-          <p:cNvPr id="71" name="Straight Arrow Connector 70">
-            <a:extLst>
-              <a:ext uri="{FF2B5EF4-FFF2-40B4-BE49-F238E27FC236}">
-                <a16:creationId xmlns:a16="http://schemas.microsoft.com/office/drawing/2014/main" id="{B3511532-FF78-5045-9880-164F14D673CC}"/>
-              </a:ext>
-            </a:extLst>
-          </p:cNvPr>
-          <p:cNvCxnSpPr>
-            <a:cxnSpLocks/>
-          </p:cNvCxnSpPr>
-          <p:nvPr/>
-        </p:nvCxnSpPr>
-        <p:spPr>
-          <a:xfrm>
-            <a:off x="3192600" y="433426"/>
-            <a:ext cx="1170669" cy="281450"/>
-          </a:xfrm>
-          <a:prstGeom prst="straightConnector1">
-            <a:avLst/>
-          </a:prstGeom>
-          <a:ln>
-            <a:tailEnd type="triangle"/>
-          </a:ln>
-        </p:spPr>
-        <p:style>
-          <a:lnRef idx="1">
-            <a:schemeClr val="accent1"/>
-          </a:lnRef>
-          <a:fillRef idx="0">
-            <a:schemeClr val="accent1"/>
-          </a:fillRef>
-          <a:effectRef idx="0">
-            <a:schemeClr val="accent1"/>
-          </a:effectRef>
-          <a:fontRef idx="minor">
-            <a:schemeClr val="tx1"/>
-          </a:fontRef>
-        </p:style>
-      </p:cxnSp>
-      <p:sp>
-        <p:nvSpPr>
-          <p:cNvPr id="72" name="Rectangle 71">
-            <a:extLst>
-              <a:ext uri="{FF2B5EF4-FFF2-40B4-BE49-F238E27FC236}">
-                <a16:creationId xmlns:a16="http://schemas.microsoft.com/office/drawing/2014/main" id="{5B23D6D0-7E33-8A47-8415-855D57AC722F}"/>
-              </a:ext>
-            </a:extLst>
-          </p:cNvPr>
-          <p:cNvSpPr/>
-          <p:nvPr/>
-        </p:nvSpPr>
-        <p:spPr>
-          <a:xfrm rot="940643">
-            <a:off x="3525101" y="312709"/>
-            <a:ext cx="187323" cy="245534"/>
-          </a:xfrm>
-          <a:prstGeom prst="rect">
-            <a:avLst/>
-          </a:prstGeom>
-          <a:noFill/>
-          <a:ln w="3175">
-            <a:noFill/>
-          </a:ln>
-        </p:spPr>
-        <p:style>
-          <a:lnRef idx="2">
-            <a:schemeClr val="accent1">
-              <a:shade val="50000"/>
-            </a:schemeClr>
-          </a:lnRef>
-          <a:fillRef idx="1">
-            <a:schemeClr val="accent1"/>
-          </a:fillRef>
-          <a:effectRef idx="0">
-            <a:schemeClr val="accent1"/>
-          </a:effectRef>
-          <a:fontRef idx="minor">
-            <a:schemeClr val="lt1"/>
-          </a:fontRef>
-        </p:style>
-        <p:txBody>
-          <a:bodyPr rtlCol="0" anchor="ctr"/>
-          <a:lstStyle/>
-          <a:p>
-            <a:pPr algn="ctr">
-              <a:spcBef>
-                <a:spcPts val="600"/>
-              </a:spcBef>
-              <a:buClr>
-                <a:schemeClr val="tx2"/>
-              </a:buClr>
-            </a:pPr>
-            <a:r>
-              <a:rPr lang="en-US" sz="1100" dirty="0">
-                <a:solidFill>
-                  <a:schemeClr val="tx1"/>
-                </a:solidFill>
-              </a:rPr>
-              <a:t>t</a:t>
-            </a:r>
-          </a:p>
-        </p:txBody>
-      </p:sp>
-      <p:sp>
-        <p:nvSpPr>
-          <p:cNvPr id="3" name="Rectangle 2">
-            <a:extLst>
-              <a:ext uri="{FF2B5EF4-FFF2-40B4-BE49-F238E27FC236}">
-                <a16:creationId xmlns:a16="http://schemas.microsoft.com/office/drawing/2014/main" id="{7673DA7D-A530-CB43-B10F-8F9AD5EDC3F0}"/>
-              </a:ext>
-            </a:extLst>
-          </p:cNvPr>
-          <p:cNvSpPr/>
-          <p:nvPr/>
-        </p:nvSpPr>
-        <p:spPr>
-          <a:xfrm>
-            <a:off x="2953400" y="2759508"/>
-            <a:ext cx="1202267" cy="245534"/>
-          </a:xfrm>
-          <a:prstGeom prst="rect">
-            <a:avLst/>
-          </a:prstGeom>
-          <a:solidFill>
-            <a:schemeClr val="bg1">
-              <a:lumMod val="95000"/>
-            </a:schemeClr>
-          </a:solidFill>
-          <a:ln w="3175">
-            <a:solidFill>
-              <a:schemeClr val="tx1">
-                <a:lumMod val="75000"/>
-                <a:lumOff val="25000"/>
-              </a:schemeClr>
-            </a:solidFill>
-          </a:ln>
-        </p:spPr>
-        <p:style>
-          <a:lnRef idx="2">
-            <a:schemeClr val="accent1">
-              <a:shade val="50000"/>
-            </a:schemeClr>
-          </a:lnRef>
-          <a:fillRef idx="1">
-            <a:schemeClr val="accent1"/>
-          </a:fillRef>
-          <a:effectRef idx="0">
-            <a:schemeClr val="accent1"/>
-          </a:effectRef>
-          <a:fontRef idx="minor">
-            <a:schemeClr val="lt1"/>
-          </a:fontRef>
-        </p:style>
-        <p:txBody>
-          <a:bodyPr rtlCol="0" anchor="ctr"/>
-          <a:lstStyle/>
-          <a:p>
-            <a:pPr algn="ctr">
-              <a:spcBef>
-                <a:spcPts val="600"/>
-              </a:spcBef>
-              <a:buClr>
-                <a:schemeClr val="tx2"/>
-              </a:buClr>
-            </a:pPr>
-            <a:r>
-              <a:rPr lang="en-US" sz="1400">
-                <a:solidFill>
-                  <a:schemeClr val="tx1"/>
-                </a:solidFill>
-              </a:rPr>
-              <a:t>Latent space</a:t>
-            </a:r>
-          </a:p>
-        </p:txBody>
-      </p:sp>
-      <p:sp>
-        <p:nvSpPr>
-          <p:cNvPr id="5" name="Rectangle 4">
-            <a:extLst>
-              <a:ext uri="{FF2B5EF4-FFF2-40B4-BE49-F238E27FC236}">
-                <a16:creationId xmlns:a16="http://schemas.microsoft.com/office/drawing/2014/main" id="{EBFEB8BD-E609-8C46-8FF1-30F006FB5578}"/>
-              </a:ext>
-            </a:extLst>
-          </p:cNvPr>
-          <p:cNvSpPr/>
-          <p:nvPr/>
-        </p:nvSpPr>
-        <p:spPr>
-          <a:xfrm>
-            <a:off x="2953400" y="3534582"/>
-            <a:ext cx="1202267" cy="472876"/>
-          </a:xfrm>
-          <a:prstGeom prst="rect">
-            <a:avLst/>
-          </a:prstGeom>
-          <a:solidFill>
-            <a:schemeClr val="bg1">
-              <a:lumMod val="95000"/>
-            </a:schemeClr>
-          </a:solidFill>
-          <a:ln w="3175">
-            <a:solidFill>
-              <a:schemeClr val="tx1">
-                <a:lumMod val="75000"/>
-                <a:lumOff val="25000"/>
-              </a:schemeClr>
-            </a:solidFill>
-          </a:ln>
-        </p:spPr>
-        <p:style>
-          <a:lnRef idx="2">
-            <a:schemeClr val="accent1">
-              <a:shade val="50000"/>
-            </a:schemeClr>
-          </a:lnRef>
-          <a:fillRef idx="1">
-            <a:schemeClr val="accent1"/>
-          </a:fillRef>
-          <a:effectRef idx="0">
-            <a:schemeClr val="accent1"/>
-          </a:effectRef>
-          <a:fontRef idx="minor">
-            <a:schemeClr val="lt1"/>
-          </a:fontRef>
-        </p:style>
-        <p:txBody>
-          <a:bodyPr rtlCol="0" anchor="ctr"/>
-          <a:lstStyle/>
-          <a:p>
-            <a:pPr algn="ctr">
-              <a:spcBef>
-                <a:spcPts val="600"/>
-              </a:spcBef>
-              <a:buClr>
-                <a:schemeClr val="tx2"/>
-              </a:buClr>
-            </a:pPr>
-            <a:r>
-              <a:rPr lang="en-US" sz="1400" dirty="0">
-                <a:solidFill>
-                  <a:schemeClr val="tx1"/>
-                </a:solidFill>
-              </a:rPr>
-              <a:t>Filter</a:t>
-            </a:r>
-          </a:p>
-        </p:txBody>
-      </p:sp>
-      <p:grpSp>
-        <p:nvGrpSpPr>
-          <p:cNvPr id="90" name="Group 89">
-            <a:extLst>
-              <a:ext uri="{FF2B5EF4-FFF2-40B4-BE49-F238E27FC236}">
-                <a16:creationId xmlns:a16="http://schemas.microsoft.com/office/drawing/2014/main" id="{493B5B24-E585-0847-A70C-1E6147468F96}"/>
+                <a16:creationId xmlns:a16="http://schemas.microsoft.com/office/drawing/2014/main" id="{B391B5D6-69A4-CF4E-A392-70C05534D06B}"/>
               </a:ext>
             </a:extLst>
           </p:cNvPr>
@@ -5320,18 +6369,573 @@
         </p:nvGrpSpPr>
         <p:grpSpPr>
           <a:xfrm>
-            <a:off x="1371136" y="4562481"/>
-            <a:ext cx="4366794" cy="864652"/>
-            <a:chOff x="1371136" y="4562481"/>
-            <a:chExt cx="4366794" cy="864652"/>
+            <a:off x="838200" y="1150909"/>
+            <a:ext cx="4127547" cy="4990837"/>
+            <a:chOff x="990553" y="973109"/>
+            <a:chExt cx="4747377" cy="5740306"/>
           </a:xfrm>
         </p:grpSpPr>
+        <p:sp>
+          <p:nvSpPr>
+            <p:cNvPr id="2" name="Trapezium 1">
+              <a:extLst>
+                <a:ext uri="{FF2B5EF4-FFF2-40B4-BE49-F238E27FC236}">
+                  <a16:creationId xmlns:a16="http://schemas.microsoft.com/office/drawing/2014/main" id="{1BB25865-770C-A14D-8D68-49077AD4B4B5}"/>
+                </a:ext>
+              </a:extLst>
+            </p:cNvPr>
+            <p:cNvSpPr/>
+            <p:nvPr/>
+          </p:nvSpPr>
+          <p:spPr>
+            <a:xfrm flipV="1">
+              <a:off x="2575768" y="2371644"/>
+              <a:ext cx="1957531" cy="944870"/>
+            </a:xfrm>
+            <a:prstGeom prst="trapezoid">
+              <a:avLst>
+                <a:gd name="adj" fmla="val 42201"/>
+              </a:avLst>
+            </a:prstGeom>
+            <a:solidFill>
+              <a:schemeClr val="bg1">
+                <a:lumMod val="95000"/>
+              </a:schemeClr>
+            </a:solidFill>
+            <a:ln w="3175">
+              <a:solidFill>
+                <a:schemeClr val="tx1">
+                  <a:lumMod val="75000"/>
+                  <a:lumOff val="25000"/>
+                </a:schemeClr>
+              </a:solidFill>
+            </a:ln>
+          </p:spPr>
+          <p:style>
+            <a:lnRef idx="2">
+              <a:schemeClr val="accent1">
+                <a:shade val="50000"/>
+              </a:schemeClr>
+            </a:lnRef>
+            <a:fillRef idx="1">
+              <a:schemeClr val="accent1"/>
+            </a:fillRef>
+            <a:effectRef idx="0">
+              <a:schemeClr val="accent1"/>
+            </a:effectRef>
+            <a:fontRef idx="minor">
+              <a:schemeClr val="lt1"/>
+            </a:fontRef>
+          </p:style>
+          <p:txBody>
+            <a:bodyPr rtlCol="0" anchor="ctr"/>
+            <a:lstStyle/>
+            <a:p>
+              <a:pPr algn="ctr"/>
+              <a:endParaRPr lang="en-US" sz="1600"/>
+            </a:p>
+          </p:txBody>
+        </p:sp>
+        <p:sp>
+          <p:nvSpPr>
+            <p:cNvPr id="14" name="Textfeld 36">
+              <a:extLst>
+                <a:ext uri="{FF2B5EF4-FFF2-40B4-BE49-F238E27FC236}">
+                  <a16:creationId xmlns:a16="http://schemas.microsoft.com/office/drawing/2014/main" id="{724D6A5A-9FD8-DF4C-BBB2-D9AE2A9A589F}"/>
+                </a:ext>
+              </a:extLst>
+            </p:cNvPr>
+            <p:cNvSpPr txBox="1"/>
+            <p:nvPr/>
+          </p:nvSpPr>
+          <p:spPr bwMode="gray">
+            <a:xfrm>
+              <a:off x="2878666" y="2736357"/>
+              <a:ext cx="1351734" cy="215444"/>
+            </a:xfrm>
+            <a:prstGeom prst="rect">
+              <a:avLst/>
+            </a:prstGeom>
+            <a:noFill/>
+          </p:spPr>
+          <p:txBody>
+            <a:bodyPr wrap="square" lIns="0" tIns="0" rIns="0" bIns="0" rtlCol="0">
+              <a:spAutoFit/>
+            </a:bodyPr>
+            <a:lstStyle/>
+            <a:p>
+              <a:pPr algn="ctr">
+                <a:spcBef>
+                  <a:spcPts val="600"/>
+                </a:spcBef>
+                <a:buClr>
+                  <a:schemeClr val="tx2"/>
+                </a:buClr>
+              </a:pPr>
+              <a:r>
+                <a:rPr lang="en-US" sz="1200"/>
+                <a:t>Encoder</a:t>
+              </a:r>
+            </a:p>
+          </p:txBody>
+        </p:sp>
+        <p:pic>
+          <p:nvPicPr>
+            <p:cNvPr id="48" name="Picture 47" descr="A picture containing chart&#10;&#10;Description automatically generated">
+              <a:extLst>
+                <a:ext uri="{FF2B5EF4-FFF2-40B4-BE49-F238E27FC236}">
+                  <a16:creationId xmlns:a16="http://schemas.microsoft.com/office/drawing/2014/main" id="{F6EE6ACC-2793-FA4C-94FE-5CD2B8B1E4FC}"/>
+                </a:ext>
+              </a:extLst>
+            </p:cNvPr>
+            <p:cNvPicPr>
+              <a:picLocks noChangeAspect="1"/>
+            </p:cNvPicPr>
+            <p:nvPr/>
+          </p:nvPicPr>
+          <p:blipFill>
+            <a:blip r:embed="rId3"/>
+            <a:stretch>
+              <a:fillRect/>
+            </a:stretch>
+          </p:blipFill>
+          <p:spPr>
+            <a:xfrm>
+              <a:off x="3550989" y="1472949"/>
+              <a:ext cx="838101" cy="628575"/>
+            </a:xfrm>
+            <a:prstGeom prst="rect">
+              <a:avLst/>
+            </a:prstGeom>
+            <a:ln>
+              <a:noFill/>
+            </a:ln>
+            <a:effectLst>
+              <a:outerShdw blurRad="292100" dist="139700" dir="2700000" algn="tl" rotWithShape="0">
+                <a:srgbClr val="333333">
+                  <a:alpha val="65000"/>
+                </a:srgbClr>
+              </a:outerShdw>
+            </a:effectLst>
+          </p:spPr>
+        </p:pic>
+        <p:pic>
+          <p:nvPicPr>
+            <p:cNvPr id="54" name="Picture 53" descr="A picture containing graphical user interface&#10;&#10;Description automatically generated">
+              <a:extLst>
+                <a:ext uri="{FF2B5EF4-FFF2-40B4-BE49-F238E27FC236}">
+                  <a16:creationId xmlns:a16="http://schemas.microsoft.com/office/drawing/2014/main" id="{F75E9E60-7FB4-6E43-9CD5-6673A639594D}"/>
+                </a:ext>
+              </a:extLst>
+            </p:cNvPr>
+            <p:cNvPicPr>
+              <a:picLocks noChangeAspect="1"/>
+            </p:cNvPicPr>
+            <p:nvPr/>
+          </p:nvPicPr>
+          <p:blipFill>
+            <a:blip r:embed="rId4"/>
+            <a:stretch>
+              <a:fillRect/>
+            </a:stretch>
+          </p:blipFill>
+          <p:spPr>
+            <a:xfrm>
+              <a:off x="3307183" y="1406874"/>
+              <a:ext cx="838101" cy="628575"/>
+            </a:xfrm>
+            <a:prstGeom prst="rect">
+              <a:avLst/>
+            </a:prstGeom>
+            <a:ln>
+              <a:noFill/>
+            </a:ln>
+            <a:effectLst>
+              <a:outerShdw blurRad="292100" dist="139700" dir="2700000" algn="tl" rotWithShape="0">
+                <a:srgbClr val="333333">
+                  <a:alpha val="65000"/>
+                </a:srgbClr>
+              </a:outerShdw>
+            </a:effectLst>
+          </p:spPr>
+        </p:pic>
+        <p:pic>
+          <p:nvPicPr>
+            <p:cNvPr id="56" name="Picture 55" descr="A picture containing application&#10;&#10;Description automatically generated">
+              <a:extLst>
+                <a:ext uri="{FF2B5EF4-FFF2-40B4-BE49-F238E27FC236}">
+                  <a16:creationId xmlns:a16="http://schemas.microsoft.com/office/drawing/2014/main" id="{CBC785DF-96F1-354E-8302-07A1224A6322}"/>
+                </a:ext>
+              </a:extLst>
+            </p:cNvPr>
+            <p:cNvPicPr>
+              <a:picLocks noChangeAspect="1"/>
+            </p:cNvPicPr>
+            <p:nvPr/>
+          </p:nvPicPr>
+          <p:blipFill>
+            <a:blip r:embed="rId5"/>
+            <a:stretch>
+              <a:fillRect/>
+            </a:stretch>
+          </p:blipFill>
+          <p:spPr>
+            <a:xfrm>
+              <a:off x="3063378" y="1340798"/>
+              <a:ext cx="838101" cy="628575"/>
+            </a:xfrm>
+            <a:prstGeom prst="rect">
+              <a:avLst/>
+            </a:prstGeom>
+            <a:ln>
+              <a:noFill/>
+            </a:ln>
+            <a:effectLst>
+              <a:outerShdw blurRad="292100" dist="139700" dir="2700000" algn="tl" rotWithShape="0">
+                <a:srgbClr val="333333">
+                  <a:alpha val="65000"/>
+                </a:srgbClr>
+              </a:outerShdw>
+            </a:effectLst>
+          </p:spPr>
+        </p:pic>
+        <p:pic>
+          <p:nvPicPr>
+            <p:cNvPr id="62" name="Picture 61" descr="A picture containing graphical user interface&#10;&#10;Description automatically generated">
+              <a:extLst>
+                <a:ext uri="{FF2B5EF4-FFF2-40B4-BE49-F238E27FC236}">
+                  <a16:creationId xmlns:a16="http://schemas.microsoft.com/office/drawing/2014/main" id="{B23FAF7B-DA1F-2A4F-B1D9-50FA642E5AFE}"/>
+                </a:ext>
+              </a:extLst>
+            </p:cNvPr>
+            <p:cNvPicPr>
+              <a:picLocks noChangeAspect="1"/>
+            </p:cNvPicPr>
+            <p:nvPr/>
+          </p:nvPicPr>
+          <p:blipFill>
+            <a:blip r:embed="rId6"/>
+            <a:stretch>
+              <a:fillRect/>
+            </a:stretch>
+          </p:blipFill>
+          <p:spPr>
+            <a:xfrm>
+              <a:off x="2819573" y="1274723"/>
+              <a:ext cx="838101" cy="628575"/>
+            </a:xfrm>
+            <a:prstGeom prst="rect">
+              <a:avLst/>
+            </a:prstGeom>
+            <a:ln>
+              <a:noFill/>
+            </a:ln>
+            <a:effectLst>
+              <a:outerShdw blurRad="292100" dist="139700" dir="2700000" algn="tl" rotWithShape="0">
+                <a:srgbClr val="333333">
+                  <a:alpha val="65000"/>
+                </a:srgbClr>
+              </a:outerShdw>
+            </a:effectLst>
+          </p:spPr>
+        </p:pic>
+        <p:pic>
+          <p:nvPicPr>
+            <p:cNvPr id="68" name="Picture 67" descr="A picture containing graphical user interface&#10;&#10;Description automatically generated">
+              <a:extLst>
+                <a:ext uri="{FF2B5EF4-FFF2-40B4-BE49-F238E27FC236}">
+                  <a16:creationId xmlns:a16="http://schemas.microsoft.com/office/drawing/2014/main" id="{3A41ADCF-698E-6C49-86D0-95363A445E67}"/>
+                </a:ext>
+              </a:extLst>
+            </p:cNvPr>
+            <p:cNvPicPr>
+              <a:picLocks noChangeAspect="1"/>
+            </p:cNvPicPr>
+            <p:nvPr/>
+          </p:nvPicPr>
+          <p:blipFill>
+            <a:blip r:embed="rId7"/>
+            <a:stretch>
+              <a:fillRect/>
+            </a:stretch>
+          </p:blipFill>
+          <p:spPr>
+            <a:xfrm>
+              <a:off x="2575768" y="1208647"/>
+              <a:ext cx="838101" cy="628575"/>
+            </a:xfrm>
+            <a:prstGeom prst="rect">
+              <a:avLst/>
+            </a:prstGeom>
+            <a:ln>
+              <a:noFill/>
+            </a:ln>
+            <a:effectLst>
+              <a:outerShdw blurRad="292100" dist="139700" dir="2700000" algn="tl" rotWithShape="0">
+                <a:srgbClr val="333333">
+                  <a:alpha val="65000"/>
+                </a:srgbClr>
+              </a:outerShdw>
+            </a:effectLst>
+          </p:spPr>
+        </p:pic>
+        <p:cxnSp>
+          <p:nvCxnSpPr>
+            <p:cNvPr id="71" name="Straight Arrow Connector 70">
+              <a:extLst>
+                <a:ext uri="{FF2B5EF4-FFF2-40B4-BE49-F238E27FC236}">
+                  <a16:creationId xmlns:a16="http://schemas.microsoft.com/office/drawing/2014/main" id="{B3511532-FF78-5045-9880-164F14D673CC}"/>
+                </a:ext>
+              </a:extLst>
+            </p:cNvPr>
+            <p:cNvCxnSpPr>
+              <a:cxnSpLocks/>
+            </p:cNvCxnSpPr>
+            <p:nvPr/>
+          </p:nvCxnSpPr>
+          <p:spPr>
+            <a:xfrm>
+              <a:off x="3192600" y="1093826"/>
+              <a:ext cx="1170669" cy="281450"/>
+            </a:xfrm>
+            <a:prstGeom prst="straightConnector1">
+              <a:avLst/>
+            </a:prstGeom>
+            <a:ln>
+              <a:tailEnd type="triangle"/>
+            </a:ln>
+          </p:spPr>
+          <p:style>
+            <a:lnRef idx="1">
+              <a:schemeClr val="accent1"/>
+            </a:lnRef>
+            <a:fillRef idx="0">
+              <a:schemeClr val="accent1"/>
+            </a:fillRef>
+            <a:effectRef idx="0">
+              <a:schemeClr val="accent1"/>
+            </a:effectRef>
+            <a:fontRef idx="minor">
+              <a:schemeClr val="tx1"/>
+            </a:fontRef>
+          </p:style>
+        </p:cxnSp>
+        <p:sp>
+          <p:nvSpPr>
+            <p:cNvPr id="72" name="Rectangle 71">
+              <a:extLst>
+                <a:ext uri="{FF2B5EF4-FFF2-40B4-BE49-F238E27FC236}">
+                  <a16:creationId xmlns:a16="http://schemas.microsoft.com/office/drawing/2014/main" id="{5B23D6D0-7E33-8A47-8415-855D57AC722F}"/>
+                </a:ext>
+              </a:extLst>
+            </p:cNvPr>
+            <p:cNvSpPr/>
+            <p:nvPr/>
+          </p:nvSpPr>
+          <p:spPr>
+            <a:xfrm rot="940643">
+              <a:off x="3525101" y="973109"/>
+              <a:ext cx="187323" cy="245534"/>
+            </a:xfrm>
+            <a:prstGeom prst="rect">
+              <a:avLst/>
+            </a:prstGeom>
+            <a:noFill/>
+            <a:ln w="3175">
+              <a:noFill/>
+            </a:ln>
+          </p:spPr>
+          <p:style>
+            <a:lnRef idx="2">
+              <a:schemeClr val="accent1">
+                <a:shade val="50000"/>
+              </a:schemeClr>
+            </a:lnRef>
+            <a:fillRef idx="1">
+              <a:schemeClr val="accent1"/>
+            </a:fillRef>
+            <a:effectRef idx="0">
+              <a:schemeClr val="accent1"/>
+            </a:effectRef>
+            <a:fontRef idx="minor">
+              <a:schemeClr val="lt1"/>
+            </a:fontRef>
+          </p:style>
+          <p:txBody>
+            <a:bodyPr rtlCol="0" anchor="ctr"/>
+            <a:lstStyle/>
+            <a:p>
+              <a:pPr algn="ctr">
+                <a:spcBef>
+                  <a:spcPts val="600"/>
+                </a:spcBef>
+                <a:buClr>
+                  <a:schemeClr val="tx2"/>
+                </a:buClr>
+              </a:pPr>
+              <a:r>
+                <a:rPr lang="en-US" sz="1050" dirty="0">
+                  <a:solidFill>
+                    <a:schemeClr val="tx1"/>
+                  </a:solidFill>
+                </a:rPr>
+                <a:t>t</a:t>
+              </a:r>
+            </a:p>
+          </p:txBody>
+        </p:sp>
+        <p:sp>
+          <p:nvSpPr>
+            <p:cNvPr id="3" name="Rectangle 2">
+              <a:extLst>
+                <a:ext uri="{FF2B5EF4-FFF2-40B4-BE49-F238E27FC236}">
+                  <a16:creationId xmlns:a16="http://schemas.microsoft.com/office/drawing/2014/main" id="{7673DA7D-A530-CB43-B10F-8F9AD5EDC3F0}"/>
+                </a:ext>
+              </a:extLst>
+            </p:cNvPr>
+            <p:cNvSpPr/>
+            <p:nvPr/>
+          </p:nvSpPr>
+          <p:spPr>
+            <a:xfrm>
+              <a:off x="2953400" y="3419908"/>
+              <a:ext cx="1202267" cy="245534"/>
+            </a:xfrm>
+            <a:prstGeom prst="rect">
+              <a:avLst/>
+            </a:prstGeom>
+            <a:solidFill>
+              <a:schemeClr val="bg1">
+                <a:lumMod val="95000"/>
+              </a:schemeClr>
+            </a:solidFill>
+            <a:ln w="3175">
+              <a:solidFill>
+                <a:schemeClr val="tx1">
+                  <a:lumMod val="75000"/>
+                  <a:lumOff val="25000"/>
+                </a:schemeClr>
+              </a:solidFill>
+            </a:ln>
+          </p:spPr>
+          <p:style>
+            <a:lnRef idx="2">
+              <a:schemeClr val="accent1">
+                <a:shade val="50000"/>
+              </a:schemeClr>
+            </a:lnRef>
+            <a:fillRef idx="1">
+              <a:schemeClr val="accent1"/>
+            </a:fillRef>
+            <a:effectRef idx="0">
+              <a:schemeClr val="accent1"/>
+            </a:effectRef>
+            <a:fontRef idx="minor">
+              <a:schemeClr val="lt1"/>
+            </a:fontRef>
+          </p:style>
+          <p:txBody>
+            <a:bodyPr rtlCol="0" anchor="ctr"/>
+            <a:lstStyle/>
+            <a:p>
+              <a:pPr algn="ctr">
+                <a:spcBef>
+                  <a:spcPts val="600"/>
+                </a:spcBef>
+                <a:buClr>
+                  <a:schemeClr val="tx2"/>
+                </a:buClr>
+              </a:pPr>
+              <a:r>
+                <a:rPr lang="en-US" sz="1200">
+                  <a:solidFill>
+                    <a:schemeClr val="tx1"/>
+                  </a:solidFill>
+                </a:rPr>
+                <a:t>Latent space</a:t>
+              </a:r>
+            </a:p>
+          </p:txBody>
+        </p:sp>
+        <p:sp>
+          <p:nvSpPr>
+            <p:cNvPr id="5" name="Rectangle 4">
+              <a:extLst>
+                <a:ext uri="{FF2B5EF4-FFF2-40B4-BE49-F238E27FC236}">
+                  <a16:creationId xmlns:a16="http://schemas.microsoft.com/office/drawing/2014/main" id="{EBFEB8BD-E609-8C46-8FF1-30F006FB5578}"/>
+                </a:ext>
+              </a:extLst>
+            </p:cNvPr>
+            <p:cNvSpPr/>
+            <p:nvPr/>
+          </p:nvSpPr>
+          <p:spPr>
+            <a:xfrm>
+              <a:off x="2953400" y="4194982"/>
+              <a:ext cx="1202267" cy="472876"/>
+            </a:xfrm>
+            <a:prstGeom prst="rect">
+              <a:avLst/>
+            </a:prstGeom>
+            <a:solidFill>
+              <a:schemeClr val="bg1">
+                <a:lumMod val="95000"/>
+              </a:schemeClr>
+            </a:solidFill>
+            <a:ln w="3175">
+              <a:solidFill>
+                <a:schemeClr val="tx1">
+                  <a:lumMod val="75000"/>
+                  <a:lumOff val="25000"/>
+                </a:schemeClr>
+              </a:solidFill>
+            </a:ln>
+          </p:spPr>
+          <p:style>
+            <a:lnRef idx="2">
+              <a:schemeClr val="accent1">
+                <a:shade val="50000"/>
+              </a:schemeClr>
+            </a:lnRef>
+            <a:fillRef idx="1">
+              <a:schemeClr val="accent1"/>
+            </a:fillRef>
+            <a:effectRef idx="0">
+              <a:schemeClr val="accent1"/>
+            </a:effectRef>
+            <a:fontRef idx="minor">
+              <a:schemeClr val="lt1"/>
+            </a:fontRef>
+          </p:style>
+          <p:txBody>
+            <a:bodyPr rtlCol="0" anchor="ctr"/>
+            <a:lstStyle/>
+            <a:p>
+              <a:pPr algn="ctr">
+                <a:spcBef>
+                  <a:spcPts val="600"/>
+                </a:spcBef>
+                <a:buClr>
+                  <a:schemeClr val="tx2"/>
+                </a:buClr>
+              </a:pPr>
+              <a:r>
+                <a:rPr lang="en-US" sz="1200" dirty="0">
+                  <a:solidFill>
+                    <a:schemeClr val="tx1"/>
+                  </a:solidFill>
+                </a:rPr>
+                <a:t>Filter</a:t>
+              </a:r>
+            </a:p>
+          </p:txBody>
+        </p:sp>
         <p:grpSp>
           <p:nvGrpSpPr>
-            <p:cNvPr id="88" name="Group 87">
+            <p:cNvPr id="90" name="Group 89">
               <a:extLst>
                 <a:ext uri="{FF2B5EF4-FFF2-40B4-BE49-F238E27FC236}">
-                  <a16:creationId xmlns:a16="http://schemas.microsoft.com/office/drawing/2014/main" id="{75143A53-FBC2-8749-9AAA-85DD29CFDC5D}"/>
+                  <a16:creationId xmlns:a16="http://schemas.microsoft.com/office/drawing/2014/main" id="{493B5B24-E585-0847-A70C-1E6147468F96}"/>
                 </a:ext>
               </a:extLst>
             </p:cNvPr>
@@ -5340,18 +6944,185 @@
           </p:nvGrpSpPr>
           <p:grpSpPr>
             <a:xfrm>
-              <a:off x="1371136" y="4562481"/>
-              <a:ext cx="4366794" cy="863600"/>
+              <a:off x="1371136" y="5222881"/>
+              <a:ext cx="4366794" cy="864652"/>
               <a:chOff x="1371136" y="4562481"/>
-              <a:chExt cx="4366794" cy="863600"/>
+              <a:chExt cx="4366794" cy="864652"/>
             </a:xfrm>
           </p:grpSpPr>
+          <p:grpSp>
+            <p:nvGrpSpPr>
+              <p:cNvPr id="88" name="Group 87">
+                <a:extLst>
+                  <a:ext uri="{FF2B5EF4-FFF2-40B4-BE49-F238E27FC236}">
+                    <a16:creationId xmlns:a16="http://schemas.microsoft.com/office/drawing/2014/main" id="{75143A53-FBC2-8749-9AAA-85DD29CFDC5D}"/>
+                  </a:ext>
+                </a:extLst>
+              </p:cNvPr>
+              <p:cNvGrpSpPr/>
+              <p:nvPr/>
+            </p:nvGrpSpPr>
+            <p:grpSpPr>
+              <a:xfrm>
+                <a:off x="1371136" y="4562481"/>
+                <a:ext cx="4366794" cy="863600"/>
+                <a:chOff x="1371136" y="4562481"/>
+                <a:chExt cx="4366794" cy="863600"/>
+              </a:xfrm>
+            </p:grpSpPr>
+            <p:sp>
+              <p:nvSpPr>
+                <p:cNvPr id="7" name="Hexagon 6">
+                  <a:extLst>
+                    <a:ext uri="{FF2B5EF4-FFF2-40B4-BE49-F238E27FC236}">
+                      <a16:creationId xmlns:a16="http://schemas.microsoft.com/office/drawing/2014/main" id="{B91ABC37-733E-AE44-BB86-CBA0BE5F70FC}"/>
+                    </a:ext>
+                  </a:extLst>
+                </p:cNvPr>
+                <p:cNvSpPr/>
+                <p:nvPr/>
+              </p:nvSpPr>
+              <p:spPr>
+                <a:xfrm>
+                  <a:off x="1371136" y="4562481"/>
+                  <a:ext cx="1080000" cy="863600"/>
+                </a:xfrm>
+                <a:prstGeom prst="hexagon">
+                  <a:avLst/>
+                </a:prstGeom>
+                <a:solidFill>
+                  <a:schemeClr val="bg1">
+                    <a:lumMod val="95000"/>
+                  </a:schemeClr>
+                </a:solidFill>
+                <a:ln w="3175">
+                  <a:solidFill>
+                    <a:schemeClr val="tx1">
+                      <a:lumMod val="75000"/>
+                      <a:lumOff val="25000"/>
+                    </a:schemeClr>
+                  </a:solidFill>
+                </a:ln>
+              </p:spPr>
+              <p:style>
+                <a:lnRef idx="2">
+                  <a:schemeClr val="accent1">
+                    <a:shade val="50000"/>
+                  </a:schemeClr>
+                </a:lnRef>
+                <a:fillRef idx="1">
+                  <a:schemeClr val="accent1"/>
+                </a:fillRef>
+                <a:effectRef idx="0">
+                  <a:schemeClr val="accent1"/>
+                </a:effectRef>
+                <a:fontRef idx="minor">
+                  <a:schemeClr val="lt1"/>
+                </a:fontRef>
+              </p:style>
+              <p:txBody>
+                <a:bodyPr lIns="0" tIns="0" rIns="0" bIns="0" rtlCol="0" anchor="ctr"/>
+                <a:lstStyle/>
+                <a:p>
+                  <a:pPr algn="ctr">
+                    <a:spcBef>
+                      <a:spcPts val="600"/>
+                    </a:spcBef>
+                    <a:buClr>
+                      <a:schemeClr val="tx2"/>
+                    </a:buClr>
+                  </a:pPr>
+                  <a:r>
+                    <a:rPr lang="en-US" sz="1200">
+                      <a:solidFill>
+                        <a:schemeClr val="tx1"/>
+                      </a:solidFill>
+                    </a:rPr>
+                    <a:t>Decoder 0</a:t>
+                  </a:r>
+                </a:p>
+              </p:txBody>
+            </p:sp>
+            <p:sp>
+              <p:nvSpPr>
+                <p:cNvPr id="9" name="Hexagon 8">
+                  <a:extLst>
+                    <a:ext uri="{FF2B5EF4-FFF2-40B4-BE49-F238E27FC236}">
+                      <a16:creationId xmlns:a16="http://schemas.microsoft.com/office/drawing/2014/main" id="{85DD4EA4-B803-BB4D-BDF3-7DE97DE12BFC}"/>
+                    </a:ext>
+                  </a:extLst>
+                </p:cNvPr>
+                <p:cNvSpPr/>
+                <p:nvPr/>
+              </p:nvSpPr>
+              <p:spPr>
+                <a:xfrm>
+                  <a:off x="4657930" y="4562481"/>
+                  <a:ext cx="1080000" cy="863600"/>
+                </a:xfrm>
+                <a:prstGeom prst="hexagon">
+                  <a:avLst/>
+                </a:prstGeom>
+                <a:solidFill>
+                  <a:schemeClr val="bg1">
+                    <a:lumMod val="95000"/>
+                  </a:schemeClr>
+                </a:solidFill>
+                <a:ln w="3175">
+                  <a:solidFill>
+                    <a:schemeClr val="tx1">
+                      <a:lumMod val="75000"/>
+                      <a:lumOff val="25000"/>
+                    </a:schemeClr>
+                  </a:solidFill>
+                </a:ln>
+              </p:spPr>
+              <p:style>
+                <a:lnRef idx="2">
+                  <a:schemeClr val="accent1">
+                    <a:shade val="50000"/>
+                  </a:schemeClr>
+                </a:lnRef>
+                <a:fillRef idx="1">
+                  <a:schemeClr val="accent1"/>
+                </a:fillRef>
+                <a:effectRef idx="0">
+                  <a:schemeClr val="accent1"/>
+                </a:effectRef>
+                <a:fontRef idx="minor">
+                  <a:schemeClr val="lt1"/>
+                </a:fontRef>
+              </p:style>
+              <p:txBody>
+                <a:bodyPr lIns="0" tIns="0" rIns="0" bIns="0" rtlCol="0" anchor="ctr"/>
+                <a:lstStyle/>
+                <a:p>
+                  <a:pPr algn="ctr">
+                    <a:spcBef>
+                      <a:spcPts val="600"/>
+                    </a:spcBef>
+                    <a:buClr>
+                      <a:schemeClr val="tx2"/>
+                    </a:buClr>
+                  </a:pPr>
+                  <a:r>
+                    <a:rPr lang="en-US" sz="1200">
+                      <a:solidFill>
+                        <a:schemeClr val="tx1"/>
+                      </a:solidFill>
+                    </a:rPr>
+                    <a:t>Decoder 2</a:t>
+                  </a:r>
+                </a:p>
+              </p:txBody>
+            </p:sp>
+          </p:grpSp>
           <p:sp>
             <p:nvSpPr>
-              <p:cNvPr id="7" name="Hexagon 6">
+              <p:cNvPr id="8" name="Hexagon 7">
                 <a:extLst>
                   <a:ext uri="{FF2B5EF4-FFF2-40B4-BE49-F238E27FC236}">
-                    <a16:creationId xmlns:a16="http://schemas.microsoft.com/office/drawing/2014/main" id="{B91ABC37-733E-AE44-BB86-CBA0BE5F70FC}"/>
+                    <a16:creationId xmlns:a16="http://schemas.microsoft.com/office/drawing/2014/main" id="{23A10CC6-A85A-9240-9003-B96512816066}"/>
                   </a:ext>
                 </a:extLst>
               </p:cNvPr>
@@ -5360,7 +7131,7 @@
             </p:nvSpPr>
             <p:spPr>
               <a:xfrm>
-                <a:off x="1371136" y="4562481"/>
+                <a:off x="3014533" y="4563533"/>
                 <a:ext cx="1080000" cy="863600"/>
               </a:xfrm>
               <a:prstGeom prst="hexagon">
@@ -5409,22 +7180,1838 @@
                   </a:buClr>
                 </a:pPr>
                 <a:r>
-                  <a:rPr lang="en-US" sz="1400">
+                  <a:rPr lang="en-US" sz="1200" dirty="0">
                     <a:solidFill>
                       <a:schemeClr val="tx1"/>
                     </a:solidFill>
                   </a:rPr>
-                  <a:t>Decoder 0</a:t>
+                  <a:t>Decoder 1</a:t>
                 </a:r>
               </a:p>
             </p:txBody>
           </p:sp>
+        </p:grpSp>
+        <p:sp>
+          <p:nvSpPr>
+            <p:cNvPr id="77" name="Right Brace 76">
+              <a:extLst>
+                <a:ext uri="{FF2B5EF4-FFF2-40B4-BE49-F238E27FC236}">
+                  <a16:creationId xmlns:a16="http://schemas.microsoft.com/office/drawing/2014/main" id="{0D9A9804-248A-8D4D-8535-A7E412DBA19E}"/>
+                </a:ext>
+              </a:extLst>
+            </p:cNvPr>
+            <p:cNvSpPr/>
+            <p:nvPr/>
+          </p:nvSpPr>
+          <p:spPr>
+            <a:xfrm rot="5400000">
+              <a:off x="3460130" y="1285920"/>
+              <a:ext cx="188806" cy="1870321"/>
+            </a:xfrm>
+            <a:prstGeom prst="rightBrace">
+              <a:avLst/>
+            </a:prstGeom>
+            <a:ln>
+              <a:solidFill>
+                <a:schemeClr val="tx1">
+                  <a:lumMod val="65000"/>
+                  <a:lumOff val="35000"/>
+                </a:schemeClr>
+              </a:solidFill>
+            </a:ln>
+          </p:spPr>
+          <p:style>
+            <a:lnRef idx="1">
+              <a:schemeClr val="accent1"/>
+            </a:lnRef>
+            <a:fillRef idx="0">
+              <a:schemeClr val="accent1"/>
+            </a:fillRef>
+            <a:effectRef idx="0">
+              <a:schemeClr val="accent1"/>
+            </a:effectRef>
+            <a:fontRef idx="minor">
+              <a:schemeClr val="tx1"/>
+            </a:fontRef>
+          </p:style>
+          <p:txBody>
+            <a:bodyPr rtlCol="0" anchor="ctr"/>
+            <a:lstStyle/>
+            <a:p>
+              <a:pPr algn="ctr"/>
+              <a:endParaRPr lang="de-DE" sz="1600"/>
+            </a:p>
+          </p:txBody>
+        </p:sp>
+        <p:grpSp>
+          <p:nvGrpSpPr>
+            <p:cNvPr id="89" name="Group 88">
+              <a:extLst>
+                <a:ext uri="{FF2B5EF4-FFF2-40B4-BE49-F238E27FC236}">
+                  <a16:creationId xmlns:a16="http://schemas.microsoft.com/office/drawing/2014/main" id="{C2AA9A57-423A-0841-BF72-D607AE887CCF}"/>
+                </a:ext>
+              </a:extLst>
+            </p:cNvPr>
+            <p:cNvGrpSpPr/>
+            <p:nvPr/>
+          </p:nvGrpSpPr>
+          <p:grpSpPr>
+            <a:xfrm>
+              <a:off x="2198102" y="4810420"/>
+              <a:ext cx="2712862" cy="269898"/>
+              <a:chOff x="2198102" y="4050765"/>
+              <a:chExt cx="2712862" cy="269898"/>
+            </a:xfrm>
+          </p:grpSpPr>
+          <p:grpSp>
+            <p:nvGrpSpPr>
+              <p:cNvPr id="85" name="Group 84">
+                <a:extLst>
+                  <a:ext uri="{FF2B5EF4-FFF2-40B4-BE49-F238E27FC236}">
+                    <a16:creationId xmlns:a16="http://schemas.microsoft.com/office/drawing/2014/main" id="{4541AA39-0B8F-8C46-A851-026976069622}"/>
+                  </a:ext>
+                </a:extLst>
+              </p:cNvPr>
+              <p:cNvGrpSpPr/>
+              <p:nvPr/>
+            </p:nvGrpSpPr>
+            <p:grpSpPr>
+              <a:xfrm>
+                <a:off x="2198102" y="4050765"/>
+                <a:ext cx="2712862" cy="269898"/>
+                <a:chOff x="2129202" y="4050765"/>
+                <a:chExt cx="2712862" cy="269898"/>
+              </a:xfrm>
+            </p:grpSpPr>
+            <p:cxnSp>
+              <p:nvCxnSpPr>
+                <p:cNvPr id="79" name="Straight Arrow Connector 78">
+                  <a:extLst>
+                    <a:ext uri="{FF2B5EF4-FFF2-40B4-BE49-F238E27FC236}">
+                      <a16:creationId xmlns:a16="http://schemas.microsoft.com/office/drawing/2014/main" id="{DF28843C-DB04-4C47-97AC-863FFC2A4D1F}"/>
+                    </a:ext>
+                  </a:extLst>
+                </p:cNvPr>
+                <p:cNvCxnSpPr/>
+                <p:nvPr/>
+              </p:nvCxnSpPr>
+              <p:spPr>
+                <a:xfrm flipH="1">
+                  <a:off x="2129202" y="4056894"/>
+                  <a:ext cx="1223328" cy="263769"/>
+                </a:xfrm>
+                <a:prstGeom prst="straightConnector1">
+                  <a:avLst/>
+                </a:prstGeom>
+                <a:ln>
+                  <a:tailEnd type="triangle"/>
+                </a:ln>
+              </p:spPr>
+              <p:style>
+                <a:lnRef idx="1">
+                  <a:schemeClr val="accent1"/>
+                </a:lnRef>
+                <a:fillRef idx="0">
+                  <a:schemeClr val="accent1"/>
+                </a:fillRef>
+                <a:effectRef idx="0">
+                  <a:schemeClr val="accent1"/>
+                </a:effectRef>
+                <a:fontRef idx="minor">
+                  <a:schemeClr val="tx1"/>
+                </a:fontRef>
+              </p:style>
+            </p:cxnSp>
+            <p:cxnSp>
+              <p:nvCxnSpPr>
+                <p:cNvPr id="80" name="Straight Arrow Connector 79">
+                  <a:extLst>
+                    <a:ext uri="{FF2B5EF4-FFF2-40B4-BE49-F238E27FC236}">
+                      <a16:creationId xmlns:a16="http://schemas.microsoft.com/office/drawing/2014/main" id="{9E66809B-CF19-824A-A955-0E2D1BB25FD6}"/>
+                    </a:ext>
+                  </a:extLst>
+                </p:cNvPr>
+                <p:cNvCxnSpPr>
+                  <a:cxnSpLocks/>
+                </p:cNvCxnSpPr>
+                <p:nvPr/>
+              </p:nvCxnSpPr>
+              <p:spPr>
+                <a:xfrm>
+                  <a:off x="3618736" y="4050765"/>
+                  <a:ext cx="1223328" cy="263769"/>
+                </a:xfrm>
+                <a:prstGeom prst="straightConnector1">
+                  <a:avLst/>
+                </a:prstGeom>
+                <a:ln>
+                  <a:tailEnd type="triangle"/>
+                </a:ln>
+              </p:spPr>
+              <p:style>
+                <a:lnRef idx="1">
+                  <a:schemeClr val="accent1"/>
+                </a:lnRef>
+                <a:fillRef idx="0">
+                  <a:schemeClr val="accent1"/>
+                </a:fillRef>
+                <a:effectRef idx="0">
+                  <a:schemeClr val="accent1"/>
+                </a:effectRef>
+                <a:fontRef idx="minor">
+                  <a:schemeClr val="tx1"/>
+                </a:fontRef>
+              </p:style>
+            </p:cxnSp>
+          </p:grpSp>
+          <p:cxnSp>
+            <p:nvCxnSpPr>
+              <p:cNvPr id="82" name="Straight Arrow Connector 81">
+                <a:extLst>
+                  <a:ext uri="{FF2B5EF4-FFF2-40B4-BE49-F238E27FC236}">
+                    <a16:creationId xmlns:a16="http://schemas.microsoft.com/office/drawing/2014/main" id="{B50BC9A7-F055-314C-A6A2-1CAA3C707425}"/>
+                  </a:ext>
+                </a:extLst>
+              </p:cNvPr>
+              <p:cNvCxnSpPr>
+                <a:cxnSpLocks/>
+              </p:cNvCxnSpPr>
+              <p:nvPr/>
+            </p:nvCxnSpPr>
+            <p:spPr>
+              <a:xfrm>
+                <a:off x="3554533" y="4056894"/>
+                <a:ext cx="0" cy="244416"/>
+              </a:xfrm>
+              <a:prstGeom prst="straightConnector1">
+                <a:avLst/>
+              </a:prstGeom>
+              <a:ln>
+                <a:tailEnd type="triangle"/>
+              </a:ln>
+            </p:spPr>
+            <p:style>
+              <a:lnRef idx="1">
+                <a:schemeClr val="accent1"/>
+              </a:lnRef>
+              <a:fillRef idx="0">
+                <a:schemeClr val="accent1"/>
+              </a:fillRef>
+              <a:effectRef idx="0">
+                <a:schemeClr val="accent1"/>
+              </a:effectRef>
+              <a:fontRef idx="minor">
+                <a:schemeClr val="tx1"/>
+              </a:fontRef>
+            </p:style>
+          </p:cxnSp>
+        </p:grpSp>
+        <p:cxnSp>
+          <p:nvCxnSpPr>
+            <p:cNvPr id="83" name="Straight Arrow Connector 82">
+              <a:extLst>
+                <a:ext uri="{FF2B5EF4-FFF2-40B4-BE49-F238E27FC236}">
+                  <a16:creationId xmlns:a16="http://schemas.microsoft.com/office/drawing/2014/main" id="{552A31D0-1FEE-8D41-B5CF-B340885D7E84}"/>
+                </a:ext>
+              </a:extLst>
+            </p:cNvPr>
+            <p:cNvCxnSpPr>
+              <a:cxnSpLocks/>
+            </p:cNvCxnSpPr>
+            <p:nvPr/>
+          </p:nvCxnSpPr>
+          <p:spPr>
+            <a:xfrm>
+              <a:off x="3554533" y="3808004"/>
+              <a:ext cx="0" cy="244416"/>
+            </a:xfrm>
+            <a:prstGeom prst="straightConnector1">
+              <a:avLst/>
+            </a:prstGeom>
+            <a:ln>
+              <a:tailEnd type="triangle"/>
+            </a:ln>
+          </p:spPr>
+          <p:style>
+            <a:lnRef idx="1">
+              <a:schemeClr val="accent1"/>
+            </a:lnRef>
+            <a:fillRef idx="0">
+              <a:schemeClr val="accent1"/>
+            </a:fillRef>
+            <a:effectRef idx="0">
+              <a:schemeClr val="accent1"/>
+            </a:effectRef>
+            <a:fontRef idx="minor">
+              <a:schemeClr val="tx1"/>
+            </a:fontRef>
+          </p:style>
+        </p:cxnSp>
+        <p:cxnSp>
+          <p:nvCxnSpPr>
+            <p:cNvPr id="95" name="Straight Arrow Connector 94">
+              <a:extLst>
+                <a:ext uri="{FF2B5EF4-FFF2-40B4-BE49-F238E27FC236}">
+                  <a16:creationId xmlns:a16="http://schemas.microsoft.com/office/drawing/2014/main" id="{B5578FC8-E54F-5844-8F1C-7510467B41F3}"/>
+                </a:ext>
+              </a:extLst>
+            </p:cNvPr>
+            <p:cNvCxnSpPr>
+              <a:cxnSpLocks/>
+            </p:cNvCxnSpPr>
+            <p:nvPr/>
+          </p:nvCxnSpPr>
+          <p:spPr>
+            <a:xfrm>
+              <a:off x="1371136" y="4840821"/>
+              <a:ext cx="417278" cy="233368"/>
+            </a:xfrm>
+            <a:prstGeom prst="straightConnector1">
+              <a:avLst/>
+            </a:prstGeom>
+            <a:ln>
+              <a:solidFill>
+                <a:schemeClr val="tx1">
+                  <a:lumMod val="50000"/>
+                  <a:lumOff val="50000"/>
+                </a:schemeClr>
+              </a:solidFill>
+              <a:tailEnd type="triangle"/>
+            </a:ln>
+          </p:spPr>
+          <p:style>
+            <a:lnRef idx="1">
+              <a:schemeClr val="accent1"/>
+            </a:lnRef>
+            <a:fillRef idx="0">
+              <a:schemeClr val="accent1"/>
+            </a:fillRef>
+            <a:effectRef idx="0">
+              <a:schemeClr val="accent1"/>
+            </a:effectRef>
+            <a:fontRef idx="minor">
+              <a:schemeClr val="tx1"/>
+            </a:fontRef>
+          </p:style>
+        </p:cxnSp>
+        <p:cxnSp>
+          <p:nvCxnSpPr>
+            <p:cNvPr id="97" name="Straight Arrow Connector 96">
+              <a:extLst>
+                <a:ext uri="{FF2B5EF4-FFF2-40B4-BE49-F238E27FC236}">
+                  <a16:creationId xmlns:a16="http://schemas.microsoft.com/office/drawing/2014/main" id="{5308550F-EF95-1B4E-A7E6-566C7E52BCF6}"/>
+                </a:ext>
+              </a:extLst>
+            </p:cNvPr>
+            <p:cNvCxnSpPr>
+              <a:cxnSpLocks/>
+            </p:cNvCxnSpPr>
+            <p:nvPr/>
+          </p:nvCxnSpPr>
+          <p:spPr>
+            <a:xfrm>
+              <a:off x="1575081" y="4840821"/>
+              <a:ext cx="1576140" cy="324656"/>
+            </a:xfrm>
+            <a:prstGeom prst="straightConnector1">
+              <a:avLst/>
+            </a:prstGeom>
+            <a:ln>
+              <a:solidFill>
+                <a:schemeClr val="tx1">
+                  <a:lumMod val="50000"/>
+                  <a:lumOff val="50000"/>
+                </a:schemeClr>
+              </a:solidFill>
+              <a:tailEnd type="triangle"/>
+            </a:ln>
+          </p:spPr>
+          <p:style>
+            <a:lnRef idx="1">
+              <a:schemeClr val="accent1"/>
+            </a:lnRef>
+            <a:fillRef idx="0">
+              <a:schemeClr val="accent1"/>
+            </a:fillRef>
+            <a:effectRef idx="0">
+              <a:schemeClr val="accent1"/>
+            </a:effectRef>
+            <a:fontRef idx="minor">
+              <a:schemeClr val="tx1"/>
+            </a:fontRef>
+          </p:style>
+        </p:cxnSp>
+        <p:cxnSp>
+          <p:nvCxnSpPr>
+            <p:cNvPr id="100" name="Straight Arrow Connector 99">
+              <a:extLst>
+                <a:ext uri="{FF2B5EF4-FFF2-40B4-BE49-F238E27FC236}">
+                  <a16:creationId xmlns:a16="http://schemas.microsoft.com/office/drawing/2014/main" id="{B1532874-35DD-304E-B924-EA1D6BAA40CC}"/>
+                </a:ext>
+              </a:extLst>
+            </p:cNvPr>
+            <p:cNvCxnSpPr>
+              <a:cxnSpLocks/>
+            </p:cNvCxnSpPr>
+            <p:nvPr/>
+          </p:nvCxnSpPr>
+          <p:spPr>
+            <a:xfrm>
+              <a:off x="1788414" y="4840821"/>
+              <a:ext cx="2956858" cy="396336"/>
+            </a:xfrm>
+            <a:prstGeom prst="straightConnector1">
+              <a:avLst/>
+            </a:prstGeom>
+            <a:ln>
+              <a:solidFill>
+                <a:schemeClr val="tx1">
+                  <a:lumMod val="50000"/>
+                  <a:lumOff val="50000"/>
+                </a:schemeClr>
+              </a:solidFill>
+              <a:tailEnd type="triangle"/>
+            </a:ln>
+          </p:spPr>
+          <p:style>
+            <a:lnRef idx="1">
+              <a:schemeClr val="accent1"/>
+            </a:lnRef>
+            <a:fillRef idx="0">
+              <a:schemeClr val="accent1"/>
+            </a:fillRef>
+            <a:effectRef idx="0">
+              <a:schemeClr val="accent1"/>
+            </a:effectRef>
+            <a:fontRef idx="minor">
+              <a:schemeClr val="tx1"/>
+            </a:fontRef>
+          </p:style>
+        </p:cxnSp>
+        <p:sp>
+          <p:nvSpPr>
+            <p:cNvPr id="108" name="Rectangle 107">
+              <a:extLst>
+                <a:ext uri="{FF2B5EF4-FFF2-40B4-BE49-F238E27FC236}">
+                  <a16:creationId xmlns:a16="http://schemas.microsoft.com/office/drawing/2014/main" id="{28AA5D10-856F-9345-8EC2-E55E1B457BA9}"/>
+                </a:ext>
+              </a:extLst>
+            </p:cNvPr>
+            <p:cNvSpPr/>
+            <p:nvPr/>
+          </p:nvSpPr>
+          <p:spPr>
+            <a:xfrm>
+              <a:off x="990553" y="4587205"/>
+              <a:ext cx="1033020" cy="324656"/>
+            </a:xfrm>
+            <a:prstGeom prst="rect">
+              <a:avLst/>
+            </a:prstGeom>
+            <a:noFill/>
+            <a:ln w="3175">
+              <a:noFill/>
+            </a:ln>
+          </p:spPr>
+          <p:style>
+            <a:lnRef idx="2">
+              <a:schemeClr val="accent1">
+                <a:shade val="50000"/>
+              </a:schemeClr>
+            </a:lnRef>
+            <a:fillRef idx="1">
+              <a:schemeClr val="accent1"/>
+            </a:fillRef>
+            <a:effectRef idx="0">
+              <a:schemeClr val="accent1"/>
+            </a:effectRef>
+            <a:fontRef idx="minor">
+              <a:schemeClr val="lt1"/>
+            </a:fontRef>
+          </p:style>
+          <p:txBody>
+            <a:bodyPr rtlCol="0" anchor="ctr"/>
+            <a:lstStyle/>
+            <a:p>
+              <a:pPr algn="ctr">
+                <a:spcBef>
+                  <a:spcPts val="600"/>
+                </a:spcBef>
+                <a:buClr>
+                  <a:schemeClr val="tx2"/>
+                </a:buClr>
+              </a:pPr>
+              <a:r>
+                <a:rPr lang="en-US" sz="1200" dirty="0">
+                  <a:solidFill>
+                    <a:schemeClr val="tx1"/>
+                  </a:solidFill>
+                </a:rPr>
+                <a:t>Questions</a:t>
+              </a:r>
+            </a:p>
+          </p:txBody>
+        </p:sp>
+        <p:grpSp>
+          <p:nvGrpSpPr>
+            <p:cNvPr id="111" name="Group 110">
+              <a:extLst>
+                <a:ext uri="{FF2B5EF4-FFF2-40B4-BE49-F238E27FC236}">
+                  <a16:creationId xmlns:a16="http://schemas.microsoft.com/office/drawing/2014/main" id="{5A8084D4-4DFF-D040-B905-823B67F89BBB}"/>
+                </a:ext>
+              </a:extLst>
+            </p:cNvPr>
+            <p:cNvGrpSpPr/>
+            <p:nvPr/>
+          </p:nvGrpSpPr>
+          <p:grpSpPr>
+            <a:xfrm flipV="1">
+              <a:off x="2198102" y="6177749"/>
+              <a:ext cx="2712862" cy="269898"/>
+              <a:chOff x="2198102" y="4050765"/>
+              <a:chExt cx="2712862" cy="269898"/>
+            </a:xfrm>
+          </p:grpSpPr>
+          <p:grpSp>
+            <p:nvGrpSpPr>
+              <p:cNvPr id="112" name="Group 111">
+                <a:extLst>
+                  <a:ext uri="{FF2B5EF4-FFF2-40B4-BE49-F238E27FC236}">
+                    <a16:creationId xmlns:a16="http://schemas.microsoft.com/office/drawing/2014/main" id="{EB72B492-8997-DD45-B3F0-00A24D018AFF}"/>
+                  </a:ext>
+                </a:extLst>
+              </p:cNvPr>
+              <p:cNvGrpSpPr/>
+              <p:nvPr/>
+            </p:nvGrpSpPr>
+            <p:grpSpPr>
+              <a:xfrm>
+                <a:off x="2198102" y="4050765"/>
+                <a:ext cx="2712862" cy="269898"/>
+                <a:chOff x="2129202" y="4050765"/>
+                <a:chExt cx="2712862" cy="269898"/>
+              </a:xfrm>
+            </p:grpSpPr>
+            <p:cxnSp>
+              <p:nvCxnSpPr>
+                <p:cNvPr id="114" name="Straight Arrow Connector 113">
+                  <a:extLst>
+                    <a:ext uri="{FF2B5EF4-FFF2-40B4-BE49-F238E27FC236}">
+                      <a16:creationId xmlns:a16="http://schemas.microsoft.com/office/drawing/2014/main" id="{703ACC58-04DA-F749-ACF5-CC64CAB2667D}"/>
+                    </a:ext>
+                  </a:extLst>
+                </p:cNvPr>
+                <p:cNvCxnSpPr/>
+                <p:nvPr/>
+              </p:nvCxnSpPr>
+              <p:spPr>
+                <a:xfrm flipH="1">
+                  <a:off x="2129202" y="4056894"/>
+                  <a:ext cx="1223328" cy="263769"/>
+                </a:xfrm>
+                <a:prstGeom prst="straightConnector1">
+                  <a:avLst/>
+                </a:prstGeom>
+                <a:ln>
+                  <a:headEnd type="triangle" w="med" len="med"/>
+                  <a:tailEnd type="none" w="med" len="med"/>
+                </a:ln>
+              </p:spPr>
+              <p:style>
+                <a:lnRef idx="1">
+                  <a:schemeClr val="accent1"/>
+                </a:lnRef>
+                <a:fillRef idx="0">
+                  <a:schemeClr val="accent1"/>
+                </a:fillRef>
+                <a:effectRef idx="0">
+                  <a:schemeClr val="accent1"/>
+                </a:effectRef>
+                <a:fontRef idx="minor">
+                  <a:schemeClr val="tx1"/>
+                </a:fontRef>
+              </p:style>
+            </p:cxnSp>
+            <p:cxnSp>
+              <p:nvCxnSpPr>
+                <p:cNvPr id="115" name="Straight Arrow Connector 114">
+                  <a:extLst>
+                    <a:ext uri="{FF2B5EF4-FFF2-40B4-BE49-F238E27FC236}">
+                      <a16:creationId xmlns:a16="http://schemas.microsoft.com/office/drawing/2014/main" id="{74BCD668-640B-0E4E-B0D8-39B1B9B2780C}"/>
+                    </a:ext>
+                  </a:extLst>
+                </p:cNvPr>
+                <p:cNvCxnSpPr>
+                  <a:cxnSpLocks/>
+                </p:cNvCxnSpPr>
+                <p:nvPr/>
+              </p:nvCxnSpPr>
+              <p:spPr>
+                <a:xfrm>
+                  <a:off x="3618736" y="4050765"/>
+                  <a:ext cx="1223328" cy="263769"/>
+                </a:xfrm>
+                <a:prstGeom prst="straightConnector1">
+                  <a:avLst/>
+                </a:prstGeom>
+                <a:ln>
+                  <a:headEnd type="triangle" w="med" len="med"/>
+                  <a:tailEnd type="none" w="med" len="med"/>
+                </a:ln>
+              </p:spPr>
+              <p:style>
+                <a:lnRef idx="1">
+                  <a:schemeClr val="accent1"/>
+                </a:lnRef>
+                <a:fillRef idx="0">
+                  <a:schemeClr val="accent1"/>
+                </a:fillRef>
+                <a:effectRef idx="0">
+                  <a:schemeClr val="accent1"/>
+                </a:effectRef>
+                <a:fontRef idx="minor">
+                  <a:schemeClr val="tx1"/>
+                </a:fontRef>
+              </p:style>
+            </p:cxnSp>
+          </p:grpSp>
+          <p:cxnSp>
+            <p:nvCxnSpPr>
+              <p:cNvPr id="113" name="Straight Arrow Connector 112">
+                <a:extLst>
+                  <a:ext uri="{FF2B5EF4-FFF2-40B4-BE49-F238E27FC236}">
+                    <a16:creationId xmlns:a16="http://schemas.microsoft.com/office/drawing/2014/main" id="{C3E105B8-D97F-BE4A-A790-51EFD88F33CB}"/>
+                  </a:ext>
+                </a:extLst>
+              </p:cNvPr>
+              <p:cNvCxnSpPr>
+                <a:cxnSpLocks/>
+              </p:cNvCxnSpPr>
+              <p:nvPr/>
+            </p:nvCxnSpPr>
+            <p:spPr>
+              <a:xfrm>
+                <a:off x="3554533" y="4056894"/>
+                <a:ext cx="0" cy="244416"/>
+              </a:xfrm>
+              <a:prstGeom prst="straightConnector1">
+                <a:avLst/>
+              </a:prstGeom>
+              <a:ln>
+                <a:headEnd type="triangle" w="med" len="med"/>
+                <a:tailEnd type="none" w="med" len="med"/>
+              </a:ln>
+            </p:spPr>
+            <p:style>
+              <a:lnRef idx="1">
+                <a:schemeClr val="accent1"/>
+              </a:lnRef>
+              <a:fillRef idx="0">
+                <a:schemeClr val="accent1"/>
+              </a:fillRef>
+              <a:effectRef idx="0">
+                <a:schemeClr val="accent1"/>
+              </a:effectRef>
+              <a:fontRef idx="minor">
+                <a:schemeClr val="tx1"/>
+              </a:fontRef>
+            </p:style>
+          </p:cxnSp>
+        </p:grpSp>
+        <p:sp>
+          <p:nvSpPr>
+            <p:cNvPr id="116" name="Rectangle 115">
+              <a:extLst>
+                <a:ext uri="{FF2B5EF4-FFF2-40B4-BE49-F238E27FC236}">
+                  <a16:creationId xmlns:a16="http://schemas.microsoft.com/office/drawing/2014/main" id="{65B8CCD9-4240-FD40-8B24-F54DAB4131FA}"/>
+                </a:ext>
+              </a:extLst>
+            </p:cNvPr>
+            <p:cNvSpPr/>
+            <p:nvPr/>
+          </p:nvSpPr>
+          <p:spPr>
+            <a:xfrm>
+              <a:off x="3034479" y="6388759"/>
+              <a:ext cx="1033020" cy="324656"/>
+            </a:xfrm>
+            <a:prstGeom prst="rect">
+              <a:avLst/>
+            </a:prstGeom>
+            <a:noFill/>
+            <a:ln w="3175">
+              <a:noFill/>
+            </a:ln>
+          </p:spPr>
+          <p:style>
+            <a:lnRef idx="2">
+              <a:schemeClr val="accent1">
+                <a:shade val="50000"/>
+              </a:schemeClr>
+            </a:lnRef>
+            <a:fillRef idx="1">
+              <a:schemeClr val="accent1"/>
+            </a:fillRef>
+            <a:effectRef idx="0">
+              <a:schemeClr val="accent1"/>
+            </a:effectRef>
+            <a:fontRef idx="minor">
+              <a:schemeClr val="lt1"/>
+            </a:fontRef>
+          </p:style>
+          <p:txBody>
+            <a:bodyPr rtlCol="0" anchor="ctr"/>
+            <a:lstStyle/>
+            <a:p>
+              <a:pPr algn="ctr">
+                <a:spcBef>
+                  <a:spcPts val="600"/>
+                </a:spcBef>
+                <a:buClr>
+                  <a:schemeClr val="tx2"/>
+                </a:buClr>
+              </a:pPr>
+              <a:r>
+                <a:rPr lang="en-US" sz="1200" dirty="0">
+                  <a:solidFill>
+                    <a:schemeClr val="tx1"/>
+                  </a:solidFill>
+                </a:rPr>
+                <a:t>Answers</a:t>
+              </a:r>
+            </a:p>
+          </p:txBody>
+        </p:sp>
+      </p:grpSp>
+      <p:sp>
+        <p:nvSpPr>
+          <p:cNvPr id="118" name="Title 117">
+            <a:extLst>
+              <a:ext uri="{FF2B5EF4-FFF2-40B4-BE49-F238E27FC236}">
+                <a16:creationId xmlns:a16="http://schemas.microsoft.com/office/drawing/2014/main" id="{0F0B6787-4FCC-4A48-9D13-B63A0C7BE423}"/>
+              </a:ext>
+            </a:extLst>
+          </p:cNvPr>
+          <p:cNvSpPr>
+            <a:spLocks noGrp="1"/>
+          </p:cNvSpPr>
+          <p:nvPr>
+            <p:ph type="title"/>
+          </p:nvPr>
+        </p:nvSpPr>
+        <p:spPr/>
+        <p:txBody>
+          <a:bodyPr>
+            <a:normAutofit/>
+          </a:bodyPr>
+          <a:lstStyle/>
+          <a:p>
+            <a:r>
+              <a:rPr lang="en-US" dirty="0"/>
+              <a:t>Model implementation – overview</a:t>
+            </a:r>
+          </a:p>
+        </p:txBody>
+      </p:sp>
+      <p:sp>
+        <p:nvSpPr>
+          <p:cNvPr id="120" name="Textfeld 28">
+            <a:extLst>
+              <a:ext uri="{FF2B5EF4-FFF2-40B4-BE49-F238E27FC236}">
+                <a16:creationId xmlns:a16="http://schemas.microsoft.com/office/drawing/2014/main" id="{349CD2ED-4549-FA40-AB91-C81B7EDD0213}"/>
+              </a:ext>
+            </a:extLst>
+          </p:cNvPr>
+          <p:cNvSpPr txBox="1"/>
+          <p:nvPr/>
+        </p:nvSpPr>
+        <p:spPr bwMode="gray">
+          <a:xfrm>
+            <a:off x="5692982" y="1611658"/>
+            <a:ext cx="3764843" cy="251795"/>
+          </a:xfrm>
+          <a:prstGeom prst="rect">
+            <a:avLst/>
+          </a:prstGeom>
+          <a:noFill/>
+        </p:spPr>
+        <p:txBody>
+          <a:bodyPr wrap="square" lIns="0" tIns="0" rIns="0" bIns="36000" rtlCol="0" anchor="b">
+            <a:spAutoFit/>
+          </a:bodyPr>
+          <a:lstStyle/>
+          <a:p>
+            <a:r>
+              <a:rPr lang="en-US" sz="1400" b="1" dirty="0"/>
+              <a:t>Implementation details</a:t>
+            </a:r>
+          </a:p>
+        </p:txBody>
+      </p:sp>
+      <p:cxnSp>
+        <p:nvCxnSpPr>
+          <p:cNvPr id="121" name="Gerader Verbinder 29">
+            <a:extLst>
+              <a:ext uri="{FF2B5EF4-FFF2-40B4-BE49-F238E27FC236}">
+                <a16:creationId xmlns:a16="http://schemas.microsoft.com/office/drawing/2014/main" id="{E7037C0E-3481-AC44-ADFF-4D6D69B04145}"/>
+              </a:ext>
+            </a:extLst>
+          </p:cNvPr>
+          <p:cNvCxnSpPr>
+            <a:cxnSpLocks/>
+          </p:cNvCxnSpPr>
+          <p:nvPr/>
+        </p:nvCxnSpPr>
+        <p:spPr bwMode="gray">
+          <a:xfrm>
+            <a:off x="5692982" y="1863453"/>
+            <a:ext cx="3764844" cy="0"/>
+          </a:xfrm>
+          <a:prstGeom prst="line">
+            <a:avLst/>
+          </a:prstGeom>
+          <a:ln w="3175">
+            <a:solidFill>
+              <a:schemeClr val="tx1">
+                <a:lumMod val="40000"/>
+                <a:lumOff val="60000"/>
+              </a:schemeClr>
+            </a:solidFill>
+          </a:ln>
+        </p:spPr>
+        <p:style>
+          <a:lnRef idx="1">
+            <a:schemeClr val="accent1"/>
+          </a:lnRef>
+          <a:fillRef idx="0">
+            <a:schemeClr val="accent1"/>
+          </a:fillRef>
+          <a:effectRef idx="0">
+            <a:schemeClr val="accent1"/>
+          </a:effectRef>
+          <a:fontRef idx="minor">
+            <a:schemeClr val="tx1"/>
+          </a:fontRef>
+        </p:style>
+      </p:cxnSp>
+      <p:cxnSp>
+        <p:nvCxnSpPr>
+          <p:cNvPr id="122" name="Gerader Verbinder 31">
+            <a:extLst>
+              <a:ext uri="{FF2B5EF4-FFF2-40B4-BE49-F238E27FC236}">
+                <a16:creationId xmlns:a16="http://schemas.microsoft.com/office/drawing/2014/main" id="{28DFA37E-3670-4146-AEFE-3D82ABD849FF}"/>
+              </a:ext>
+            </a:extLst>
+          </p:cNvPr>
+          <p:cNvCxnSpPr/>
+          <p:nvPr/>
+        </p:nvCxnSpPr>
+        <p:spPr bwMode="gray">
+          <a:xfrm flipV="1">
+            <a:off x="5474819" y="1605053"/>
+            <a:ext cx="0" cy="4536693"/>
+          </a:xfrm>
+          <a:prstGeom prst="line">
+            <a:avLst/>
+          </a:prstGeom>
+          <a:ln w="3175">
+            <a:solidFill>
+              <a:schemeClr val="tx1">
+                <a:lumMod val="40000"/>
+                <a:lumOff val="60000"/>
+              </a:schemeClr>
+            </a:solidFill>
+            <a:prstDash val="sysDot"/>
+          </a:ln>
+        </p:spPr>
+        <p:style>
+          <a:lnRef idx="1">
+            <a:schemeClr val="accent1"/>
+          </a:lnRef>
+          <a:fillRef idx="0">
+            <a:schemeClr val="accent1"/>
+          </a:fillRef>
+          <a:effectRef idx="0">
+            <a:schemeClr val="accent1"/>
+          </a:effectRef>
+          <a:fontRef idx="minor">
+            <a:schemeClr val="tx1"/>
+          </a:fontRef>
+        </p:style>
+      </p:cxnSp>
+      <p:grpSp>
+        <p:nvGrpSpPr>
+          <p:cNvPr id="123" name="Gruppieren 32">
+            <a:extLst>
+              <a:ext uri="{FF2B5EF4-FFF2-40B4-BE49-F238E27FC236}">
+                <a16:creationId xmlns:a16="http://schemas.microsoft.com/office/drawing/2014/main" id="{03A4BE3A-30B2-AF43-9895-F582E26F10D6}"/>
+              </a:ext>
+            </a:extLst>
+          </p:cNvPr>
+          <p:cNvGrpSpPr/>
+          <p:nvPr/>
+        </p:nvGrpSpPr>
+        <p:grpSpPr>
+          <a:xfrm>
+            <a:off x="5372425" y="3492399"/>
+            <a:ext cx="204788" cy="755650"/>
+            <a:chOff x="9006774" y="3303778"/>
+            <a:chExt cx="204788" cy="755650"/>
+          </a:xfrm>
+        </p:grpSpPr>
+        <p:sp>
+          <p:nvSpPr>
+            <p:cNvPr id="124" name="Rechteck 33">
+              <a:extLst>
+                <a:ext uri="{FF2B5EF4-FFF2-40B4-BE49-F238E27FC236}">
+                  <a16:creationId xmlns:a16="http://schemas.microsoft.com/office/drawing/2014/main" id="{FE42D9FC-6156-1E47-ABD2-E6C5A51A8F5F}"/>
+                </a:ext>
+              </a:extLst>
+            </p:cNvPr>
+            <p:cNvSpPr/>
+            <p:nvPr/>
+          </p:nvSpPr>
+          <p:spPr bwMode="gray">
+            <a:xfrm>
+              <a:off x="9006774" y="3303778"/>
+              <a:ext cx="204788" cy="755650"/>
+            </a:xfrm>
+            <a:prstGeom prst="rect">
+              <a:avLst/>
+            </a:prstGeom>
+            <a:solidFill>
+              <a:schemeClr val="bg1"/>
+            </a:solidFill>
+            <a:ln w="12700" cap="flat" cmpd="sng" algn="ctr">
+              <a:noFill/>
+              <a:prstDash val="solid"/>
+              <a:miter lim="800000"/>
+            </a:ln>
+            <a:effectLst/>
+            <a:extLst>
+              <a:ext uri="{91240B29-F687-4F45-9708-019B960494DF}">
+                <a14:hiddenLine xmlns:a14="http://schemas.microsoft.com/office/drawing/2010/main" w="12700" cap="flat" cmpd="sng" algn="ctr">
+                  <a:solidFill>
+                    <a:schemeClr val="accent1">
+                      <a:shade val="50000"/>
+                    </a:schemeClr>
+                  </a:solidFill>
+                  <a:prstDash val="solid"/>
+                  <a:miter lim="800000"/>
+                </a14:hiddenLine>
+              </a:ext>
+            </a:extLst>
+          </p:spPr>
+          <p:style>
+            <a:lnRef idx="2">
+              <a:schemeClr val="accent1">
+                <a:shade val="50000"/>
+              </a:schemeClr>
+            </a:lnRef>
+            <a:fillRef idx="1">
+              <a:schemeClr val="accent1"/>
+            </a:fillRef>
+            <a:effectRef idx="0">
+              <a:schemeClr val="accent1"/>
+            </a:effectRef>
+            <a:fontRef idx="minor">
+              <a:schemeClr val="lt1"/>
+            </a:fontRef>
+          </p:style>
+          <p:txBody>
+            <a:bodyPr rtlCol="0" anchor="ctr"/>
+            <a:lstStyle/>
+            <a:p>
+              <a:pPr algn="ctr"/>
+              <a:endParaRPr lang="en-US" dirty="0"/>
+            </a:p>
+          </p:txBody>
+        </p:sp>
+        <p:sp>
+          <p:nvSpPr>
+            <p:cNvPr id="125" name="Freihandform 17">
+              <a:extLst>
+                <a:ext uri="{FF2B5EF4-FFF2-40B4-BE49-F238E27FC236}">
+                  <a16:creationId xmlns:a16="http://schemas.microsoft.com/office/drawing/2014/main" id="{2446B26D-4019-594A-8993-93EEA21764BF}"/>
+                </a:ext>
+              </a:extLst>
+            </p:cNvPr>
+            <p:cNvSpPr/>
+            <p:nvPr/>
+          </p:nvSpPr>
+          <p:spPr>
+            <a:xfrm>
+              <a:off x="9015506" y="3465703"/>
+              <a:ext cx="187325" cy="431800"/>
+            </a:xfrm>
+            <a:custGeom>
+              <a:avLst/>
+              <a:gdLst>
+                <a:gd name="connsiteX0" fmla="*/ 0 w 415925"/>
+                <a:gd name="connsiteY0" fmla="*/ 0 h 819150"/>
+                <a:gd name="connsiteX1" fmla="*/ 415925 w 415925"/>
+                <a:gd name="connsiteY1" fmla="*/ 415925 h 819150"/>
+                <a:gd name="connsiteX2" fmla="*/ 12700 w 415925"/>
+                <a:gd name="connsiteY2" fmla="*/ 819150 h 819150"/>
+              </a:gdLst>
+              <a:ahLst/>
+              <a:cxnLst>
+                <a:cxn ang="0">
+                  <a:pos x="connsiteX0" y="connsiteY0"/>
+                </a:cxn>
+                <a:cxn ang="0">
+                  <a:pos x="connsiteX1" y="connsiteY1"/>
+                </a:cxn>
+                <a:cxn ang="0">
+                  <a:pos x="connsiteX2" y="connsiteY2"/>
+                </a:cxn>
+              </a:cxnLst>
+              <a:rect l="l" t="t" r="r" b="b"/>
+              <a:pathLst>
+                <a:path w="415925" h="819150">
+                  <a:moveTo>
+                    <a:pt x="0" y="0"/>
+                  </a:moveTo>
+                  <a:lnTo>
+                    <a:pt x="415925" y="415925"/>
+                  </a:lnTo>
+                  <a:lnTo>
+                    <a:pt x="12700" y="819150"/>
+                  </a:lnTo>
+                </a:path>
+              </a:pathLst>
+            </a:custGeom>
+            <a:noFill/>
+            <a:ln w="19050">
+              <a:solidFill>
+                <a:schemeClr val="tx2"/>
+              </a:solidFill>
+            </a:ln>
+          </p:spPr>
+          <p:style>
+            <a:lnRef idx="2">
+              <a:schemeClr val="accent1">
+                <a:shade val="50000"/>
+              </a:schemeClr>
+            </a:lnRef>
+            <a:fillRef idx="1">
+              <a:schemeClr val="accent1"/>
+            </a:fillRef>
+            <a:effectRef idx="0">
+              <a:schemeClr val="accent1"/>
+            </a:effectRef>
+            <a:fontRef idx="minor">
+              <a:schemeClr val="lt1"/>
+            </a:fontRef>
+          </p:style>
+          <p:txBody>
+            <a:bodyPr rtlCol="0" anchor="ctr"/>
+            <a:lstStyle/>
+            <a:p>
+              <a:pPr algn="ctr"/>
+              <a:endParaRPr lang="en-US" dirty="0"/>
+            </a:p>
+          </p:txBody>
+        </p:sp>
+      </p:grpSp>
+    </p:spTree>
+    <p:extLst>
+      <p:ext uri="{BB962C8B-B14F-4D97-AF65-F5344CB8AC3E}">
+        <p14:creationId xmlns:p14="http://schemas.microsoft.com/office/powerpoint/2010/main" val="2132705375"/>
+      </p:ext>
+    </p:extLst>
+  </p:cSld>
+  <p:clrMapOvr>
+    <a:masterClrMapping/>
+  </p:clrMapOvr>
+</p:sld>
+</file>
+
+<file path=ppt/slides/slide4.xml><?xml version="1.0" encoding="utf-8"?>
+<p:sld xmlns:a="http://schemas.openxmlformats.org/drawingml/2006/main" xmlns:r="http://schemas.openxmlformats.org/officeDocument/2006/relationships" xmlns:p="http://schemas.openxmlformats.org/presentationml/2006/main">
+  <p:cSld>
+    <p:spTree>
+      <p:nvGrpSpPr>
+        <p:cNvPr id="1" name=""/>
+        <p:cNvGrpSpPr/>
+        <p:nvPr/>
+      </p:nvGrpSpPr>
+      <p:grpSpPr>
+        <a:xfrm>
+          <a:off x="0" y="0"/>
+          <a:ext cx="0" cy="0"/>
+          <a:chOff x="0" y="0"/>
+          <a:chExt cx="0" cy="0"/>
+        </a:xfrm>
+      </p:grpSpPr>
+      <p:grpSp>
+        <p:nvGrpSpPr>
+          <p:cNvPr id="119" name="Group 118">
+            <a:extLst>
+              <a:ext uri="{FF2B5EF4-FFF2-40B4-BE49-F238E27FC236}">
+                <a16:creationId xmlns:a16="http://schemas.microsoft.com/office/drawing/2014/main" id="{B391B5D6-69A4-CF4E-A392-70C05534D06B}"/>
+              </a:ext>
+            </a:extLst>
+          </p:cNvPr>
+          <p:cNvGrpSpPr/>
+          <p:nvPr/>
+        </p:nvGrpSpPr>
+        <p:grpSpPr>
+          <a:xfrm>
+            <a:off x="838200" y="1150909"/>
+            <a:ext cx="4127547" cy="4990837"/>
+            <a:chOff x="990553" y="973109"/>
+            <a:chExt cx="4747377" cy="5740306"/>
+          </a:xfrm>
+        </p:grpSpPr>
+        <p:sp>
+          <p:nvSpPr>
+            <p:cNvPr id="2" name="Trapezium 1">
+              <a:extLst>
+                <a:ext uri="{FF2B5EF4-FFF2-40B4-BE49-F238E27FC236}">
+                  <a16:creationId xmlns:a16="http://schemas.microsoft.com/office/drawing/2014/main" id="{1BB25865-770C-A14D-8D68-49077AD4B4B5}"/>
+                </a:ext>
+              </a:extLst>
+            </p:cNvPr>
+            <p:cNvSpPr/>
+            <p:nvPr/>
+          </p:nvSpPr>
+          <p:spPr>
+            <a:xfrm flipV="1">
+              <a:off x="2575768" y="2371644"/>
+              <a:ext cx="1957531" cy="944870"/>
+            </a:xfrm>
+            <a:prstGeom prst="trapezoid">
+              <a:avLst>
+                <a:gd name="adj" fmla="val 42201"/>
+              </a:avLst>
+            </a:prstGeom>
+            <a:solidFill>
+              <a:schemeClr val="bg1">
+                <a:lumMod val="95000"/>
+              </a:schemeClr>
+            </a:solidFill>
+            <a:ln w="3175">
+              <a:solidFill>
+                <a:schemeClr val="tx1">
+                  <a:lumMod val="75000"/>
+                  <a:lumOff val="25000"/>
+                </a:schemeClr>
+              </a:solidFill>
+            </a:ln>
+          </p:spPr>
+          <p:style>
+            <a:lnRef idx="2">
+              <a:schemeClr val="accent1">
+                <a:shade val="50000"/>
+              </a:schemeClr>
+            </a:lnRef>
+            <a:fillRef idx="1">
+              <a:schemeClr val="accent1"/>
+            </a:fillRef>
+            <a:effectRef idx="0">
+              <a:schemeClr val="accent1"/>
+            </a:effectRef>
+            <a:fontRef idx="minor">
+              <a:schemeClr val="lt1"/>
+            </a:fontRef>
+          </p:style>
+          <p:txBody>
+            <a:bodyPr rtlCol="0" anchor="ctr"/>
+            <a:lstStyle/>
+            <a:p>
+              <a:pPr algn="ctr"/>
+              <a:endParaRPr lang="en-US" sz="1600"/>
+            </a:p>
+          </p:txBody>
+        </p:sp>
+        <p:sp>
+          <p:nvSpPr>
+            <p:cNvPr id="14" name="Textfeld 36">
+              <a:extLst>
+                <a:ext uri="{FF2B5EF4-FFF2-40B4-BE49-F238E27FC236}">
+                  <a16:creationId xmlns:a16="http://schemas.microsoft.com/office/drawing/2014/main" id="{724D6A5A-9FD8-DF4C-BBB2-D9AE2A9A589F}"/>
+                </a:ext>
+              </a:extLst>
+            </p:cNvPr>
+            <p:cNvSpPr txBox="1"/>
+            <p:nvPr/>
+          </p:nvSpPr>
+          <p:spPr bwMode="gray">
+            <a:xfrm>
+              <a:off x="2878666" y="2736357"/>
+              <a:ext cx="1351734" cy="215444"/>
+            </a:xfrm>
+            <a:prstGeom prst="rect">
+              <a:avLst/>
+            </a:prstGeom>
+            <a:noFill/>
+          </p:spPr>
+          <p:txBody>
+            <a:bodyPr wrap="square" lIns="0" tIns="0" rIns="0" bIns="0" rtlCol="0">
+              <a:spAutoFit/>
+            </a:bodyPr>
+            <a:lstStyle/>
+            <a:p>
+              <a:pPr algn="ctr">
+                <a:spcBef>
+                  <a:spcPts val="600"/>
+                </a:spcBef>
+                <a:buClr>
+                  <a:schemeClr val="tx2"/>
+                </a:buClr>
+              </a:pPr>
+              <a:r>
+                <a:rPr lang="en-US" sz="1200"/>
+                <a:t>Encoder</a:t>
+              </a:r>
+            </a:p>
+          </p:txBody>
+        </p:sp>
+        <p:pic>
+          <p:nvPicPr>
+            <p:cNvPr id="48" name="Picture 47" descr="A picture containing chart&#10;&#10;Description automatically generated">
+              <a:extLst>
+                <a:ext uri="{FF2B5EF4-FFF2-40B4-BE49-F238E27FC236}">
+                  <a16:creationId xmlns:a16="http://schemas.microsoft.com/office/drawing/2014/main" id="{F6EE6ACC-2793-FA4C-94FE-5CD2B8B1E4FC}"/>
+                </a:ext>
+              </a:extLst>
+            </p:cNvPr>
+            <p:cNvPicPr>
+              <a:picLocks noChangeAspect="1"/>
+            </p:cNvPicPr>
+            <p:nvPr/>
+          </p:nvPicPr>
+          <p:blipFill>
+            <a:blip r:embed="rId3"/>
+            <a:stretch>
+              <a:fillRect/>
+            </a:stretch>
+          </p:blipFill>
+          <p:spPr>
+            <a:xfrm>
+              <a:off x="3550989" y="1472949"/>
+              <a:ext cx="838101" cy="628575"/>
+            </a:xfrm>
+            <a:prstGeom prst="rect">
+              <a:avLst/>
+            </a:prstGeom>
+            <a:ln>
+              <a:noFill/>
+            </a:ln>
+            <a:effectLst>
+              <a:outerShdw blurRad="292100" dist="139700" dir="2700000" algn="tl" rotWithShape="0">
+                <a:srgbClr val="333333">
+                  <a:alpha val="65000"/>
+                </a:srgbClr>
+              </a:outerShdw>
+            </a:effectLst>
+          </p:spPr>
+        </p:pic>
+        <p:pic>
+          <p:nvPicPr>
+            <p:cNvPr id="54" name="Picture 53" descr="A picture containing graphical user interface&#10;&#10;Description automatically generated">
+              <a:extLst>
+                <a:ext uri="{FF2B5EF4-FFF2-40B4-BE49-F238E27FC236}">
+                  <a16:creationId xmlns:a16="http://schemas.microsoft.com/office/drawing/2014/main" id="{F75E9E60-7FB4-6E43-9CD5-6673A639594D}"/>
+                </a:ext>
+              </a:extLst>
+            </p:cNvPr>
+            <p:cNvPicPr>
+              <a:picLocks noChangeAspect="1"/>
+            </p:cNvPicPr>
+            <p:nvPr/>
+          </p:nvPicPr>
+          <p:blipFill>
+            <a:blip r:embed="rId4"/>
+            <a:stretch>
+              <a:fillRect/>
+            </a:stretch>
+          </p:blipFill>
+          <p:spPr>
+            <a:xfrm>
+              <a:off x="3307183" y="1406874"/>
+              <a:ext cx="838101" cy="628575"/>
+            </a:xfrm>
+            <a:prstGeom prst="rect">
+              <a:avLst/>
+            </a:prstGeom>
+            <a:ln>
+              <a:noFill/>
+            </a:ln>
+            <a:effectLst>
+              <a:outerShdw blurRad="292100" dist="139700" dir="2700000" algn="tl" rotWithShape="0">
+                <a:srgbClr val="333333">
+                  <a:alpha val="65000"/>
+                </a:srgbClr>
+              </a:outerShdw>
+            </a:effectLst>
+          </p:spPr>
+        </p:pic>
+        <p:pic>
+          <p:nvPicPr>
+            <p:cNvPr id="56" name="Picture 55" descr="A picture containing application&#10;&#10;Description automatically generated">
+              <a:extLst>
+                <a:ext uri="{FF2B5EF4-FFF2-40B4-BE49-F238E27FC236}">
+                  <a16:creationId xmlns:a16="http://schemas.microsoft.com/office/drawing/2014/main" id="{CBC785DF-96F1-354E-8302-07A1224A6322}"/>
+                </a:ext>
+              </a:extLst>
+            </p:cNvPr>
+            <p:cNvPicPr>
+              <a:picLocks noChangeAspect="1"/>
+            </p:cNvPicPr>
+            <p:nvPr/>
+          </p:nvPicPr>
+          <p:blipFill>
+            <a:blip r:embed="rId5"/>
+            <a:stretch>
+              <a:fillRect/>
+            </a:stretch>
+          </p:blipFill>
+          <p:spPr>
+            <a:xfrm>
+              <a:off x="3063378" y="1340798"/>
+              <a:ext cx="838101" cy="628575"/>
+            </a:xfrm>
+            <a:prstGeom prst="rect">
+              <a:avLst/>
+            </a:prstGeom>
+            <a:ln>
+              <a:noFill/>
+            </a:ln>
+            <a:effectLst>
+              <a:outerShdw blurRad="292100" dist="139700" dir="2700000" algn="tl" rotWithShape="0">
+                <a:srgbClr val="333333">
+                  <a:alpha val="65000"/>
+                </a:srgbClr>
+              </a:outerShdw>
+            </a:effectLst>
+          </p:spPr>
+        </p:pic>
+        <p:pic>
+          <p:nvPicPr>
+            <p:cNvPr id="62" name="Picture 61" descr="A picture containing graphical user interface&#10;&#10;Description automatically generated">
+              <a:extLst>
+                <a:ext uri="{FF2B5EF4-FFF2-40B4-BE49-F238E27FC236}">
+                  <a16:creationId xmlns:a16="http://schemas.microsoft.com/office/drawing/2014/main" id="{B23FAF7B-DA1F-2A4F-B1D9-50FA642E5AFE}"/>
+                </a:ext>
+              </a:extLst>
+            </p:cNvPr>
+            <p:cNvPicPr>
+              <a:picLocks noChangeAspect="1"/>
+            </p:cNvPicPr>
+            <p:nvPr/>
+          </p:nvPicPr>
+          <p:blipFill>
+            <a:blip r:embed="rId6"/>
+            <a:stretch>
+              <a:fillRect/>
+            </a:stretch>
+          </p:blipFill>
+          <p:spPr>
+            <a:xfrm>
+              <a:off x="2819573" y="1274723"/>
+              <a:ext cx="838101" cy="628575"/>
+            </a:xfrm>
+            <a:prstGeom prst="rect">
+              <a:avLst/>
+            </a:prstGeom>
+            <a:ln>
+              <a:noFill/>
+            </a:ln>
+            <a:effectLst>
+              <a:outerShdw blurRad="292100" dist="139700" dir="2700000" algn="tl" rotWithShape="0">
+                <a:srgbClr val="333333">
+                  <a:alpha val="65000"/>
+                </a:srgbClr>
+              </a:outerShdw>
+            </a:effectLst>
+          </p:spPr>
+        </p:pic>
+        <p:pic>
+          <p:nvPicPr>
+            <p:cNvPr id="68" name="Picture 67" descr="A picture containing graphical user interface&#10;&#10;Description automatically generated">
+              <a:extLst>
+                <a:ext uri="{FF2B5EF4-FFF2-40B4-BE49-F238E27FC236}">
+                  <a16:creationId xmlns:a16="http://schemas.microsoft.com/office/drawing/2014/main" id="{3A41ADCF-698E-6C49-86D0-95363A445E67}"/>
+                </a:ext>
+              </a:extLst>
+            </p:cNvPr>
+            <p:cNvPicPr>
+              <a:picLocks noChangeAspect="1"/>
+            </p:cNvPicPr>
+            <p:nvPr/>
+          </p:nvPicPr>
+          <p:blipFill>
+            <a:blip r:embed="rId7"/>
+            <a:stretch>
+              <a:fillRect/>
+            </a:stretch>
+          </p:blipFill>
+          <p:spPr>
+            <a:xfrm>
+              <a:off x="2575768" y="1208647"/>
+              <a:ext cx="838101" cy="628575"/>
+            </a:xfrm>
+            <a:prstGeom prst="rect">
+              <a:avLst/>
+            </a:prstGeom>
+            <a:ln>
+              <a:noFill/>
+            </a:ln>
+            <a:effectLst>
+              <a:outerShdw blurRad="292100" dist="139700" dir="2700000" algn="tl" rotWithShape="0">
+                <a:srgbClr val="333333">
+                  <a:alpha val="65000"/>
+                </a:srgbClr>
+              </a:outerShdw>
+            </a:effectLst>
+          </p:spPr>
+        </p:pic>
+        <p:cxnSp>
+          <p:nvCxnSpPr>
+            <p:cNvPr id="71" name="Straight Arrow Connector 70">
+              <a:extLst>
+                <a:ext uri="{FF2B5EF4-FFF2-40B4-BE49-F238E27FC236}">
+                  <a16:creationId xmlns:a16="http://schemas.microsoft.com/office/drawing/2014/main" id="{B3511532-FF78-5045-9880-164F14D673CC}"/>
+                </a:ext>
+              </a:extLst>
+            </p:cNvPr>
+            <p:cNvCxnSpPr>
+              <a:cxnSpLocks/>
+            </p:cNvCxnSpPr>
+            <p:nvPr/>
+          </p:nvCxnSpPr>
+          <p:spPr>
+            <a:xfrm>
+              <a:off x="3192600" y="1093826"/>
+              <a:ext cx="1170669" cy="281450"/>
+            </a:xfrm>
+            <a:prstGeom prst="straightConnector1">
+              <a:avLst/>
+            </a:prstGeom>
+            <a:ln>
+              <a:tailEnd type="triangle"/>
+            </a:ln>
+          </p:spPr>
+          <p:style>
+            <a:lnRef idx="1">
+              <a:schemeClr val="accent1"/>
+            </a:lnRef>
+            <a:fillRef idx="0">
+              <a:schemeClr val="accent1"/>
+            </a:fillRef>
+            <a:effectRef idx="0">
+              <a:schemeClr val="accent1"/>
+            </a:effectRef>
+            <a:fontRef idx="minor">
+              <a:schemeClr val="tx1"/>
+            </a:fontRef>
+          </p:style>
+        </p:cxnSp>
+        <p:sp>
+          <p:nvSpPr>
+            <p:cNvPr id="72" name="Rectangle 71">
+              <a:extLst>
+                <a:ext uri="{FF2B5EF4-FFF2-40B4-BE49-F238E27FC236}">
+                  <a16:creationId xmlns:a16="http://schemas.microsoft.com/office/drawing/2014/main" id="{5B23D6D0-7E33-8A47-8415-855D57AC722F}"/>
+                </a:ext>
+              </a:extLst>
+            </p:cNvPr>
+            <p:cNvSpPr/>
+            <p:nvPr/>
+          </p:nvSpPr>
+          <p:spPr>
+            <a:xfrm rot="940643">
+              <a:off x="3525101" y="973109"/>
+              <a:ext cx="187323" cy="245534"/>
+            </a:xfrm>
+            <a:prstGeom prst="rect">
+              <a:avLst/>
+            </a:prstGeom>
+            <a:noFill/>
+            <a:ln w="3175">
+              <a:noFill/>
+            </a:ln>
+          </p:spPr>
+          <p:style>
+            <a:lnRef idx="2">
+              <a:schemeClr val="accent1">
+                <a:shade val="50000"/>
+              </a:schemeClr>
+            </a:lnRef>
+            <a:fillRef idx="1">
+              <a:schemeClr val="accent1"/>
+            </a:fillRef>
+            <a:effectRef idx="0">
+              <a:schemeClr val="accent1"/>
+            </a:effectRef>
+            <a:fontRef idx="minor">
+              <a:schemeClr val="lt1"/>
+            </a:fontRef>
+          </p:style>
+          <p:txBody>
+            <a:bodyPr rtlCol="0" anchor="ctr"/>
+            <a:lstStyle/>
+            <a:p>
+              <a:pPr algn="ctr">
+                <a:spcBef>
+                  <a:spcPts val="600"/>
+                </a:spcBef>
+                <a:buClr>
+                  <a:schemeClr val="tx2"/>
+                </a:buClr>
+              </a:pPr>
+              <a:r>
+                <a:rPr lang="en-US" sz="1050" dirty="0">
+                  <a:solidFill>
+                    <a:schemeClr val="tx1"/>
+                  </a:solidFill>
+                </a:rPr>
+                <a:t>t</a:t>
+              </a:r>
+            </a:p>
+          </p:txBody>
+        </p:sp>
+        <p:sp>
+          <p:nvSpPr>
+            <p:cNvPr id="3" name="Rectangle 2">
+              <a:extLst>
+                <a:ext uri="{FF2B5EF4-FFF2-40B4-BE49-F238E27FC236}">
+                  <a16:creationId xmlns:a16="http://schemas.microsoft.com/office/drawing/2014/main" id="{7673DA7D-A530-CB43-B10F-8F9AD5EDC3F0}"/>
+                </a:ext>
+              </a:extLst>
+            </p:cNvPr>
+            <p:cNvSpPr/>
+            <p:nvPr/>
+          </p:nvSpPr>
+          <p:spPr>
+            <a:xfrm>
+              <a:off x="2953400" y="3419908"/>
+              <a:ext cx="1202267" cy="245534"/>
+            </a:xfrm>
+            <a:prstGeom prst="rect">
+              <a:avLst/>
+            </a:prstGeom>
+            <a:solidFill>
+              <a:schemeClr val="bg1">
+                <a:lumMod val="95000"/>
+              </a:schemeClr>
+            </a:solidFill>
+            <a:ln w="3175">
+              <a:solidFill>
+                <a:schemeClr val="tx1">
+                  <a:lumMod val="75000"/>
+                  <a:lumOff val="25000"/>
+                </a:schemeClr>
+              </a:solidFill>
+            </a:ln>
+          </p:spPr>
+          <p:style>
+            <a:lnRef idx="2">
+              <a:schemeClr val="accent1">
+                <a:shade val="50000"/>
+              </a:schemeClr>
+            </a:lnRef>
+            <a:fillRef idx="1">
+              <a:schemeClr val="accent1"/>
+            </a:fillRef>
+            <a:effectRef idx="0">
+              <a:schemeClr val="accent1"/>
+            </a:effectRef>
+            <a:fontRef idx="minor">
+              <a:schemeClr val="lt1"/>
+            </a:fontRef>
+          </p:style>
+          <p:txBody>
+            <a:bodyPr rtlCol="0" anchor="ctr"/>
+            <a:lstStyle/>
+            <a:p>
+              <a:pPr algn="ctr">
+                <a:spcBef>
+                  <a:spcPts val="600"/>
+                </a:spcBef>
+                <a:buClr>
+                  <a:schemeClr val="tx2"/>
+                </a:buClr>
+              </a:pPr>
+              <a:r>
+                <a:rPr lang="en-US" sz="1200">
+                  <a:solidFill>
+                    <a:schemeClr val="tx1"/>
+                  </a:solidFill>
+                </a:rPr>
+                <a:t>Latent space</a:t>
+              </a:r>
+            </a:p>
+          </p:txBody>
+        </p:sp>
+        <p:sp>
+          <p:nvSpPr>
+            <p:cNvPr id="5" name="Rectangle 4">
+              <a:extLst>
+                <a:ext uri="{FF2B5EF4-FFF2-40B4-BE49-F238E27FC236}">
+                  <a16:creationId xmlns:a16="http://schemas.microsoft.com/office/drawing/2014/main" id="{EBFEB8BD-E609-8C46-8FF1-30F006FB5578}"/>
+                </a:ext>
+              </a:extLst>
+            </p:cNvPr>
+            <p:cNvSpPr/>
+            <p:nvPr/>
+          </p:nvSpPr>
+          <p:spPr>
+            <a:xfrm>
+              <a:off x="2953400" y="4194982"/>
+              <a:ext cx="1202267" cy="472876"/>
+            </a:xfrm>
+            <a:prstGeom prst="rect">
+              <a:avLst/>
+            </a:prstGeom>
+            <a:solidFill>
+              <a:schemeClr val="bg1">
+                <a:lumMod val="95000"/>
+              </a:schemeClr>
+            </a:solidFill>
+            <a:ln w="3175">
+              <a:solidFill>
+                <a:schemeClr val="tx1">
+                  <a:lumMod val="75000"/>
+                  <a:lumOff val="25000"/>
+                </a:schemeClr>
+              </a:solidFill>
+            </a:ln>
+          </p:spPr>
+          <p:style>
+            <a:lnRef idx="2">
+              <a:schemeClr val="accent1">
+                <a:shade val="50000"/>
+              </a:schemeClr>
+            </a:lnRef>
+            <a:fillRef idx="1">
+              <a:schemeClr val="accent1"/>
+            </a:fillRef>
+            <a:effectRef idx="0">
+              <a:schemeClr val="accent1"/>
+            </a:effectRef>
+            <a:fontRef idx="minor">
+              <a:schemeClr val="lt1"/>
+            </a:fontRef>
+          </p:style>
+          <p:txBody>
+            <a:bodyPr rtlCol="0" anchor="ctr"/>
+            <a:lstStyle/>
+            <a:p>
+              <a:pPr algn="ctr">
+                <a:spcBef>
+                  <a:spcPts val="600"/>
+                </a:spcBef>
+                <a:buClr>
+                  <a:schemeClr val="tx2"/>
+                </a:buClr>
+              </a:pPr>
+              <a:r>
+                <a:rPr lang="en-US" sz="1200" dirty="0">
+                  <a:solidFill>
+                    <a:schemeClr val="tx1"/>
+                  </a:solidFill>
+                </a:rPr>
+                <a:t>Filter</a:t>
+              </a:r>
+            </a:p>
+          </p:txBody>
+        </p:sp>
+        <p:grpSp>
+          <p:nvGrpSpPr>
+            <p:cNvPr id="90" name="Group 89">
+              <a:extLst>
+                <a:ext uri="{FF2B5EF4-FFF2-40B4-BE49-F238E27FC236}">
+                  <a16:creationId xmlns:a16="http://schemas.microsoft.com/office/drawing/2014/main" id="{493B5B24-E585-0847-A70C-1E6147468F96}"/>
+                </a:ext>
+              </a:extLst>
+            </p:cNvPr>
+            <p:cNvGrpSpPr/>
+            <p:nvPr/>
+          </p:nvGrpSpPr>
+          <p:grpSpPr>
+            <a:xfrm>
+              <a:off x="1371136" y="5222881"/>
+              <a:ext cx="4366794" cy="864652"/>
+              <a:chOff x="1371136" y="4562481"/>
+              <a:chExt cx="4366794" cy="864652"/>
+            </a:xfrm>
+          </p:grpSpPr>
+          <p:grpSp>
+            <p:nvGrpSpPr>
+              <p:cNvPr id="88" name="Group 87">
+                <a:extLst>
+                  <a:ext uri="{FF2B5EF4-FFF2-40B4-BE49-F238E27FC236}">
+                    <a16:creationId xmlns:a16="http://schemas.microsoft.com/office/drawing/2014/main" id="{75143A53-FBC2-8749-9AAA-85DD29CFDC5D}"/>
+                  </a:ext>
+                </a:extLst>
+              </p:cNvPr>
+              <p:cNvGrpSpPr/>
+              <p:nvPr/>
+            </p:nvGrpSpPr>
+            <p:grpSpPr>
+              <a:xfrm>
+                <a:off x="1371136" y="4562481"/>
+                <a:ext cx="4366794" cy="863600"/>
+                <a:chOff x="1371136" y="4562481"/>
+                <a:chExt cx="4366794" cy="863600"/>
+              </a:xfrm>
+            </p:grpSpPr>
+            <p:sp>
+              <p:nvSpPr>
+                <p:cNvPr id="7" name="Hexagon 6">
+                  <a:extLst>
+                    <a:ext uri="{FF2B5EF4-FFF2-40B4-BE49-F238E27FC236}">
+                      <a16:creationId xmlns:a16="http://schemas.microsoft.com/office/drawing/2014/main" id="{B91ABC37-733E-AE44-BB86-CBA0BE5F70FC}"/>
+                    </a:ext>
+                  </a:extLst>
+                </p:cNvPr>
+                <p:cNvSpPr/>
+                <p:nvPr/>
+              </p:nvSpPr>
+              <p:spPr>
+                <a:xfrm>
+                  <a:off x="1371136" y="4562481"/>
+                  <a:ext cx="1080000" cy="863600"/>
+                </a:xfrm>
+                <a:prstGeom prst="hexagon">
+                  <a:avLst/>
+                </a:prstGeom>
+                <a:solidFill>
+                  <a:schemeClr val="bg1">
+                    <a:lumMod val="95000"/>
+                  </a:schemeClr>
+                </a:solidFill>
+                <a:ln w="3175">
+                  <a:solidFill>
+                    <a:schemeClr val="tx1">
+                      <a:lumMod val="75000"/>
+                      <a:lumOff val="25000"/>
+                    </a:schemeClr>
+                  </a:solidFill>
+                </a:ln>
+              </p:spPr>
+              <p:style>
+                <a:lnRef idx="2">
+                  <a:schemeClr val="accent1">
+                    <a:shade val="50000"/>
+                  </a:schemeClr>
+                </a:lnRef>
+                <a:fillRef idx="1">
+                  <a:schemeClr val="accent1"/>
+                </a:fillRef>
+                <a:effectRef idx="0">
+                  <a:schemeClr val="accent1"/>
+                </a:effectRef>
+                <a:fontRef idx="minor">
+                  <a:schemeClr val="lt1"/>
+                </a:fontRef>
+              </p:style>
+              <p:txBody>
+                <a:bodyPr lIns="0" tIns="0" rIns="0" bIns="0" rtlCol="0" anchor="ctr"/>
+                <a:lstStyle/>
+                <a:p>
+                  <a:pPr algn="ctr">
+                    <a:spcBef>
+                      <a:spcPts val="600"/>
+                    </a:spcBef>
+                    <a:buClr>
+                      <a:schemeClr val="tx2"/>
+                    </a:buClr>
+                  </a:pPr>
+                  <a:r>
+                    <a:rPr lang="en-US" sz="1200">
+                      <a:solidFill>
+                        <a:schemeClr val="tx1"/>
+                      </a:solidFill>
+                    </a:rPr>
+                    <a:t>Decoder 0</a:t>
+                  </a:r>
+                </a:p>
+              </p:txBody>
+            </p:sp>
+            <p:sp>
+              <p:nvSpPr>
+                <p:cNvPr id="9" name="Hexagon 8">
+                  <a:extLst>
+                    <a:ext uri="{FF2B5EF4-FFF2-40B4-BE49-F238E27FC236}">
+                      <a16:creationId xmlns:a16="http://schemas.microsoft.com/office/drawing/2014/main" id="{85DD4EA4-B803-BB4D-BDF3-7DE97DE12BFC}"/>
+                    </a:ext>
+                  </a:extLst>
+                </p:cNvPr>
+                <p:cNvSpPr/>
+                <p:nvPr/>
+              </p:nvSpPr>
+              <p:spPr>
+                <a:xfrm>
+                  <a:off x="4657930" y="4562481"/>
+                  <a:ext cx="1080000" cy="863600"/>
+                </a:xfrm>
+                <a:prstGeom prst="hexagon">
+                  <a:avLst/>
+                </a:prstGeom>
+                <a:solidFill>
+                  <a:schemeClr val="bg1">
+                    <a:lumMod val="95000"/>
+                  </a:schemeClr>
+                </a:solidFill>
+                <a:ln w="3175">
+                  <a:solidFill>
+                    <a:schemeClr val="tx1">
+                      <a:lumMod val="75000"/>
+                      <a:lumOff val="25000"/>
+                    </a:schemeClr>
+                  </a:solidFill>
+                </a:ln>
+              </p:spPr>
+              <p:style>
+                <a:lnRef idx="2">
+                  <a:schemeClr val="accent1">
+                    <a:shade val="50000"/>
+                  </a:schemeClr>
+                </a:lnRef>
+                <a:fillRef idx="1">
+                  <a:schemeClr val="accent1"/>
+                </a:fillRef>
+                <a:effectRef idx="0">
+                  <a:schemeClr val="accent1"/>
+                </a:effectRef>
+                <a:fontRef idx="minor">
+                  <a:schemeClr val="lt1"/>
+                </a:fontRef>
+              </p:style>
+              <p:txBody>
+                <a:bodyPr lIns="0" tIns="0" rIns="0" bIns="0" rtlCol="0" anchor="ctr"/>
+                <a:lstStyle/>
+                <a:p>
+                  <a:pPr algn="ctr">
+                    <a:spcBef>
+                      <a:spcPts val="600"/>
+                    </a:spcBef>
+                    <a:buClr>
+                      <a:schemeClr val="tx2"/>
+                    </a:buClr>
+                  </a:pPr>
+                  <a:r>
+                    <a:rPr lang="en-US" sz="1200">
+                      <a:solidFill>
+                        <a:schemeClr val="tx1"/>
+                      </a:solidFill>
+                    </a:rPr>
+                    <a:t>Decoder 2</a:t>
+                  </a:r>
+                </a:p>
+              </p:txBody>
+            </p:sp>
+          </p:grpSp>
           <p:sp>
             <p:nvSpPr>
-              <p:cNvPr id="9" name="Hexagon 8">
+              <p:cNvPr id="8" name="Hexagon 7">
                 <a:extLst>
                   <a:ext uri="{FF2B5EF4-FFF2-40B4-BE49-F238E27FC236}">
-                    <a16:creationId xmlns:a16="http://schemas.microsoft.com/office/drawing/2014/main" id="{85DD4EA4-B803-BB4D-BDF3-7DE97DE12BFC}"/>
+                    <a16:creationId xmlns:a16="http://schemas.microsoft.com/office/drawing/2014/main" id="{23A10CC6-A85A-9240-9003-B96512816066}"/>
                   </a:ext>
                 </a:extLst>
               </p:cNvPr>
@@ -5433,7 +9020,7 @@
             </p:nvSpPr>
             <p:spPr>
               <a:xfrm>
-                <a:off x="4657930" y="4562481"/>
+                <a:off x="3014533" y="4563533"/>
                 <a:ext cx="1080000" cy="863600"/>
               </a:xfrm>
               <a:prstGeom prst="hexagon">
@@ -5482,12 +9069,12 @@
                   </a:buClr>
                 </a:pPr>
                 <a:r>
-                  <a:rPr lang="en-US" sz="1400">
+                  <a:rPr lang="en-US" sz="1200" dirty="0">
                     <a:solidFill>
                       <a:schemeClr val="tx1"/>
                     </a:solidFill>
                   </a:rPr>
-                  <a:t>Decoder 2</a:t>
+                  <a:t>Decoder 1</a:t>
                 </a:r>
               </a:p>
             </p:txBody>
@@ -5495,10 +9082,10 @@
         </p:grpSp>
         <p:sp>
           <p:nvSpPr>
-            <p:cNvPr id="8" name="Hexagon 7">
+            <p:cNvPr id="77" name="Right Brace 76">
               <a:extLst>
                 <a:ext uri="{FF2B5EF4-FFF2-40B4-BE49-F238E27FC236}">
-                  <a16:creationId xmlns:a16="http://schemas.microsoft.com/office/drawing/2014/main" id="{23A10CC6-A85A-9240-9003-B96512816066}"/>
+                  <a16:creationId xmlns:a16="http://schemas.microsoft.com/office/drawing/2014/main" id="{0D9A9804-248A-8D4D-8535-A7E412DBA19E}"/>
                 </a:ext>
               </a:extLst>
             </p:cNvPr>
@@ -5506,137 +9093,51 @@
             <p:nvPr/>
           </p:nvSpPr>
           <p:spPr>
-            <a:xfrm>
-              <a:off x="3014533" y="4563533"/>
-              <a:ext cx="1080000" cy="863600"/>
+            <a:xfrm rot="5400000">
+              <a:off x="3460130" y="1285920"/>
+              <a:ext cx="188806" cy="1870321"/>
             </a:xfrm>
-            <a:prstGeom prst="hexagon">
+            <a:prstGeom prst="rightBrace">
               <a:avLst/>
             </a:prstGeom>
-            <a:solidFill>
-              <a:schemeClr val="bg1">
-                <a:lumMod val="95000"/>
-              </a:schemeClr>
-            </a:solidFill>
-            <a:ln w="3175">
+            <a:ln>
               <a:solidFill>
                 <a:schemeClr val="tx1">
-                  <a:lumMod val="75000"/>
-                  <a:lumOff val="25000"/>
+                  <a:lumMod val="65000"/>
+                  <a:lumOff val="35000"/>
                 </a:schemeClr>
               </a:solidFill>
             </a:ln>
           </p:spPr>
           <p:style>
-            <a:lnRef idx="2">
-              <a:schemeClr val="accent1">
-                <a:shade val="50000"/>
-              </a:schemeClr>
+            <a:lnRef idx="1">
+              <a:schemeClr val="accent1"/>
             </a:lnRef>
-            <a:fillRef idx="1">
+            <a:fillRef idx="0">
               <a:schemeClr val="accent1"/>
             </a:fillRef>
             <a:effectRef idx="0">
               <a:schemeClr val="accent1"/>
             </a:effectRef>
             <a:fontRef idx="minor">
-              <a:schemeClr val="lt1"/>
+              <a:schemeClr val="tx1"/>
             </a:fontRef>
           </p:style>
           <p:txBody>
-            <a:bodyPr lIns="0" tIns="0" rIns="0" bIns="0" rtlCol="0" anchor="ctr"/>
+            <a:bodyPr rtlCol="0" anchor="ctr"/>
             <a:lstStyle/>
             <a:p>
-              <a:pPr algn="ctr">
-                <a:spcBef>
-                  <a:spcPts val="600"/>
-                </a:spcBef>
-                <a:buClr>
-                  <a:schemeClr val="tx2"/>
-                </a:buClr>
-              </a:pPr>
-              <a:r>
-                <a:rPr lang="en-US" sz="1400" dirty="0">
-                  <a:solidFill>
-                    <a:schemeClr val="tx1"/>
-                  </a:solidFill>
-                </a:rPr>
-                <a:t>Decoder 1</a:t>
-              </a:r>
+              <a:pPr algn="ctr"/>
+              <a:endParaRPr lang="de-DE" sz="1600"/>
             </a:p>
           </p:txBody>
         </p:sp>
-      </p:grpSp>
-      <p:sp>
-        <p:nvSpPr>
-          <p:cNvPr id="77" name="Right Brace 76">
-            <a:extLst>
-              <a:ext uri="{FF2B5EF4-FFF2-40B4-BE49-F238E27FC236}">
-                <a16:creationId xmlns:a16="http://schemas.microsoft.com/office/drawing/2014/main" id="{0D9A9804-248A-8D4D-8535-A7E412DBA19E}"/>
-              </a:ext>
-            </a:extLst>
-          </p:cNvPr>
-          <p:cNvSpPr/>
-          <p:nvPr/>
-        </p:nvSpPr>
-        <p:spPr>
-          <a:xfrm rot="5400000">
-            <a:off x="3460130" y="625520"/>
-            <a:ext cx="188806" cy="1870321"/>
-          </a:xfrm>
-          <a:prstGeom prst="rightBrace">
-            <a:avLst/>
-          </a:prstGeom>
-        </p:spPr>
-        <p:style>
-          <a:lnRef idx="1">
-            <a:schemeClr val="accent1"/>
-          </a:lnRef>
-          <a:fillRef idx="0">
-            <a:schemeClr val="accent1"/>
-          </a:fillRef>
-          <a:effectRef idx="0">
-            <a:schemeClr val="accent1"/>
-          </a:effectRef>
-          <a:fontRef idx="minor">
-            <a:schemeClr val="tx1"/>
-          </a:fontRef>
-        </p:style>
-        <p:txBody>
-          <a:bodyPr rtlCol="0" anchor="ctr"/>
-          <a:lstStyle/>
-          <a:p>
-            <a:pPr algn="ctr"/>
-            <a:endParaRPr lang="de-DE"/>
-          </a:p>
-        </p:txBody>
-      </p:sp>
-      <p:grpSp>
-        <p:nvGrpSpPr>
-          <p:cNvPr id="89" name="Group 88">
-            <a:extLst>
-              <a:ext uri="{FF2B5EF4-FFF2-40B4-BE49-F238E27FC236}">
-                <a16:creationId xmlns:a16="http://schemas.microsoft.com/office/drawing/2014/main" id="{C2AA9A57-423A-0841-BF72-D607AE887CCF}"/>
-              </a:ext>
-            </a:extLst>
-          </p:cNvPr>
-          <p:cNvGrpSpPr/>
-          <p:nvPr/>
-        </p:nvGrpSpPr>
-        <p:grpSpPr>
-          <a:xfrm>
-            <a:off x="2198102" y="4150020"/>
-            <a:ext cx="2712862" cy="269898"/>
-            <a:chOff x="2198102" y="4050765"/>
-            <a:chExt cx="2712862" cy="269898"/>
-          </a:xfrm>
-        </p:grpSpPr>
         <p:grpSp>
           <p:nvGrpSpPr>
-            <p:cNvPr id="85" name="Group 84">
+            <p:cNvPr id="89" name="Group 88">
               <a:extLst>
                 <a:ext uri="{FF2B5EF4-FFF2-40B4-BE49-F238E27FC236}">
-                  <a16:creationId xmlns:a16="http://schemas.microsoft.com/office/drawing/2014/main" id="{4541AA39-0B8F-8C46-A851-026976069622}"/>
+                  <a16:creationId xmlns:a16="http://schemas.microsoft.com/office/drawing/2014/main" id="{C2AA9A57-423A-0841-BF72-D607AE887CCF}"/>
                 </a:ext>
               </a:extLst>
             </p:cNvPr>
@@ -5645,57 +9146,119 @@
           </p:nvGrpSpPr>
           <p:grpSpPr>
             <a:xfrm>
-              <a:off x="2198102" y="4050765"/>
+              <a:off x="2198102" y="4810420"/>
               <a:ext cx="2712862" cy="269898"/>
-              <a:chOff x="2129202" y="4050765"/>
+              <a:chOff x="2198102" y="4050765"/>
               <a:chExt cx="2712862" cy="269898"/>
             </a:xfrm>
           </p:grpSpPr>
-          <p:cxnSp>
-            <p:nvCxnSpPr>
-              <p:cNvPr id="79" name="Straight Arrow Connector 78">
+          <p:grpSp>
+            <p:nvGrpSpPr>
+              <p:cNvPr id="85" name="Group 84">
                 <a:extLst>
                   <a:ext uri="{FF2B5EF4-FFF2-40B4-BE49-F238E27FC236}">
-                    <a16:creationId xmlns:a16="http://schemas.microsoft.com/office/drawing/2014/main" id="{DF28843C-DB04-4C47-97AC-863FFC2A4D1F}"/>
+                    <a16:creationId xmlns:a16="http://schemas.microsoft.com/office/drawing/2014/main" id="{4541AA39-0B8F-8C46-A851-026976069622}"/>
                   </a:ext>
                 </a:extLst>
               </p:cNvPr>
-              <p:cNvCxnSpPr/>
+              <p:cNvGrpSpPr/>
               <p:nvPr/>
-            </p:nvCxnSpPr>
-            <p:spPr>
-              <a:xfrm flipH="1">
-                <a:off x="2129202" y="4056894"/>
-                <a:ext cx="1223328" cy="263769"/>
+            </p:nvGrpSpPr>
+            <p:grpSpPr>
+              <a:xfrm>
+                <a:off x="2198102" y="4050765"/>
+                <a:ext cx="2712862" cy="269898"/>
+                <a:chOff x="2129202" y="4050765"/>
+                <a:chExt cx="2712862" cy="269898"/>
               </a:xfrm>
-              <a:prstGeom prst="straightConnector1">
-                <a:avLst/>
-              </a:prstGeom>
-              <a:ln>
-                <a:tailEnd type="triangle"/>
-              </a:ln>
-            </p:spPr>
-            <p:style>
-              <a:lnRef idx="1">
-                <a:schemeClr val="accent1"/>
-              </a:lnRef>
-              <a:fillRef idx="0">
-                <a:schemeClr val="accent1"/>
-              </a:fillRef>
-              <a:effectRef idx="0">
-                <a:schemeClr val="accent1"/>
-              </a:effectRef>
-              <a:fontRef idx="minor">
-                <a:schemeClr val="tx1"/>
-              </a:fontRef>
-            </p:style>
-          </p:cxnSp>
+            </p:grpSpPr>
+            <p:cxnSp>
+              <p:nvCxnSpPr>
+                <p:cNvPr id="79" name="Straight Arrow Connector 78">
+                  <a:extLst>
+                    <a:ext uri="{FF2B5EF4-FFF2-40B4-BE49-F238E27FC236}">
+                      <a16:creationId xmlns:a16="http://schemas.microsoft.com/office/drawing/2014/main" id="{DF28843C-DB04-4C47-97AC-863FFC2A4D1F}"/>
+                    </a:ext>
+                  </a:extLst>
+                </p:cNvPr>
+                <p:cNvCxnSpPr/>
+                <p:nvPr/>
+              </p:nvCxnSpPr>
+              <p:spPr>
+                <a:xfrm flipH="1">
+                  <a:off x="2129202" y="4056894"/>
+                  <a:ext cx="1223328" cy="263769"/>
+                </a:xfrm>
+                <a:prstGeom prst="straightConnector1">
+                  <a:avLst/>
+                </a:prstGeom>
+                <a:ln>
+                  <a:tailEnd type="triangle"/>
+                </a:ln>
+              </p:spPr>
+              <p:style>
+                <a:lnRef idx="1">
+                  <a:schemeClr val="accent1"/>
+                </a:lnRef>
+                <a:fillRef idx="0">
+                  <a:schemeClr val="accent1"/>
+                </a:fillRef>
+                <a:effectRef idx="0">
+                  <a:schemeClr val="accent1"/>
+                </a:effectRef>
+                <a:fontRef idx="minor">
+                  <a:schemeClr val="tx1"/>
+                </a:fontRef>
+              </p:style>
+            </p:cxnSp>
+            <p:cxnSp>
+              <p:nvCxnSpPr>
+                <p:cNvPr id="80" name="Straight Arrow Connector 79">
+                  <a:extLst>
+                    <a:ext uri="{FF2B5EF4-FFF2-40B4-BE49-F238E27FC236}">
+                      <a16:creationId xmlns:a16="http://schemas.microsoft.com/office/drawing/2014/main" id="{9E66809B-CF19-824A-A955-0E2D1BB25FD6}"/>
+                    </a:ext>
+                  </a:extLst>
+                </p:cNvPr>
+                <p:cNvCxnSpPr>
+                  <a:cxnSpLocks/>
+                </p:cNvCxnSpPr>
+                <p:nvPr/>
+              </p:nvCxnSpPr>
+              <p:spPr>
+                <a:xfrm>
+                  <a:off x="3618736" y="4050765"/>
+                  <a:ext cx="1223328" cy="263769"/>
+                </a:xfrm>
+                <a:prstGeom prst="straightConnector1">
+                  <a:avLst/>
+                </a:prstGeom>
+                <a:ln>
+                  <a:tailEnd type="triangle"/>
+                </a:ln>
+              </p:spPr>
+              <p:style>
+                <a:lnRef idx="1">
+                  <a:schemeClr val="accent1"/>
+                </a:lnRef>
+                <a:fillRef idx="0">
+                  <a:schemeClr val="accent1"/>
+                </a:fillRef>
+                <a:effectRef idx="0">
+                  <a:schemeClr val="accent1"/>
+                </a:effectRef>
+                <a:fontRef idx="minor">
+                  <a:schemeClr val="tx1"/>
+                </a:fontRef>
+              </p:style>
+            </p:cxnSp>
+          </p:grpSp>
           <p:cxnSp>
             <p:nvCxnSpPr>
-              <p:cNvPr id="80" name="Straight Arrow Connector 79">
+              <p:cNvPr id="82" name="Straight Arrow Connector 81">
                 <a:extLst>
                   <a:ext uri="{FF2B5EF4-FFF2-40B4-BE49-F238E27FC236}">
-                    <a16:creationId xmlns:a16="http://schemas.microsoft.com/office/drawing/2014/main" id="{9E66809B-CF19-824A-A955-0E2D1BB25FD6}"/>
+                    <a16:creationId xmlns:a16="http://schemas.microsoft.com/office/drawing/2014/main" id="{B50BC9A7-F055-314C-A6A2-1CAA3C707425}"/>
                   </a:ext>
                 </a:extLst>
               </p:cNvPr>
@@ -5706,8 +9269,8 @@
             </p:nvCxnSpPr>
             <p:spPr>
               <a:xfrm>
-                <a:off x="3618736" y="4050765"/>
-                <a:ext cx="1223328" cy="263769"/>
+                <a:off x="3554533" y="4056894"/>
+                <a:ext cx="0" cy="244416"/>
               </a:xfrm>
               <a:prstGeom prst="straightConnector1">
                 <a:avLst/>
@@ -5734,10 +9297,10 @@
         </p:grpSp>
         <p:cxnSp>
           <p:nvCxnSpPr>
-            <p:cNvPr id="82" name="Straight Arrow Connector 81">
+            <p:cNvPr id="83" name="Straight Arrow Connector 82">
               <a:extLst>
                 <a:ext uri="{FF2B5EF4-FFF2-40B4-BE49-F238E27FC236}">
-                  <a16:creationId xmlns:a16="http://schemas.microsoft.com/office/drawing/2014/main" id="{B50BC9A7-F055-314C-A6A2-1CAA3C707425}"/>
+                  <a16:creationId xmlns:a16="http://schemas.microsoft.com/office/drawing/2014/main" id="{552A31D0-1FEE-8D41-B5CF-B340885D7E84}"/>
                 </a:ext>
               </a:extLst>
             </p:cNvPr>
@@ -5748,7 +9311,7 @@
           </p:nvCxnSpPr>
           <p:spPr>
             <a:xfrm>
-              <a:off x="3554533" y="4056894"/>
+              <a:off x="3554533" y="3808004"/>
               <a:ext cx="0" cy="244416"/>
             </a:xfrm>
             <a:prstGeom prst="straightConnector1">
@@ -5773,13 +9336,497 @@
             </a:fontRef>
           </p:style>
         </p:cxnSp>
+        <p:cxnSp>
+          <p:nvCxnSpPr>
+            <p:cNvPr id="95" name="Straight Arrow Connector 94">
+              <a:extLst>
+                <a:ext uri="{FF2B5EF4-FFF2-40B4-BE49-F238E27FC236}">
+                  <a16:creationId xmlns:a16="http://schemas.microsoft.com/office/drawing/2014/main" id="{B5578FC8-E54F-5844-8F1C-7510467B41F3}"/>
+                </a:ext>
+              </a:extLst>
+            </p:cNvPr>
+            <p:cNvCxnSpPr>
+              <a:cxnSpLocks/>
+            </p:cNvCxnSpPr>
+            <p:nvPr/>
+          </p:nvCxnSpPr>
+          <p:spPr>
+            <a:xfrm>
+              <a:off x="1371136" y="4840821"/>
+              <a:ext cx="417278" cy="233368"/>
+            </a:xfrm>
+            <a:prstGeom prst="straightConnector1">
+              <a:avLst/>
+            </a:prstGeom>
+            <a:ln>
+              <a:tailEnd type="triangle"/>
+            </a:ln>
+          </p:spPr>
+          <p:style>
+            <a:lnRef idx="1">
+              <a:schemeClr val="accent1"/>
+            </a:lnRef>
+            <a:fillRef idx="0">
+              <a:schemeClr val="accent1"/>
+            </a:fillRef>
+            <a:effectRef idx="0">
+              <a:schemeClr val="accent1"/>
+            </a:effectRef>
+            <a:fontRef idx="minor">
+              <a:schemeClr val="tx1"/>
+            </a:fontRef>
+          </p:style>
+        </p:cxnSp>
+        <p:cxnSp>
+          <p:nvCxnSpPr>
+            <p:cNvPr id="97" name="Straight Arrow Connector 96">
+              <a:extLst>
+                <a:ext uri="{FF2B5EF4-FFF2-40B4-BE49-F238E27FC236}">
+                  <a16:creationId xmlns:a16="http://schemas.microsoft.com/office/drawing/2014/main" id="{5308550F-EF95-1B4E-A7E6-566C7E52BCF6}"/>
+                </a:ext>
+              </a:extLst>
+            </p:cNvPr>
+            <p:cNvCxnSpPr>
+              <a:cxnSpLocks/>
+            </p:cNvCxnSpPr>
+            <p:nvPr/>
+          </p:nvCxnSpPr>
+          <p:spPr>
+            <a:xfrm>
+              <a:off x="1575081" y="4840821"/>
+              <a:ext cx="1576140" cy="324656"/>
+            </a:xfrm>
+            <a:prstGeom prst="straightConnector1">
+              <a:avLst/>
+            </a:prstGeom>
+            <a:ln>
+              <a:tailEnd type="triangle"/>
+            </a:ln>
+          </p:spPr>
+          <p:style>
+            <a:lnRef idx="1">
+              <a:schemeClr val="accent1"/>
+            </a:lnRef>
+            <a:fillRef idx="0">
+              <a:schemeClr val="accent1"/>
+            </a:fillRef>
+            <a:effectRef idx="0">
+              <a:schemeClr val="accent1"/>
+            </a:effectRef>
+            <a:fontRef idx="minor">
+              <a:schemeClr val="tx1"/>
+            </a:fontRef>
+          </p:style>
+        </p:cxnSp>
+        <p:cxnSp>
+          <p:nvCxnSpPr>
+            <p:cNvPr id="100" name="Straight Arrow Connector 99">
+              <a:extLst>
+                <a:ext uri="{FF2B5EF4-FFF2-40B4-BE49-F238E27FC236}">
+                  <a16:creationId xmlns:a16="http://schemas.microsoft.com/office/drawing/2014/main" id="{B1532874-35DD-304E-B924-EA1D6BAA40CC}"/>
+                </a:ext>
+              </a:extLst>
+            </p:cNvPr>
+            <p:cNvCxnSpPr>
+              <a:cxnSpLocks/>
+            </p:cNvCxnSpPr>
+            <p:nvPr/>
+          </p:nvCxnSpPr>
+          <p:spPr>
+            <a:xfrm>
+              <a:off x="1788414" y="4840821"/>
+              <a:ext cx="2956858" cy="396336"/>
+            </a:xfrm>
+            <a:prstGeom prst="straightConnector1">
+              <a:avLst/>
+            </a:prstGeom>
+            <a:ln>
+              <a:tailEnd type="triangle"/>
+            </a:ln>
+          </p:spPr>
+          <p:style>
+            <a:lnRef idx="1">
+              <a:schemeClr val="accent1"/>
+            </a:lnRef>
+            <a:fillRef idx="0">
+              <a:schemeClr val="accent1"/>
+            </a:fillRef>
+            <a:effectRef idx="0">
+              <a:schemeClr val="accent1"/>
+            </a:effectRef>
+            <a:fontRef idx="minor">
+              <a:schemeClr val="tx1"/>
+            </a:fontRef>
+          </p:style>
+        </p:cxnSp>
+        <p:sp>
+          <p:nvSpPr>
+            <p:cNvPr id="108" name="Rectangle 107">
+              <a:extLst>
+                <a:ext uri="{FF2B5EF4-FFF2-40B4-BE49-F238E27FC236}">
+                  <a16:creationId xmlns:a16="http://schemas.microsoft.com/office/drawing/2014/main" id="{28AA5D10-856F-9345-8EC2-E55E1B457BA9}"/>
+                </a:ext>
+              </a:extLst>
+            </p:cNvPr>
+            <p:cNvSpPr/>
+            <p:nvPr/>
+          </p:nvSpPr>
+          <p:spPr>
+            <a:xfrm>
+              <a:off x="990553" y="4587205"/>
+              <a:ext cx="1033020" cy="324656"/>
+            </a:xfrm>
+            <a:prstGeom prst="rect">
+              <a:avLst/>
+            </a:prstGeom>
+            <a:noFill/>
+            <a:ln w="3175">
+              <a:noFill/>
+            </a:ln>
+          </p:spPr>
+          <p:style>
+            <a:lnRef idx="2">
+              <a:schemeClr val="accent1">
+                <a:shade val="50000"/>
+              </a:schemeClr>
+            </a:lnRef>
+            <a:fillRef idx="1">
+              <a:schemeClr val="accent1"/>
+            </a:fillRef>
+            <a:effectRef idx="0">
+              <a:schemeClr val="accent1"/>
+            </a:effectRef>
+            <a:fontRef idx="minor">
+              <a:schemeClr val="lt1"/>
+            </a:fontRef>
+          </p:style>
+          <p:txBody>
+            <a:bodyPr rtlCol="0" anchor="ctr"/>
+            <a:lstStyle/>
+            <a:p>
+              <a:pPr algn="ctr">
+                <a:spcBef>
+                  <a:spcPts val="600"/>
+                </a:spcBef>
+                <a:buClr>
+                  <a:schemeClr val="tx2"/>
+                </a:buClr>
+              </a:pPr>
+              <a:r>
+                <a:rPr lang="en-US" sz="1200" dirty="0">
+                  <a:solidFill>
+                    <a:schemeClr val="tx1"/>
+                  </a:solidFill>
+                </a:rPr>
+                <a:t>Questions</a:t>
+              </a:r>
+            </a:p>
+          </p:txBody>
+        </p:sp>
+        <p:grpSp>
+          <p:nvGrpSpPr>
+            <p:cNvPr id="111" name="Group 110">
+              <a:extLst>
+                <a:ext uri="{FF2B5EF4-FFF2-40B4-BE49-F238E27FC236}">
+                  <a16:creationId xmlns:a16="http://schemas.microsoft.com/office/drawing/2014/main" id="{5A8084D4-4DFF-D040-B905-823B67F89BBB}"/>
+                </a:ext>
+              </a:extLst>
+            </p:cNvPr>
+            <p:cNvGrpSpPr/>
+            <p:nvPr/>
+          </p:nvGrpSpPr>
+          <p:grpSpPr>
+            <a:xfrm flipV="1">
+              <a:off x="2198102" y="6177749"/>
+              <a:ext cx="2712862" cy="269898"/>
+              <a:chOff x="2198102" y="4050765"/>
+              <a:chExt cx="2712862" cy="269898"/>
+            </a:xfrm>
+          </p:grpSpPr>
+          <p:grpSp>
+            <p:nvGrpSpPr>
+              <p:cNvPr id="112" name="Group 111">
+                <a:extLst>
+                  <a:ext uri="{FF2B5EF4-FFF2-40B4-BE49-F238E27FC236}">
+                    <a16:creationId xmlns:a16="http://schemas.microsoft.com/office/drawing/2014/main" id="{EB72B492-8997-DD45-B3F0-00A24D018AFF}"/>
+                  </a:ext>
+                </a:extLst>
+              </p:cNvPr>
+              <p:cNvGrpSpPr/>
+              <p:nvPr/>
+            </p:nvGrpSpPr>
+            <p:grpSpPr>
+              <a:xfrm>
+                <a:off x="2198102" y="4050765"/>
+                <a:ext cx="2712862" cy="269898"/>
+                <a:chOff x="2129202" y="4050765"/>
+                <a:chExt cx="2712862" cy="269898"/>
+              </a:xfrm>
+            </p:grpSpPr>
+            <p:cxnSp>
+              <p:nvCxnSpPr>
+                <p:cNvPr id="114" name="Straight Arrow Connector 113">
+                  <a:extLst>
+                    <a:ext uri="{FF2B5EF4-FFF2-40B4-BE49-F238E27FC236}">
+                      <a16:creationId xmlns:a16="http://schemas.microsoft.com/office/drawing/2014/main" id="{703ACC58-04DA-F749-ACF5-CC64CAB2667D}"/>
+                    </a:ext>
+                  </a:extLst>
+                </p:cNvPr>
+                <p:cNvCxnSpPr/>
+                <p:nvPr/>
+              </p:nvCxnSpPr>
+              <p:spPr>
+                <a:xfrm flipH="1">
+                  <a:off x="2129202" y="4056894"/>
+                  <a:ext cx="1223328" cy="263769"/>
+                </a:xfrm>
+                <a:prstGeom prst="straightConnector1">
+                  <a:avLst/>
+                </a:prstGeom>
+                <a:ln>
+                  <a:headEnd type="triangle" w="med" len="med"/>
+                  <a:tailEnd type="none" w="med" len="med"/>
+                </a:ln>
+              </p:spPr>
+              <p:style>
+                <a:lnRef idx="1">
+                  <a:schemeClr val="accent1"/>
+                </a:lnRef>
+                <a:fillRef idx="0">
+                  <a:schemeClr val="accent1"/>
+                </a:fillRef>
+                <a:effectRef idx="0">
+                  <a:schemeClr val="accent1"/>
+                </a:effectRef>
+                <a:fontRef idx="minor">
+                  <a:schemeClr val="tx1"/>
+                </a:fontRef>
+              </p:style>
+            </p:cxnSp>
+            <p:cxnSp>
+              <p:nvCxnSpPr>
+                <p:cNvPr id="115" name="Straight Arrow Connector 114">
+                  <a:extLst>
+                    <a:ext uri="{FF2B5EF4-FFF2-40B4-BE49-F238E27FC236}">
+                      <a16:creationId xmlns:a16="http://schemas.microsoft.com/office/drawing/2014/main" id="{74BCD668-640B-0E4E-B0D8-39B1B9B2780C}"/>
+                    </a:ext>
+                  </a:extLst>
+                </p:cNvPr>
+                <p:cNvCxnSpPr>
+                  <a:cxnSpLocks/>
+                </p:cNvCxnSpPr>
+                <p:nvPr/>
+              </p:nvCxnSpPr>
+              <p:spPr>
+                <a:xfrm>
+                  <a:off x="3618736" y="4050765"/>
+                  <a:ext cx="1223328" cy="263769"/>
+                </a:xfrm>
+                <a:prstGeom prst="straightConnector1">
+                  <a:avLst/>
+                </a:prstGeom>
+                <a:ln>
+                  <a:headEnd type="triangle" w="med" len="med"/>
+                  <a:tailEnd type="none" w="med" len="med"/>
+                </a:ln>
+              </p:spPr>
+              <p:style>
+                <a:lnRef idx="1">
+                  <a:schemeClr val="accent1"/>
+                </a:lnRef>
+                <a:fillRef idx="0">
+                  <a:schemeClr val="accent1"/>
+                </a:fillRef>
+                <a:effectRef idx="0">
+                  <a:schemeClr val="accent1"/>
+                </a:effectRef>
+                <a:fontRef idx="minor">
+                  <a:schemeClr val="tx1"/>
+                </a:fontRef>
+              </p:style>
+            </p:cxnSp>
+          </p:grpSp>
+          <p:cxnSp>
+            <p:nvCxnSpPr>
+              <p:cNvPr id="113" name="Straight Arrow Connector 112">
+                <a:extLst>
+                  <a:ext uri="{FF2B5EF4-FFF2-40B4-BE49-F238E27FC236}">
+                    <a16:creationId xmlns:a16="http://schemas.microsoft.com/office/drawing/2014/main" id="{C3E105B8-D97F-BE4A-A790-51EFD88F33CB}"/>
+                  </a:ext>
+                </a:extLst>
+              </p:cNvPr>
+              <p:cNvCxnSpPr>
+                <a:cxnSpLocks/>
+              </p:cNvCxnSpPr>
+              <p:nvPr/>
+            </p:nvCxnSpPr>
+            <p:spPr>
+              <a:xfrm>
+                <a:off x="3554533" y="4056894"/>
+                <a:ext cx="0" cy="244416"/>
+              </a:xfrm>
+              <a:prstGeom prst="straightConnector1">
+                <a:avLst/>
+              </a:prstGeom>
+              <a:ln>
+                <a:headEnd type="triangle" w="med" len="med"/>
+                <a:tailEnd type="none" w="med" len="med"/>
+              </a:ln>
+            </p:spPr>
+            <p:style>
+              <a:lnRef idx="1">
+                <a:schemeClr val="accent1"/>
+              </a:lnRef>
+              <a:fillRef idx="0">
+                <a:schemeClr val="accent1"/>
+              </a:fillRef>
+              <a:effectRef idx="0">
+                <a:schemeClr val="accent1"/>
+              </a:effectRef>
+              <a:fontRef idx="minor">
+                <a:schemeClr val="tx1"/>
+              </a:fontRef>
+            </p:style>
+          </p:cxnSp>
+        </p:grpSp>
+        <p:sp>
+          <p:nvSpPr>
+            <p:cNvPr id="116" name="Rectangle 115">
+              <a:extLst>
+                <a:ext uri="{FF2B5EF4-FFF2-40B4-BE49-F238E27FC236}">
+                  <a16:creationId xmlns:a16="http://schemas.microsoft.com/office/drawing/2014/main" id="{65B8CCD9-4240-FD40-8B24-F54DAB4131FA}"/>
+                </a:ext>
+              </a:extLst>
+            </p:cNvPr>
+            <p:cNvSpPr/>
+            <p:nvPr/>
+          </p:nvSpPr>
+          <p:spPr>
+            <a:xfrm>
+              <a:off x="3034479" y="6388759"/>
+              <a:ext cx="1033020" cy="324656"/>
+            </a:xfrm>
+            <a:prstGeom prst="rect">
+              <a:avLst/>
+            </a:prstGeom>
+            <a:noFill/>
+            <a:ln w="3175">
+              <a:noFill/>
+            </a:ln>
+          </p:spPr>
+          <p:style>
+            <a:lnRef idx="2">
+              <a:schemeClr val="accent1">
+                <a:shade val="50000"/>
+              </a:schemeClr>
+            </a:lnRef>
+            <a:fillRef idx="1">
+              <a:schemeClr val="accent1"/>
+            </a:fillRef>
+            <a:effectRef idx="0">
+              <a:schemeClr val="accent1"/>
+            </a:effectRef>
+            <a:fontRef idx="minor">
+              <a:schemeClr val="lt1"/>
+            </a:fontRef>
+          </p:style>
+          <p:txBody>
+            <a:bodyPr rtlCol="0" anchor="ctr"/>
+            <a:lstStyle/>
+            <a:p>
+              <a:pPr algn="ctr">
+                <a:spcBef>
+                  <a:spcPts val="600"/>
+                </a:spcBef>
+                <a:buClr>
+                  <a:schemeClr val="tx2"/>
+                </a:buClr>
+              </a:pPr>
+              <a:r>
+                <a:rPr lang="en-US" sz="1200" dirty="0">
+                  <a:solidFill>
+                    <a:schemeClr val="tx1"/>
+                  </a:solidFill>
+                </a:rPr>
+                <a:t>Answers</a:t>
+              </a:r>
+            </a:p>
+          </p:txBody>
+        </p:sp>
       </p:grpSp>
+      <p:sp>
+        <p:nvSpPr>
+          <p:cNvPr id="118" name="Title 117">
+            <a:extLst>
+              <a:ext uri="{FF2B5EF4-FFF2-40B4-BE49-F238E27FC236}">
+                <a16:creationId xmlns:a16="http://schemas.microsoft.com/office/drawing/2014/main" id="{0F0B6787-4FCC-4A48-9D13-B63A0C7BE423}"/>
+              </a:ext>
+            </a:extLst>
+          </p:cNvPr>
+          <p:cNvSpPr>
+            <a:spLocks noGrp="1"/>
+          </p:cNvSpPr>
+          <p:nvPr>
+            <p:ph type="title"/>
+          </p:nvPr>
+        </p:nvSpPr>
+        <p:spPr/>
+        <p:txBody>
+          <a:bodyPr/>
+          <a:lstStyle/>
+          <a:p>
+            <a:r>
+              <a:rPr lang="en-US" dirty="0"/>
+              <a:t>Filter implementation</a:t>
+            </a:r>
+          </a:p>
+        </p:txBody>
+      </p:sp>
+      <p:sp>
+        <p:nvSpPr>
+          <p:cNvPr id="120" name="Textfeld 28">
+            <a:extLst>
+              <a:ext uri="{FF2B5EF4-FFF2-40B4-BE49-F238E27FC236}">
+                <a16:creationId xmlns:a16="http://schemas.microsoft.com/office/drawing/2014/main" id="{349CD2ED-4549-FA40-AB91-C81B7EDD0213}"/>
+              </a:ext>
+            </a:extLst>
+          </p:cNvPr>
+          <p:cNvSpPr txBox="1"/>
+          <p:nvPr/>
+        </p:nvSpPr>
+        <p:spPr bwMode="gray">
+          <a:xfrm>
+            <a:off x="5692982" y="1611658"/>
+            <a:ext cx="3764843" cy="251795"/>
+          </a:xfrm>
+          <a:prstGeom prst="rect">
+            <a:avLst/>
+          </a:prstGeom>
+          <a:noFill/>
+        </p:spPr>
+        <p:txBody>
+          <a:bodyPr wrap="square" lIns="0" tIns="0" rIns="0" bIns="36000" rtlCol="0" anchor="b">
+            <a:spAutoFit/>
+          </a:bodyPr>
+          <a:lstStyle/>
+          <a:p>
+            <a:r>
+              <a:rPr lang="en-US" sz="1400" b="1" dirty="0" err="1"/>
+              <a:t>Pytorch</a:t>
+            </a:r>
+            <a:r>
+              <a:rPr lang="en-US" sz="1400" b="1" dirty="0"/>
+              <a:t> module filter</a:t>
+            </a:r>
+          </a:p>
+        </p:txBody>
+      </p:sp>
       <p:cxnSp>
         <p:nvCxnSpPr>
-          <p:cNvPr id="83" name="Straight Arrow Connector 82">
+          <p:cNvPr id="121" name="Gerader Verbinder 29">
             <a:extLst>
               <a:ext uri="{FF2B5EF4-FFF2-40B4-BE49-F238E27FC236}">
-                <a16:creationId xmlns:a16="http://schemas.microsoft.com/office/drawing/2014/main" id="{552A31D0-1FEE-8D41-B5CF-B340885D7E84}"/>
+                <a16:creationId xmlns:a16="http://schemas.microsoft.com/office/drawing/2014/main" id="{E7037C0E-3481-AC44-ADFF-4D6D69B04145}"/>
               </a:ext>
             </a:extLst>
           </p:cNvPr>
@@ -5788,16 +9835,21 @@
           </p:cNvCxnSpPr>
           <p:nvPr/>
         </p:nvCxnSpPr>
-        <p:spPr>
+        <p:spPr bwMode="gray">
           <a:xfrm>
-            <a:off x="3554533" y="3147604"/>
-            <a:ext cx="0" cy="244416"/>
+            <a:off x="5692982" y="1863453"/>
+            <a:ext cx="3764844" cy="0"/>
           </a:xfrm>
-          <a:prstGeom prst="straightConnector1">
+          <a:prstGeom prst="line">
             <a:avLst/>
           </a:prstGeom>
-          <a:ln>
-            <a:tailEnd type="triangle"/>
+          <a:ln w="3175">
+            <a:solidFill>
+              <a:schemeClr val="tx1">
+                <a:lumMod val="40000"/>
+                <a:lumOff val="60000"/>
+              </a:schemeClr>
+            </a:solidFill>
           </a:ln>
         </p:spPr>
         <p:style>
@@ -5815,10 +9867,1423 @@
           </a:fontRef>
         </p:style>
       </p:cxnSp>
+      <p:cxnSp>
+        <p:nvCxnSpPr>
+          <p:cNvPr id="122" name="Gerader Verbinder 31">
+            <a:extLst>
+              <a:ext uri="{FF2B5EF4-FFF2-40B4-BE49-F238E27FC236}">
+                <a16:creationId xmlns:a16="http://schemas.microsoft.com/office/drawing/2014/main" id="{28DFA37E-3670-4146-AEFE-3D82ABD849FF}"/>
+              </a:ext>
+            </a:extLst>
+          </p:cNvPr>
+          <p:cNvCxnSpPr/>
+          <p:nvPr/>
+        </p:nvCxnSpPr>
+        <p:spPr bwMode="gray">
+          <a:xfrm flipV="1">
+            <a:off x="5474819" y="1605053"/>
+            <a:ext cx="0" cy="4536693"/>
+          </a:xfrm>
+          <a:prstGeom prst="line">
+            <a:avLst/>
+          </a:prstGeom>
+          <a:ln w="3175">
+            <a:solidFill>
+              <a:schemeClr val="tx1">
+                <a:lumMod val="40000"/>
+                <a:lumOff val="60000"/>
+              </a:schemeClr>
+            </a:solidFill>
+            <a:prstDash val="sysDot"/>
+          </a:ln>
+        </p:spPr>
+        <p:style>
+          <a:lnRef idx="1">
+            <a:schemeClr val="accent1"/>
+          </a:lnRef>
+          <a:fillRef idx="0">
+            <a:schemeClr val="accent1"/>
+          </a:fillRef>
+          <a:effectRef idx="0">
+            <a:schemeClr val="accent1"/>
+          </a:effectRef>
+          <a:fontRef idx="minor">
+            <a:schemeClr val="tx1"/>
+          </a:fontRef>
+        </p:style>
+      </p:cxnSp>
+      <p:grpSp>
+        <p:nvGrpSpPr>
+          <p:cNvPr id="123" name="Gruppieren 32">
+            <a:extLst>
+              <a:ext uri="{FF2B5EF4-FFF2-40B4-BE49-F238E27FC236}">
+                <a16:creationId xmlns:a16="http://schemas.microsoft.com/office/drawing/2014/main" id="{03A4BE3A-30B2-AF43-9895-F582E26F10D6}"/>
+              </a:ext>
+            </a:extLst>
+          </p:cNvPr>
+          <p:cNvGrpSpPr/>
+          <p:nvPr/>
+        </p:nvGrpSpPr>
+        <p:grpSpPr>
+          <a:xfrm>
+            <a:off x="5372425" y="3492399"/>
+            <a:ext cx="204788" cy="755650"/>
+            <a:chOff x="9006774" y="3303778"/>
+            <a:chExt cx="204788" cy="755650"/>
+          </a:xfrm>
+        </p:grpSpPr>
+        <p:sp>
+          <p:nvSpPr>
+            <p:cNvPr id="124" name="Rechteck 33">
+              <a:extLst>
+                <a:ext uri="{FF2B5EF4-FFF2-40B4-BE49-F238E27FC236}">
+                  <a16:creationId xmlns:a16="http://schemas.microsoft.com/office/drawing/2014/main" id="{FE42D9FC-6156-1E47-ABD2-E6C5A51A8F5F}"/>
+                </a:ext>
+              </a:extLst>
+            </p:cNvPr>
+            <p:cNvSpPr/>
+            <p:nvPr/>
+          </p:nvSpPr>
+          <p:spPr bwMode="gray">
+            <a:xfrm>
+              <a:off x="9006774" y="3303778"/>
+              <a:ext cx="204788" cy="755650"/>
+            </a:xfrm>
+            <a:prstGeom prst="rect">
+              <a:avLst/>
+            </a:prstGeom>
+            <a:solidFill>
+              <a:schemeClr val="bg1"/>
+            </a:solidFill>
+            <a:ln w="12700" cap="flat" cmpd="sng" algn="ctr">
+              <a:noFill/>
+              <a:prstDash val="solid"/>
+              <a:miter lim="800000"/>
+            </a:ln>
+            <a:effectLst/>
+            <a:extLst>
+              <a:ext uri="{91240B29-F687-4F45-9708-019B960494DF}">
+                <a14:hiddenLine xmlns:a14="http://schemas.microsoft.com/office/drawing/2010/main" w="12700" cap="flat" cmpd="sng" algn="ctr">
+                  <a:solidFill>
+                    <a:schemeClr val="accent1">
+                      <a:shade val="50000"/>
+                    </a:schemeClr>
+                  </a:solidFill>
+                  <a:prstDash val="solid"/>
+                  <a:miter lim="800000"/>
+                </a14:hiddenLine>
+              </a:ext>
+            </a:extLst>
+          </p:spPr>
+          <p:style>
+            <a:lnRef idx="2">
+              <a:schemeClr val="accent1">
+                <a:shade val="50000"/>
+              </a:schemeClr>
+            </a:lnRef>
+            <a:fillRef idx="1">
+              <a:schemeClr val="accent1"/>
+            </a:fillRef>
+            <a:effectRef idx="0">
+              <a:schemeClr val="accent1"/>
+            </a:effectRef>
+            <a:fontRef idx="minor">
+              <a:schemeClr val="lt1"/>
+            </a:fontRef>
+          </p:style>
+          <p:txBody>
+            <a:bodyPr rtlCol="0" anchor="ctr"/>
+            <a:lstStyle/>
+            <a:p>
+              <a:pPr algn="ctr"/>
+              <a:endParaRPr lang="en-US" dirty="0"/>
+            </a:p>
+          </p:txBody>
+        </p:sp>
+        <p:sp>
+          <p:nvSpPr>
+            <p:cNvPr id="125" name="Freihandform 17">
+              <a:extLst>
+                <a:ext uri="{FF2B5EF4-FFF2-40B4-BE49-F238E27FC236}">
+                  <a16:creationId xmlns:a16="http://schemas.microsoft.com/office/drawing/2014/main" id="{2446B26D-4019-594A-8993-93EEA21764BF}"/>
+                </a:ext>
+              </a:extLst>
+            </p:cNvPr>
+            <p:cNvSpPr/>
+            <p:nvPr/>
+          </p:nvSpPr>
+          <p:spPr>
+            <a:xfrm>
+              <a:off x="9015506" y="3465703"/>
+              <a:ext cx="187325" cy="431800"/>
+            </a:xfrm>
+            <a:custGeom>
+              <a:avLst/>
+              <a:gdLst>
+                <a:gd name="connsiteX0" fmla="*/ 0 w 415925"/>
+                <a:gd name="connsiteY0" fmla="*/ 0 h 819150"/>
+                <a:gd name="connsiteX1" fmla="*/ 415925 w 415925"/>
+                <a:gd name="connsiteY1" fmla="*/ 415925 h 819150"/>
+                <a:gd name="connsiteX2" fmla="*/ 12700 w 415925"/>
+                <a:gd name="connsiteY2" fmla="*/ 819150 h 819150"/>
+              </a:gdLst>
+              <a:ahLst/>
+              <a:cxnLst>
+                <a:cxn ang="0">
+                  <a:pos x="connsiteX0" y="connsiteY0"/>
+                </a:cxn>
+                <a:cxn ang="0">
+                  <a:pos x="connsiteX1" y="connsiteY1"/>
+                </a:cxn>
+                <a:cxn ang="0">
+                  <a:pos x="connsiteX2" y="connsiteY2"/>
+                </a:cxn>
+              </a:cxnLst>
+              <a:rect l="l" t="t" r="r" b="b"/>
+              <a:pathLst>
+                <a:path w="415925" h="819150">
+                  <a:moveTo>
+                    <a:pt x="0" y="0"/>
+                  </a:moveTo>
+                  <a:lnTo>
+                    <a:pt x="415925" y="415925"/>
+                  </a:lnTo>
+                  <a:lnTo>
+                    <a:pt x="12700" y="819150"/>
+                  </a:lnTo>
+                </a:path>
+              </a:pathLst>
+            </a:custGeom>
+            <a:noFill/>
+            <a:ln w="19050">
+              <a:solidFill>
+                <a:schemeClr val="tx2"/>
+              </a:solidFill>
+            </a:ln>
+          </p:spPr>
+          <p:style>
+            <a:lnRef idx="2">
+              <a:schemeClr val="accent1">
+                <a:shade val="50000"/>
+              </a:schemeClr>
+            </a:lnRef>
+            <a:fillRef idx="1">
+              <a:schemeClr val="accent1"/>
+            </a:fillRef>
+            <a:effectRef idx="0">
+              <a:schemeClr val="accent1"/>
+            </a:effectRef>
+            <a:fontRef idx="minor">
+              <a:schemeClr val="lt1"/>
+            </a:fontRef>
+          </p:style>
+          <p:txBody>
+            <a:bodyPr rtlCol="0" anchor="ctr"/>
+            <a:lstStyle/>
+            <a:p>
+              <a:pPr algn="ctr"/>
+              <a:endParaRPr lang="en-US" dirty="0"/>
+            </a:p>
+          </p:txBody>
+        </p:sp>
+      </p:grpSp>
+      <p:pic>
+        <p:nvPicPr>
+          <p:cNvPr id="127" name="Picture 126" descr="Graphical user interface, text, application, email&#10;&#10;Description automatically generated">
+            <a:extLst>
+              <a:ext uri="{FF2B5EF4-FFF2-40B4-BE49-F238E27FC236}">
+                <a16:creationId xmlns:a16="http://schemas.microsoft.com/office/drawing/2014/main" id="{98593C9D-2166-CB42-883F-0CE70C61BA63}"/>
+              </a:ext>
+            </a:extLst>
+          </p:cNvPr>
+          <p:cNvPicPr>
+            <a:picLocks noChangeAspect="1"/>
+          </p:cNvPicPr>
+          <p:nvPr/>
+        </p:nvPicPr>
+        <p:blipFill>
+          <a:blip r:embed="rId8"/>
+          <a:stretch>
+            <a:fillRect/>
+          </a:stretch>
+        </p:blipFill>
+        <p:spPr>
+          <a:xfrm>
+            <a:off x="5573714" y="1973881"/>
+            <a:ext cx="5868845" cy="2845725"/>
+          </a:xfrm>
+          <a:prstGeom prst="rect">
+            <a:avLst/>
+          </a:prstGeom>
+        </p:spPr>
+      </p:pic>
+      <p:sp>
+        <p:nvSpPr>
+          <p:cNvPr id="47" name="Textfeld 28">
+            <a:extLst>
+              <a:ext uri="{FF2B5EF4-FFF2-40B4-BE49-F238E27FC236}">
+                <a16:creationId xmlns:a16="http://schemas.microsoft.com/office/drawing/2014/main" id="{F0C313F1-F49C-3046-B439-5A4E87691579}"/>
+              </a:ext>
+            </a:extLst>
+          </p:cNvPr>
+          <p:cNvSpPr txBox="1"/>
+          <p:nvPr/>
+        </p:nvSpPr>
+        <p:spPr bwMode="gray">
+          <a:xfrm>
+            <a:off x="5692982" y="5095345"/>
+            <a:ext cx="3764843" cy="251795"/>
+          </a:xfrm>
+          <a:prstGeom prst="rect">
+            <a:avLst/>
+          </a:prstGeom>
+          <a:noFill/>
+        </p:spPr>
+        <p:txBody>
+          <a:bodyPr wrap="square" lIns="0" tIns="0" rIns="0" bIns="36000" rtlCol="0" anchor="b">
+            <a:spAutoFit/>
+          </a:bodyPr>
+          <a:lstStyle/>
+          <a:p>
+            <a:r>
+              <a:rPr lang="en-US" sz="1400" b="1" dirty="0"/>
+              <a:t>Filter output</a:t>
+            </a:r>
+          </a:p>
+        </p:txBody>
+      </p:sp>
+      <p:sp>
+        <p:nvSpPr>
+          <p:cNvPr id="10" name="Rectangle 9">
+            <a:extLst>
+              <a:ext uri="{FF2B5EF4-FFF2-40B4-BE49-F238E27FC236}">
+                <a16:creationId xmlns:a16="http://schemas.microsoft.com/office/drawing/2014/main" id="{51188D11-F3FD-FF40-9F0C-59CD23CB6732}"/>
+              </a:ext>
+            </a:extLst>
+          </p:cNvPr>
+          <p:cNvSpPr/>
+          <p:nvPr/>
+        </p:nvSpPr>
+        <p:spPr>
+          <a:xfrm>
+            <a:off x="5741236" y="5441048"/>
+            <a:ext cx="1219693" cy="251795"/>
+          </a:xfrm>
+          <a:prstGeom prst="rect">
+            <a:avLst/>
+          </a:prstGeom>
+          <a:noFill/>
+          <a:ln>
+            <a:solidFill>
+              <a:schemeClr val="accent1"/>
+            </a:solidFill>
+          </a:ln>
+        </p:spPr>
+        <p:style>
+          <a:lnRef idx="2">
+            <a:schemeClr val="accent1">
+              <a:shade val="50000"/>
+            </a:schemeClr>
+          </a:lnRef>
+          <a:fillRef idx="1">
+            <a:schemeClr val="accent1"/>
+          </a:fillRef>
+          <a:effectRef idx="0">
+            <a:schemeClr val="accent1"/>
+          </a:effectRef>
+          <a:fontRef idx="minor">
+            <a:schemeClr val="lt1"/>
+          </a:fontRef>
+        </p:style>
+        <p:txBody>
+          <a:bodyPr rtlCol="0" anchor="ctr"/>
+          <a:lstStyle/>
+          <a:p>
+            <a:pPr algn="ctr"/>
+            <a:endParaRPr lang="de-DE"/>
+          </a:p>
+        </p:txBody>
+      </p:sp>
+      <p:sp>
+        <p:nvSpPr>
+          <p:cNvPr id="49" name="Rectangle 48">
+            <a:extLst>
+              <a:ext uri="{FF2B5EF4-FFF2-40B4-BE49-F238E27FC236}">
+                <a16:creationId xmlns:a16="http://schemas.microsoft.com/office/drawing/2014/main" id="{96DE7276-5FF4-3B43-97CA-1500D3066A97}"/>
+              </a:ext>
+            </a:extLst>
+          </p:cNvPr>
+          <p:cNvSpPr/>
+          <p:nvPr/>
+        </p:nvSpPr>
+        <p:spPr>
+          <a:xfrm>
+            <a:off x="6184654" y="5404584"/>
+            <a:ext cx="337511" cy="737161"/>
+          </a:xfrm>
+          <a:prstGeom prst="rect">
+            <a:avLst/>
+          </a:prstGeom>
+          <a:noFill/>
+          <a:ln>
+            <a:solidFill>
+              <a:schemeClr val="accent2"/>
+            </a:solidFill>
+          </a:ln>
+        </p:spPr>
+        <p:style>
+          <a:lnRef idx="2">
+            <a:schemeClr val="accent1">
+              <a:shade val="50000"/>
+            </a:schemeClr>
+          </a:lnRef>
+          <a:fillRef idx="1">
+            <a:schemeClr val="accent1"/>
+          </a:fillRef>
+          <a:effectRef idx="0">
+            <a:schemeClr val="accent1"/>
+          </a:effectRef>
+          <a:fontRef idx="minor">
+            <a:schemeClr val="lt1"/>
+          </a:fontRef>
+        </p:style>
+        <p:txBody>
+          <a:bodyPr rtlCol="0" anchor="ctr"/>
+          <a:lstStyle/>
+          <a:p>
+            <a:pPr algn="ctr"/>
+            <a:endParaRPr lang="de-DE"/>
+          </a:p>
+        </p:txBody>
+      </p:sp>
+      <p:cxnSp>
+        <p:nvCxnSpPr>
+          <p:cNvPr id="50" name="Gerader Verbinder 29">
+            <a:extLst>
+              <a:ext uri="{FF2B5EF4-FFF2-40B4-BE49-F238E27FC236}">
+                <a16:creationId xmlns:a16="http://schemas.microsoft.com/office/drawing/2014/main" id="{DD3071C2-ED9C-114C-96BC-B8DC84CAEE14}"/>
+              </a:ext>
+            </a:extLst>
+          </p:cNvPr>
+          <p:cNvCxnSpPr>
+            <a:cxnSpLocks/>
+          </p:cNvCxnSpPr>
+          <p:nvPr/>
+        </p:nvCxnSpPr>
+        <p:spPr bwMode="gray">
+          <a:xfrm>
+            <a:off x="5692981" y="5329094"/>
+            <a:ext cx="3764844" cy="0"/>
+          </a:xfrm>
+          <a:prstGeom prst="line">
+            <a:avLst/>
+          </a:prstGeom>
+          <a:ln w="3175">
+            <a:solidFill>
+              <a:schemeClr val="tx1">
+                <a:lumMod val="40000"/>
+                <a:lumOff val="60000"/>
+              </a:schemeClr>
+            </a:solidFill>
+          </a:ln>
+        </p:spPr>
+        <p:style>
+          <a:lnRef idx="1">
+            <a:schemeClr val="accent1"/>
+          </a:lnRef>
+          <a:fillRef idx="0">
+            <a:schemeClr val="accent1"/>
+          </a:fillRef>
+          <a:effectRef idx="0">
+            <a:schemeClr val="accent1"/>
+          </a:effectRef>
+          <a:fontRef idx="minor">
+            <a:schemeClr val="tx1"/>
+          </a:fontRef>
+        </p:style>
+      </p:cxnSp>
+      <p:sp>
+        <p:nvSpPr>
+          <p:cNvPr id="51" name="Textfeld 28">
+            <a:extLst>
+              <a:ext uri="{FF2B5EF4-FFF2-40B4-BE49-F238E27FC236}">
+                <a16:creationId xmlns:a16="http://schemas.microsoft.com/office/drawing/2014/main" id="{026FBA40-4C48-4548-9531-A75B3948EF4A}"/>
+              </a:ext>
+            </a:extLst>
+          </p:cNvPr>
+          <p:cNvSpPr txBox="1"/>
+          <p:nvPr/>
+        </p:nvSpPr>
+        <p:spPr bwMode="gray">
+          <a:xfrm>
+            <a:off x="7220309" y="5475668"/>
+            <a:ext cx="2038336" cy="221018"/>
+          </a:xfrm>
+          <a:prstGeom prst="rect">
+            <a:avLst/>
+          </a:prstGeom>
+          <a:noFill/>
+        </p:spPr>
+        <p:txBody>
+          <a:bodyPr wrap="square" lIns="0" tIns="0" rIns="0" bIns="36000" rtlCol="0" anchor="b">
+            <a:spAutoFit/>
+          </a:bodyPr>
+          <a:lstStyle/>
+          <a:p>
+            <a:r>
+              <a:rPr lang="en-US" sz="1200" dirty="0">
+                <a:solidFill>
+                  <a:schemeClr val="accent1"/>
+                </a:solidFill>
+              </a:rPr>
+              <a:t>Input decoder 0</a:t>
+            </a:r>
+          </a:p>
+        </p:txBody>
+      </p:sp>
+      <p:sp>
+        <p:nvSpPr>
+          <p:cNvPr id="52" name="Textfeld 28">
+            <a:extLst>
+              <a:ext uri="{FF2B5EF4-FFF2-40B4-BE49-F238E27FC236}">
+                <a16:creationId xmlns:a16="http://schemas.microsoft.com/office/drawing/2014/main" id="{FE643BAE-22AE-D749-B02F-5F9269951AD8}"/>
+              </a:ext>
+            </a:extLst>
+          </p:cNvPr>
+          <p:cNvSpPr txBox="1"/>
+          <p:nvPr/>
+        </p:nvSpPr>
+        <p:spPr bwMode="gray">
+          <a:xfrm>
+            <a:off x="7226009" y="5851091"/>
+            <a:ext cx="2430221" cy="221018"/>
+          </a:xfrm>
+          <a:prstGeom prst="rect">
+            <a:avLst/>
+          </a:prstGeom>
+          <a:noFill/>
+        </p:spPr>
+        <p:txBody>
+          <a:bodyPr wrap="square" lIns="0" tIns="0" rIns="0" bIns="36000" rtlCol="0" anchor="b">
+            <a:spAutoFit/>
+          </a:bodyPr>
+          <a:lstStyle/>
+          <a:p>
+            <a:r>
+              <a:rPr lang="en-US" sz="1200" dirty="0">
+                <a:solidFill>
+                  <a:schemeClr val="accent2"/>
+                </a:solidFill>
+              </a:rPr>
+              <a:t>Filtered output latent neuron 1</a:t>
+            </a:r>
+          </a:p>
+        </p:txBody>
+      </p:sp>
+      <p:pic>
+        <p:nvPicPr>
+          <p:cNvPr id="12" name="Graphic 11">
+            <a:extLst>
+              <a:ext uri="{FF2B5EF4-FFF2-40B4-BE49-F238E27FC236}">
+                <a16:creationId xmlns:a16="http://schemas.microsoft.com/office/drawing/2014/main" id="{3A612678-9F46-8C4A-9FEE-6F00BCCD420A}"/>
+              </a:ext>
+            </a:extLst>
+          </p:cNvPr>
+          <p:cNvPicPr>
+            <a:picLocks noChangeAspect="1"/>
+          </p:cNvPicPr>
+          <p:nvPr/>
+        </p:nvPicPr>
+        <p:blipFill>
+          <a:blip r:embed="rId9">
+            <a:extLst>
+              <a:ext uri="{96DAC541-7B7A-43D3-8B79-37D633B846F1}">
+                <asvg:svgBlip xmlns:asvg="http://schemas.microsoft.com/office/drawing/2016/SVG/main" r:embed="rId10"/>
+              </a:ext>
+            </a:extLst>
+          </a:blip>
+          <a:stretch>
+            <a:fillRect/>
+          </a:stretch>
+        </p:blipFill>
+        <p:spPr>
+          <a:xfrm>
+            <a:off x="5713693" y="5460986"/>
+            <a:ext cx="1219693" cy="680759"/>
+          </a:xfrm>
+          <a:prstGeom prst="rect">
+            <a:avLst/>
+          </a:prstGeom>
+        </p:spPr>
+      </p:pic>
     </p:spTree>
     <p:extLst>
       <p:ext uri="{BB962C8B-B14F-4D97-AF65-F5344CB8AC3E}">
-        <p14:creationId xmlns:p14="http://schemas.microsoft.com/office/powerpoint/2010/main" val="2132705375"/>
+        <p14:creationId xmlns:p14="http://schemas.microsoft.com/office/powerpoint/2010/main" val="3413087346"/>
+      </p:ext>
+    </p:extLst>
+  </p:cSld>
+  <p:clrMapOvr>
+    <a:masterClrMapping/>
+  </p:clrMapOvr>
+</p:sld>
+</file>
+
+<file path=ppt/slides/slide5.xml><?xml version="1.0" encoding="utf-8"?>
+<p:sld xmlns:a="http://schemas.openxmlformats.org/drawingml/2006/main" xmlns:r="http://schemas.openxmlformats.org/officeDocument/2006/relationships" xmlns:p="http://schemas.openxmlformats.org/presentationml/2006/main">
+  <p:cSld>
+    <p:spTree>
+      <p:nvGrpSpPr>
+        <p:cNvPr id="1" name=""/>
+        <p:cNvGrpSpPr/>
+        <p:nvPr/>
+      </p:nvGrpSpPr>
+      <p:grpSpPr>
+        <a:xfrm>
+          <a:off x="0" y="0"/>
+          <a:ext cx="0" cy="0"/>
+          <a:chOff x="0" y="0"/>
+          <a:chExt cx="0" cy="0"/>
+        </a:xfrm>
+      </p:grpSpPr>
+      <p:sp>
+        <p:nvSpPr>
+          <p:cNvPr id="2" name="Title 1">
+            <a:extLst>
+              <a:ext uri="{FF2B5EF4-FFF2-40B4-BE49-F238E27FC236}">
+                <a16:creationId xmlns:a16="http://schemas.microsoft.com/office/drawing/2014/main" id="{70786731-1016-FE47-8446-A4A2A7439612}"/>
+              </a:ext>
+            </a:extLst>
+          </p:cNvPr>
+          <p:cNvSpPr>
+            <a:spLocks noGrp="1"/>
+          </p:cNvSpPr>
+          <p:nvPr>
+            <p:ph type="title"/>
+          </p:nvPr>
+        </p:nvSpPr>
+        <p:spPr/>
+        <p:txBody>
+          <a:bodyPr/>
+          <a:lstStyle/>
+          <a:p>
+            <a:r>
+              <a:rPr lang="de-DE" dirty="0"/>
+              <a:t>Model </a:t>
+            </a:r>
+            <a:r>
+              <a:rPr lang="de-DE" dirty="0" err="1"/>
+              <a:t>training</a:t>
+            </a:r>
+            <a:endParaRPr lang="de-DE" dirty="0"/>
+          </a:p>
+        </p:txBody>
+      </p:sp>
+      <p:sp>
+        <p:nvSpPr>
+          <p:cNvPr id="7" name="Textfeld 28">
+            <a:extLst>
+              <a:ext uri="{FF2B5EF4-FFF2-40B4-BE49-F238E27FC236}">
+                <a16:creationId xmlns:a16="http://schemas.microsoft.com/office/drawing/2014/main" id="{1F2DE8B8-A81D-9D4D-9593-FA78F60205F7}"/>
+              </a:ext>
+            </a:extLst>
+          </p:cNvPr>
+          <p:cNvSpPr txBox="1"/>
+          <p:nvPr/>
+        </p:nvSpPr>
+        <p:spPr bwMode="gray">
+          <a:xfrm>
+            <a:off x="7331768" y="1611658"/>
+            <a:ext cx="3764843" cy="251795"/>
+          </a:xfrm>
+          <a:prstGeom prst="rect">
+            <a:avLst/>
+          </a:prstGeom>
+          <a:noFill/>
+        </p:spPr>
+        <p:txBody>
+          <a:bodyPr wrap="square" lIns="0" tIns="0" rIns="0" bIns="36000" rtlCol="0" anchor="b">
+            <a:spAutoFit/>
+          </a:bodyPr>
+          <a:lstStyle/>
+          <a:p>
+            <a:r>
+              <a:rPr lang="en-US" sz="1400" b="1" dirty="0"/>
+              <a:t>Model- and hyperparameters (selection)</a:t>
+            </a:r>
+          </a:p>
+        </p:txBody>
+      </p:sp>
+      <p:cxnSp>
+        <p:nvCxnSpPr>
+          <p:cNvPr id="8" name="Gerader Verbinder 29">
+            <a:extLst>
+              <a:ext uri="{FF2B5EF4-FFF2-40B4-BE49-F238E27FC236}">
+                <a16:creationId xmlns:a16="http://schemas.microsoft.com/office/drawing/2014/main" id="{0AD58595-9E62-6445-8122-B2023D619EF2}"/>
+              </a:ext>
+            </a:extLst>
+          </p:cNvPr>
+          <p:cNvCxnSpPr>
+            <a:cxnSpLocks/>
+          </p:cNvCxnSpPr>
+          <p:nvPr/>
+        </p:nvCxnSpPr>
+        <p:spPr bwMode="gray">
+          <a:xfrm>
+            <a:off x="7331768" y="1863453"/>
+            <a:ext cx="3764844" cy="0"/>
+          </a:xfrm>
+          <a:prstGeom prst="line">
+            <a:avLst/>
+          </a:prstGeom>
+          <a:ln w="3175">
+            <a:solidFill>
+              <a:schemeClr val="tx1">
+                <a:lumMod val="40000"/>
+                <a:lumOff val="60000"/>
+              </a:schemeClr>
+            </a:solidFill>
+          </a:ln>
+        </p:spPr>
+        <p:style>
+          <a:lnRef idx="1">
+            <a:schemeClr val="accent1"/>
+          </a:lnRef>
+          <a:fillRef idx="0">
+            <a:schemeClr val="accent1"/>
+          </a:fillRef>
+          <a:effectRef idx="0">
+            <a:schemeClr val="accent1"/>
+          </a:effectRef>
+          <a:fontRef idx="minor">
+            <a:schemeClr val="tx1"/>
+          </a:fontRef>
+        </p:style>
+      </p:cxnSp>
+      <p:cxnSp>
+        <p:nvCxnSpPr>
+          <p:cNvPr id="9" name="Gerader Verbinder 31">
+            <a:extLst>
+              <a:ext uri="{FF2B5EF4-FFF2-40B4-BE49-F238E27FC236}">
+                <a16:creationId xmlns:a16="http://schemas.microsoft.com/office/drawing/2014/main" id="{BDFD92A0-D1D7-F549-9060-F0A88715A49C}"/>
+              </a:ext>
+            </a:extLst>
+          </p:cNvPr>
+          <p:cNvCxnSpPr/>
+          <p:nvPr/>
+        </p:nvCxnSpPr>
+        <p:spPr bwMode="gray">
+          <a:xfrm flipV="1">
+            <a:off x="7113605" y="1605053"/>
+            <a:ext cx="0" cy="4536693"/>
+          </a:xfrm>
+          <a:prstGeom prst="line">
+            <a:avLst/>
+          </a:prstGeom>
+          <a:ln w="3175">
+            <a:solidFill>
+              <a:schemeClr val="tx1">
+                <a:lumMod val="40000"/>
+                <a:lumOff val="60000"/>
+              </a:schemeClr>
+            </a:solidFill>
+            <a:prstDash val="sysDot"/>
+          </a:ln>
+        </p:spPr>
+        <p:style>
+          <a:lnRef idx="1">
+            <a:schemeClr val="accent1"/>
+          </a:lnRef>
+          <a:fillRef idx="0">
+            <a:schemeClr val="accent1"/>
+          </a:fillRef>
+          <a:effectRef idx="0">
+            <a:schemeClr val="accent1"/>
+          </a:effectRef>
+          <a:fontRef idx="minor">
+            <a:schemeClr val="tx1"/>
+          </a:fontRef>
+        </p:style>
+      </p:cxnSp>
+      <p:grpSp>
+        <p:nvGrpSpPr>
+          <p:cNvPr id="10" name="Gruppieren 32">
+            <a:extLst>
+              <a:ext uri="{FF2B5EF4-FFF2-40B4-BE49-F238E27FC236}">
+                <a16:creationId xmlns:a16="http://schemas.microsoft.com/office/drawing/2014/main" id="{BA8FB7EB-6D06-AD40-8714-C3BF76AC11E9}"/>
+              </a:ext>
+            </a:extLst>
+          </p:cNvPr>
+          <p:cNvGrpSpPr/>
+          <p:nvPr/>
+        </p:nvGrpSpPr>
+        <p:grpSpPr>
+          <a:xfrm>
+            <a:off x="7011211" y="3492399"/>
+            <a:ext cx="204788" cy="755650"/>
+            <a:chOff x="9006774" y="3303778"/>
+            <a:chExt cx="204788" cy="755650"/>
+          </a:xfrm>
+        </p:grpSpPr>
+        <p:sp>
+          <p:nvSpPr>
+            <p:cNvPr id="11" name="Rechteck 33">
+              <a:extLst>
+                <a:ext uri="{FF2B5EF4-FFF2-40B4-BE49-F238E27FC236}">
+                  <a16:creationId xmlns:a16="http://schemas.microsoft.com/office/drawing/2014/main" id="{F02303CA-F4DF-8344-A46F-7F2E90FAB50B}"/>
+                </a:ext>
+              </a:extLst>
+            </p:cNvPr>
+            <p:cNvSpPr/>
+            <p:nvPr/>
+          </p:nvSpPr>
+          <p:spPr bwMode="gray">
+            <a:xfrm>
+              <a:off x="9006774" y="3303778"/>
+              <a:ext cx="204788" cy="755650"/>
+            </a:xfrm>
+            <a:prstGeom prst="rect">
+              <a:avLst/>
+            </a:prstGeom>
+            <a:solidFill>
+              <a:schemeClr val="bg1"/>
+            </a:solidFill>
+            <a:ln w="12700" cap="flat" cmpd="sng" algn="ctr">
+              <a:noFill/>
+              <a:prstDash val="solid"/>
+              <a:miter lim="800000"/>
+            </a:ln>
+            <a:effectLst/>
+            <a:extLst>
+              <a:ext uri="{91240B29-F687-4F45-9708-019B960494DF}">
+                <a14:hiddenLine xmlns:a14="http://schemas.microsoft.com/office/drawing/2010/main" w="12700" cap="flat" cmpd="sng" algn="ctr">
+                  <a:solidFill>
+                    <a:schemeClr val="accent1">
+                      <a:shade val="50000"/>
+                    </a:schemeClr>
+                  </a:solidFill>
+                  <a:prstDash val="solid"/>
+                  <a:miter lim="800000"/>
+                </a14:hiddenLine>
+              </a:ext>
+            </a:extLst>
+          </p:spPr>
+          <p:style>
+            <a:lnRef idx="2">
+              <a:schemeClr val="accent1">
+                <a:shade val="50000"/>
+              </a:schemeClr>
+            </a:lnRef>
+            <a:fillRef idx="1">
+              <a:schemeClr val="accent1"/>
+            </a:fillRef>
+            <a:effectRef idx="0">
+              <a:schemeClr val="accent1"/>
+            </a:effectRef>
+            <a:fontRef idx="minor">
+              <a:schemeClr val="lt1"/>
+            </a:fontRef>
+          </p:style>
+          <p:txBody>
+            <a:bodyPr rtlCol="0" anchor="ctr"/>
+            <a:lstStyle/>
+            <a:p>
+              <a:pPr algn="ctr"/>
+              <a:endParaRPr lang="en-US" dirty="0"/>
+            </a:p>
+          </p:txBody>
+        </p:sp>
+        <p:sp>
+          <p:nvSpPr>
+            <p:cNvPr id="12" name="Freihandform 17">
+              <a:extLst>
+                <a:ext uri="{FF2B5EF4-FFF2-40B4-BE49-F238E27FC236}">
+                  <a16:creationId xmlns:a16="http://schemas.microsoft.com/office/drawing/2014/main" id="{A2DDAB59-EB87-B14C-B568-96B6C10C89D3}"/>
+                </a:ext>
+              </a:extLst>
+            </p:cNvPr>
+            <p:cNvSpPr/>
+            <p:nvPr/>
+          </p:nvSpPr>
+          <p:spPr>
+            <a:xfrm>
+              <a:off x="9015506" y="3465703"/>
+              <a:ext cx="187325" cy="431800"/>
+            </a:xfrm>
+            <a:custGeom>
+              <a:avLst/>
+              <a:gdLst>
+                <a:gd name="connsiteX0" fmla="*/ 0 w 415925"/>
+                <a:gd name="connsiteY0" fmla="*/ 0 h 819150"/>
+                <a:gd name="connsiteX1" fmla="*/ 415925 w 415925"/>
+                <a:gd name="connsiteY1" fmla="*/ 415925 h 819150"/>
+                <a:gd name="connsiteX2" fmla="*/ 12700 w 415925"/>
+                <a:gd name="connsiteY2" fmla="*/ 819150 h 819150"/>
+              </a:gdLst>
+              <a:ahLst/>
+              <a:cxnLst>
+                <a:cxn ang="0">
+                  <a:pos x="connsiteX0" y="connsiteY0"/>
+                </a:cxn>
+                <a:cxn ang="0">
+                  <a:pos x="connsiteX1" y="connsiteY1"/>
+                </a:cxn>
+                <a:cxn ang="0">
+                  <a:pos x="connsiteX2" y="connsiteY2"/>
+                </a:cxn>
+              </a:cxnLst>
+              <a:rect l="l" t="t" r="r" b="b"/>
+              <a:pathLst>
+                <a:path w="415925" h="819150">
+                  <a:moveTo>
+                    <a:pt x="0" y="0"/>
+                  </a:moveTo>
+                  <a:lnTo>
+                    <a:pt x="415925" y="415925"/>
+                  </a:lnTo>
+                  <a:lnTo>
+                    <a:pt x="12700" y="819150"/>
+                  </a:lnTo>
+                </a:path>
+              </a:pathLst>
+            </a:custGeom>
+            <a:noFill/>
+            <a:ln w="19050">
+              <a:solidFill>
+                <a:schemeClr val="tx2"/>
+              </a:solidFill>
+            </a:ln>
+          </p:spPr>
+          <p:style>
+            <a:lnRef idx="2">
+              <a:schemeClr val="accent1">
+                <a:shade val="50000"/>
+              </a:schemeClr>
+            </a:lnRef>
+            <a:fillRef idx="1">
+              <a:schemeClr val="accent1"/>
+            </a:fillRef>
+            <a:effectRef idx="0">
+              <a:schemeClr val="accent1"/>
+            </a:effectRef>
+            <a:fontRef idx="minor">
+              <a:schemeClr val="lt1"/>
+            </a:fontRef>
+          </p:style>
+          <p:txBody>
+            <a:bodyPr rtlCol="0" anchor="ctr"/>
+            <a:lstStyle/>
+            <a:p>
+              <a:pPr algn="ctr"/>
+              <a:endParaRPr lang="en-US" dirty="0"/>
+            </a:p>
+          </p:txBody>
+        </p:sp>
+      </p:grpSp>
+      <p:pic>
+        <p:nvPicPr>
+          <p:cNvPr id="22" name="Picture 21" descr="Text&#10;&#10;Description automatically generated">
+            <a:extLst>
+              <a:ext uri="{FF2B5EF4-FFF2-40B4-BE49-F238E27FC236}">
+                <a16:creationId xmlns:a16="http://schemas.microsoft.com/office/drawing/2014/main" id="{5FBF24F3-43FE-484B-9D5E-3B0AE2ED5085}"/>
+              </a:ext>
+            </a:extLst>
+          </p:cNvPr>
+          <p:cNvPicPr>
+            <a:picLocks noChangeAspect="1"/>
+          </p:cNvPicPr>
+          <p:nvPr/>
+        </p:nvPicPr>
+        <p:blipFill rotWithShape="1">
+          <a:blip r:embed="rId2"/>
+          <a:srcRect b="6985"/>
+          <a:stretch/>
+        </p:blipFill>
+        <p:spPr>
+          <a:xfrm>
+            <a:off x="7411280" y="2012054"/>
+            <a:ext cx="2837189" cy="4219782"/>
+          </a:xfrm>
+          <a:prstGeom prst="rect">
+            <a:avLst/>
+          </a:prstGeom>
+        </p:spPr>
+      </p:pic>
+      <p:pic>
+        <p:nvPicPr>
+          <p:cNvPr id="27" name="Picture 26" descr="Chart, line chart&#10;&#10;Description automatically generated">
+            <a:extLst>
+              <a:ext uri="{FF2B5EF4-FFF2-40B4-BE49-F238E27FC236}">
+                <a16:creationId xmlns:a16="http://schemas.microsoft.com/office/drawing/2014/main" id="{2A2C8D6D-3BF8-924B-8750-30B7808ED328}"/>
+              </a:ext>
+            </a:extLst>
+          </p:cNvPr>
+          <p:cNvPicPr>
+            <a:picLocks noChangeAspect="1"/>
+          </p:cNvPicPr>
+          <p:nvPr/>
+        </p:nvPicPr>
+        <p:blipFill>
+          <a:blip r:embed="rId3"/>
+          <a:stretch>
+            <a:fillRect/>
+          </a:stretch>
+        </p:blipFill>
+        <p:spPr>
+          <a:xfrm>
+            <a:off x="627109" y="1165157"/>
+            <a:ext cx="3915067" cy="5048234"/>
+          </a:xfrm>
+          <a:prstGeom prst="rect">
+            <a:avLst/>
+          </a:prstGeom>
+        </p:spPr>
+      </p:pic>
+      <p:sp>
+        <p:nvSpPr>
+          <p:cNvPr id="28" name="Textfeld 28">
+            <a:extLst>
+              <a:ext uri="{FF2B5EF4-FFF2-40B4-BE49-F238E27FC236}">
+                <a16:creationId xmlns:a16="http://schemas.microsoft.com/office/drawing/2014/main" id="{41CAA7ED-B9C0-6F45-8251-29B59C7D1CE3}"/>
+              </a:ext>
+            </a:extLst>
+          </p:cNvPr>
+          <p:cNvSpPr txBox="1"/>
+          <p:nvPr/>
+        </p:nvSpPr>
+        <p:spPr bwMode="gray">
+          <a:xfrm>
+            <a:off x="4229635" y="3204612"/>
+            <a:ext cx="2477767" cy="251795"/>
+          </a:xfrm>
+          <a:prstGeom prst="rect">
+            <a:avLst/>
+          </a:prstGeom>
+          <a:noFill/>
+        </p:spPr>
+        <p:txBody>
+          <a:bodyPr wrap="square" lIns="0" tIns="0" rIns="0" bIns="36000" rtlCol="0" anchor="b">
+            <a:spAutoFit/>
+          </a:bodyPr>
+          <a:lstStyle/>
+          <a:p>
+            <a:r>
+              <a:rPr lang="en-US" sz="1400" b="1" dirty="0"/>
+              <a:t>Filter(**</a:t>
+            </a:r>
+            <a:r>
+              <a:rPr lang="en-US" sz="1400" b="1" dirty="0" err="1"/>
+              <a:t>hparams</a:t>
+            </a:r>
+            <a:r>
+              <a:rPr lang="en-US" sz="1400" b="1" dirty="0"/>
+              <a:t>).</a:t>
+            </a:r>
+            <a:r>
+              <a:rPr lang="en-US" sz="1400" b="1" dirty="0" err="1"/>
+              <a:t>selection_bias</a:t>
+            </a:r>
+            <a:endParaRPr lang="en-US" sz="1400" b="1" dirty="0"/>
+          </a:p>
+        </p:txBody>
+      </p:sp>
+      <p:grpSp>
+        <p:nvGrpSpPr>
+          <p:cNvPr id="36" name="Group 35">
+            <a:extLst>
+              <a:ext uri="{FF2B5EF4-FFF2-40B4-BE49-F238E27FC236}">
+                <a16:creationId xmlns:a16="http://schemas.microsoft.com/office/drawing/2014/main" id="{73558E13-48E9-B244-8C65-A5800C64BCFE}"/>
+              </a:ext>
+            </a:extLst>
+          </p:cNvPr>
+          <p:cNvGrpSpPr/>
+          <p:nvPr/>
+        </p:nvGrpSpPr>
+        <p:grpSpPr>
+          <a:xfrm>
+            <a:off x="4497369" y="3585910"/>
+            <a:ext cx="1545935" cy="874123"/>
+            <a:chOff x="4305428" y="4438317"/>
+            <a:chExt cx="1545935" cy="874123"/>
+          </a:xfrm>
+        </p:grpSpPr>
+        <p:sp>
+          <p:nvSpPr>
+            <p:cNvPr id="24" name="Rectangle 23">
+              <a:extLst>
+                <a:ext uri="{FF2B5EF4-FFF2-40B4-BE49-F238E27FC236}">
+                  <a16:creationId xmlns:a16="http://schemas.microsoft.com/office/drawing/2014/main" id="{5D24047D-B1F8-6D41-A40E-0991B2413F36}"/>
+                </a:ext>
+              </a:extLst>
+            </p:cNvPr>
+            <p:cNvSpPr/>
+            <p:nvPr/>
+          </p:nvSpPr>
+          <p:spPr>
+            <a:xfrm>
+              <a:off x="4426046" y="4438317"/>
+              <a:ext cx="363838" cy="874123"/>
+            </a:xfrm>
+            <a:prstGeom prst="rect">
+              <a:avLst/>
+            </a:prstGeom>
+            <a:noFill/>
+            <a:ln>
+              <a:solidFill>
+                <a:srgbClr val="2274B6"/>
+              </a:solidFill>
+            </a:ln>
+          </p:spPr>
+          <p:style>
+            <a:lnRef idx="2">
+              <a:schemeClr val="accent1">
+                <a:shade val="50000"/>
+              </a:schemeClr>
+            </a:lnRef>
+            <a:fillRef idx="1">
+              <a:schemeClr val="accent1"/>
+            </a:fillRef>
+            <a:effectRef idx="0">
+              <a:schemeClr val="accent1"/>
+            </a:effectRef>
+            <a:fontRef idx="minor">
+              <a:schemeClr val="lt1"/>
+            </a:fontRef>
+          </p:style>
+          <p:txBody>
+            <a:bodyPr rtlCol="0" anchor="ctr"/>
+            <a:lstStyle/>
+            <a:p>
+              <a:pPr algn="ctr"/>
+              <a:endParaRPr lang="de-DE"/>
+            </a:p>
+          </p:txBody>
+        </p:sp>
+        <p:pic>
+          <p:nvPicPr>
+            <p:cNvPr id="30" name="Graphic 29">
+              <a:extLst>
+                <a:ext uri="{FF2B5EF4-FFF2-40B4-BE49-F238E27FC236}">
+                  <a16:creationId xmlns:a16="http://schemas.microsoft.com/office/drawing/2014/main" id="{2FBDB627-FACA-9440-83EF-28BD82D2E0BE}"/>
+                </a:ext>
+              </a:extLst>
+            </p:cNvPr>
+            <p:cNvPicPr>
+              <a:picLocks noChangeAspect="1"/>
+            </p:cNvPicPr>
+            <p:nvPr/>
+          </p:nvPicPr>
+          <p:blipFill>
+            <a:blip r:embed="rId4">
+              <a:extLst>
+                <a:ext uri="{96DAC541-7B7A-43D3-8B79-37D633B846F1}">
+                  <asvg:svgBlip xmlns:asvg="http://schemas.microsoft.com/office/drawing/2016/SVG/main" r:embed="rId5"/>
+                </a:ext>
+              </a:extLst>
+            </a:blip>
+            <a:stretch>
+              <a:fillRect/>
+            </a:stretch>
+          </p:blipFill>
+          <p:spPr>
+            <a:xfrm>
+              <a:off x="4305428" y="4467659"/>
+              <a:ext cx="1545935" cy="815438"/>
+            </a:xfrm>
+            <a:prstGeom prst="rect">
+              <a:avLst/>
+            </a:prstGeom>
+          </p:spPr>
+        </p:pic>
+        <p:sp>
+          <p:nvSpPr>
+            <p:cNvPr id="34" name="Rectangle 33">
+              <a:extLst>
+                <a:ext uri="{FF2B5EF4-FFF2-40B4-BE49-F238E27FC236}">
+                  <a16:creationId xmlns:a16="http://schemas.microsoft.com/office/drawing/2014/main" id="{7726A063-5385-A14C-85E6-69DDAB07AC03}"/>
+                </a:ext>
+              </a:extLst>
+            </p:cNvPr>
+            <p:cNvSpPr/>
+            <p:nvPr/>
+          </p:nvSpPr>
+          <p:spPr>
+            <a:xfrm>
+              <a:off x="4928509" y="4438317"/>
+              <a:ext cx="363838" cy="874123"/>
+            </a:xfrm>
+            <a:prstGeom prst="rect">
+              <a:avLst/>
+            </a:prstGeom>
+            <a:noFill/>
+            <a:ln>
+              <a:solidFill>
+                <a:srgbClr val="ED7D31"/>
+              </a:solidFill>
+            </a:ln>
+          </p:spPr>
+          <p:style>
+            <a:lnRef idx="2">
+              <a:schemeClr val="accent1">
+                <a:shade val="50000"/>
+              </a:schemeClr>
+            </a:lnRef>
+            <a:fillRef idx="1">
+              <a:schemeClr val="accent1"/>
+            </a:fillRef>
+            <a:effectRef idx="0">
+              <a:schemeClr val="accent1"/>
+            </a:effectRef>
+            <a:fontRef idx="minor">
+              <a:schemeClr val="lt1"/>
+            </a:fontRef>
+          </p:style>
+          <p:txBody>
+            <a:bodyPr rtlCol="0" anchor="ctr"/>
+            <a:lstStyle/>
+            <a:p>
+              <a:pPr algn="ctr"/>
+              <a:endParaRPr lang="de-DE"/>
+            </a:p>
+          </p:txBody>
+        </p:sp>
+        <p:sp>
+          <p:nvSpPr>
+            <p:cNvPr id="35" name="Rectangle 34">
+              <a:extLst>
+                <a:ext uri="{FF2B5EF4-FFF2-40B4-BE49-F238E27FC236}">
+                  <a16:creationId xmlns:a16="http://schemas.microsoft.com/office/drawing/2014/main" id="{A0B926D4-6ABF-7149-B5EC-42678DADCC23}"/>
+                </a:ext>
+              </a:extLst>
+            </p:cNvPr>
+            <p:cNvSpPr/>
+            <p:nvPr/>
+          </p:nvSpPr>
+          <p:spPr>
+            <a:xfrm>
+              <a:off x="5430971" y="4438317"/>
+              <a:ext cx="363838" cy="874123"/>
+            </a:xfrm>
+            <a:prstGeom prst="rect">
+              <a:avLst/>
+            </a:prstGeom>
+            <a:noFill/>
+            <a:ln>
+              <a:solidFill>
+                <a:srgbClr val="20A116"/>
+              </a:solidFill>
+            </a:ln>
+          </p:spPr>
+          <p:style>
+            <a:lnRef idx="2">
+              <a:schemeClr val="accent1">
+                <a:shade val="50000"/>
+              </a:schemeClr>
+            </a:lnRef>
+            <a:fillRef idx="1">
+              <a:schemeClr val="accent1"/>
+            </a:fillRef>
+            <a:effectRef idx="0">
+              <a:schemeClr val="accent1"/>
+            </a:effectRef>
+            <a:fontRef idx="minor">
+              <a:schemeClr val="lt1"/>
+            </a:fontRef>
+          </p:style>
+          <p:txBody>
+            <a:bodyPr rtlCol="0" anchor="ctr"/>
+            <a:lstStyle/>
+            <a:p>
+              <a:pPr algn="ctr"/>
+              <a:endParaRPr lang="de-DE"/>
+            </a:p>
+          </p:txBody>
+        </p:sp>
+      </p:grpSp>
+    </p:spTree>
+    <p:extLst>
+      <p:ext uri="{BB962C8B-B14F-4D97-AF65-F5344CB8AC3E}">
+        <p14:creationId xmlns:p14="http://schemas.microsoft.com/office/powerpoint/2010/main" val="21834038"/>
+      </p:ext>
+    </p:extLst>
+  </p:cSld>
+  <p:clrMapOvr>
+    <a:masterClrMapping/>
+  </p:clrMapOvr>
+</p:sld>
+</file>
+
+<file path=ppt/slides/slide6.xml><?xml version="1.0" encoding="utf-8"?>
+<p:sld xmlns:a="http://schemas.openxmlformats.org/drawingml/2006/main" xmlns:r="http://schemas.openxmlformats.org/officeDocument/2006/relationships" xmlns:p="http://schemas.openxmlformats.org/presentationml/2006/main">
+  <p:cSld>
+    <p:spTree>
+      <p:nvGrpSpPr>
+        <p:cNvPr id="1" name=""/>
+        <p:cNvGrpSpPr/>
+        <p:nvPr/>
+      </p:nvGrpSpPr>
+      <p:grpSpPr>
+        <a:xfrm>
+          <a:off x="0" y="0"/>
+          <a:ext cx="0" cy="0"/>
+          <a:chOff x="0" y="0"/>
+          <a:chExt cx="0" cy="0"/>
+        </a:xfrm>
+      </p:grpSpPr>
+      <p:sp>
+        <p:nvSpPr>
+          <p:cNvPr id="2" name="Title 1">
+            <a:extLst>
+              <a:ext uri="{FF2B5EF4-FFF2-40B4-BE49-F238E27FC236}">
+                <a16:creationId xmlns:a16="http://schemas.microsoft.com/office/drawing/2014/main" id="{868D807D-2391-C243-9F10-38FC5D55EB38}"/>
+              </a:ext>
+            </a:extLst>
+          </p:cNvPr>
+          <p:cNvSpPr>
+            <a:spLocks noGrp="1"/>
+          </p:cNvSpPr>
+          <p:nvPr>
+            <p:ph type="title"/>
+          </p:nvPr>
+        </p:nvSpPr>
+        <p:spPr/>
+        <p:txBody>
+          <a:bodyPr>
+            <a:normAutofit/>
+          </a:bodyPr>
+          <a:lstStyle/>
+          <a:p>
+            <a:r>
+              <a:rPr lang="en-US" dirty="0"/>
+              <a:t>Results – answer predictions</a:t>
+            </a:r>
+          </a:p>
+        </p:txBody>
+      </p:sp>
+      <p:pic>
+        <p:nvPicPr>
+          <p:cNvPr id="7" name="Picture 6" descr="Chart, scatter chart&#10;&#10;Description automatically generated">
+            <a:extLst>
+              <a:ext uri="{FF2B5EF4-FFF2-40B4-BE49-F238E27FC236}">
+                <a16:creationId xmlns:a16="http://schemas.microsoft.com/office/drawing/2014/main" id="{982D1122-4360-4241-9A6F-D5E759027D32}"/>
+              </a:ext>
+            </a:extLst>
+          </p:cNvPr>
+          <p:cNvPicPr>
+            <a:picLocks noChangeAspect="1"/>
+          </p:cNvPicPr>
+          <p:nvPr/>
+        </p:nvPicPr>
+        <p:blipFill>
+          <a:blip r:embed="rId2"/>
+          <a:stretch>
+            <a:fillRect/>
+          </a:stretch>
+        </p:blipFill>
+        <p:spPr>
+          <a:xfrm>
+            <a:off x="474133" y="1465585"/>
+            <a:ext cx="10769600" cy="4596549"/>
+          </a:xfrm>
+          <a:prstGeom prst="rect">
+            <a:avLst/>
+          </a:prstGeom>
+        </p:spPr>
+      </p:pic>
+    </p:spTree>
+    <p:extLst>
+      <p:ext uri="{BB962C8B-B14F-4D97-AF65-F5344CB8AC3E}">
+        <p14:creationId xmlns:p14="http://schemas.microsoft.com/office/powerpoint/2010/main" val="133980750"/>
+      </p:ext>
+    </p:extLst>
+  </p:cSld>
+  <p:clrMapOvr>
+    <a:masterClrMapping/>
+  </p:clrMapOvr>
+</p:sld>
+</file>
+
+<file path=ppt/slides/slide7.xml><?xml version="1.0" encoding="utf-8"?>
+<p:sld xmlns:a="http://schemas.openxmlformats.org/drawingml/2006/main" xmlns:r="http://schemas.openxmlformats.org/officeDocument/2006/relationships" xmlns:p="http://schemas.openxmlformats.org/presentationml/2006/main">
+  <p:cSld>
+    <p:spTree>
+      <p:nvGrpSpPr>
+        <p:cNvPr id="1" name=""/>
+        <p:cNvGrpSpPr/>
+        <p:nvPr/>
+      </p:nvGrpSpPr>
+      <p:grpSpPr>
+        <a:xfrm>
+          <a:off x="0" y="0"/>
+          <a:ext cx="0" cy="0"/>
+          <a:chOff x="0" y="0"/>
+          <a:chExt cx="0" cy="0"/>
+        </a:xfrm>
+      </p:grpSpPr>
+      <p:sp>
+        <p:nvSpPr>
+          <p:cNvPr id="2" name="Title 1">
+            <a:extLst>
+              <a:ext uri="{FF2B5EF4-FFF2-40B4-BE49-F238E27FC236}">
+                <a16:creationId xmlns:a16="http://schemas.microsoft.com/office/drawing/2014/main" id="{868D807D-2391-C243-9F10-38FC5D55EB38}"/>
+              </a:ext>
+            </a:extLst>
+          </p:cNvPr>
+          <p:cNvSpPr>
+            <a:spLocks noGrp="1"/>
+          </p:cNvSpPr>
+          <p:nvPr>
+            <p:ph type="title"/>
+          </p:nvPr>
+        </p:nvSpPr>
+        <p:spPr/>
+        <p:txBody>
+          <a:bodyPr>
+            <a:normAutofit/>
+          </a:bodyPr>
+          <a:lstStyle/>
+          <a:p>
+            <a:r>
+              <a:rPr lang="en-US" dirty="0"/>
+              <a:t>Results – hidden state predictions</a:t>
+            </a:r>
+          </a:p>
+        </p:txBody>
+      </p:sp>
+      <p:pic>
+        <p:nvPicPr>
+          <p:cNvPr id="4" name="Picture 3" descr="Calendar&#10;&#10;Description automatically generated with low confidence">
+            <a:extLst>
+              <a:ext uri="{FF2B5EF4-FFF2-40B4-BE49-F238E27FC236}">
+                <a16:creationId xmlns:a16="http://schemas.microsoft.com/office/drawing/2014/main" id="{17A1C017-55AC-E245-8934-92F36B77F844}"/>
+              </a:ext>
+            </a:extLst>
+          </p:cNvPr>
+          <p:cNvPicPr>
+            <a:picLocks noChangeAspect="1"/>
+          </p:cNvPicPr>
+          <p:nvPr/>
+        </p:nvPicPr>
+        <p:blipFill>
+          <a:blip r:embed="rId2"/>
+          <a:stretch>
+            <a:fillRect/>
+          </a:stretch>
+        </p:blipFill>
+        <p:spPr>
+          <a:xfrm>
+            <a:off x="2773656" y="965200"/>
+            <a:ext cx="6644687" cy="5555584"/>
+          </a:xfrm>
+          <a:prstGeom prst="rect">
+            <a:avLst/>
+          </a:prstGeom>
+        </p:spPr>
+      </p:pic>
+    </p:spTree>
+    <p:extLst>
+      <p:ext uri="{BB962C8B-B14F-4D97-AF65-F5344CB8AC3E}">
+        <p14:creationId xmlns:p14="http://schemas.microsoft.com/office/powerpoint/2010/main" val="45568868"/>
       </p:ext>
     </p:extLst>
   </p:cSld>
